--- a/submit (3).pptx
+++ b/submit (3).pptx
@@ -258,7 +258,7 @@
           <a:p>
             <a:fld id="{48F71B6D-55F6-4550-85C4-E25ACA6B0146}" type="datetimeFigureOut">
               <a:rPr lang="ko-KR" altLang="en-US" smtClean="0"/>
-              <a:t>2023-06-25</a:t>
+              <a:t>2023-06-27</a:t>
             </a:fld>
             <a:endParaRPr lang="ko-KR" altLang="en-US"/>
           </a:p>
@@ -426,7 +426,7 @@
           <a:p>
             <a:fld id="{48F71B6D-55F6-4550-85C4-E25ACA6B0146}" type="datetimeFigureOut">
               <a:rPr lang="ko-KR" altLang="en-US" smtClean="0"/>
-              <a:t>2023-06-25</a:t>
+              <a:t>2023-06-27</a:t>
             </a:fld>
             <a:endParaRPr lang="ko-KR" altLang="en-US"/>
           </a:p>
@@ -604,7 +604,7 @@
           <a:p>
             <a:fld id="{48F71B6D-55F6-4550-85C4-E25ACA6B0146}" type="datetimeFigureOut">
               <a:rPr lang="ko-KR" altLang="en-US" smtClean="0"/>
-              <a:t>2023-06-25</a:t>
+              <a:t>2023-06-27</a:t>
             </a:fld>
             <a:endParaRPr lang="ko-KR" altLang="en-US"/>
           </a:p>
@@ -772,7 +772,7 @@
           <a:p>
             <a:fld id="{48F71B6D-55F6-4550-85C4-E25ACA6B0146}" type="datetimeFigureOut">
               <a:rPr lang="ko-KR" altLang="en-US" smtClean="0"/>
-              <a:t>2023-06-25</a:t>
+              <a:t>2023-06-27</a:t>
             </a:fld>
             <a:endParaRPr lang="ko-KR" altLang="en-US"/>
           </a:p>
@@ -1017,7 +1017,7 @@
           <a:p>
             <a:fld id="{48F71B6D-55F6-4550-85C4-E25ACA6B0146}" type="datetimeFigureOut">
               <a:rPr lang="ko-KR" altLang="en-US" smtClean="0"/>
-              <a:t>2023-06-25</a:t>
+              <a:t>2023-06-27</a:t>
             </a:fld>
             <a:endParaRPr lang="ko-KR" altLang="en-US"/>
           </a:p>
@@ -1246,7 +1246,7 @@
           <a:p>
             <a:fld id="{48F71B6D-55F6-4550-85C4-E25ACA6B0146}" type="datetimeFigureOut">
               <a:rPr lang="ko-KR" altLang="en-US" smtClean="0"/>
-              <a:t>2023-06-25</a:t>
+              <a:t>2023-06-27</a:t>
             </a:fld>
             <a:endParaRPr lang="ko-KR" altLang="en-US"/>
           </a:p>
@@ -1610,7 +1610,7 @@
           <a:p>
             <a:fld id="{48F71B6D-55F6-4550-85C4-E25ACA6B0146}" type="datetimeFigureOut">
               <a:rPr lang="ko-KR" altLang="en-US" smtClean="0"/>
-              <a:t>2023-06-25</a:t>
+              <a:t>2023-06-27</a:t>
             </a:fld>
             <a:endParaRPr lang="ko-KR" altLang="en-US"/>
           </a:p>
@@ -1727,7 +1727,7 @@
           <a:p>
             <a:fld id="{48F71B6D-55F6-4550-85C4-E25ACA6B0146}" type="datetimeFigureOut">
               <a:rPr lang="ko-KR" altLang="en-US" smtClean="0"/>
-              <a:t>2023-06-25</a:t>
+              <a:t>2023-06-27</a:t>
             </a:fld>
             <a:endParaRPr lang="ko-KR" altLang="en-US"/>
           </a:p>
@@ -1822,7 +1822,7 @@
           <a:p>
             <a:fld id="{48F71B6D-55F6-4550-85C4-E25ACA6B0146}" type="datetimeFigureOut">
               <a:rPr lang="ko-KR" altLang="en-US" smtClean="0"/>
-              <a:t>2023-06-25</a:t>
+              <a:t>2023-06-27</a:t>
             </a:fld>
             <a:endParaRPr lang="ko-KR" altLang="en-US"/>
           </a:p>
@@ -2097,7 +2097,7 @@
           <a:p>
             <a:fld id="{48F71B6D-55F6-4550-85C4-E25ACA6B0146}" type="datetimeFigureOut">
               <a:rPr lang="ko-KR" altLang="en-US" smtClean="0"/>
-              <a:t>2023-06-25</a:t>
+              <a:t>2023-06-27</a:t>
             </a:fld>
             <a:endParaRPr lang="ko-KR" altLang="en-US"/>
           </a:p>
@@ -2349,7 +2349,7 @@
           <a:p>
             <a:fld id="{48F71B6D-55F6-4550-85C4-E25ACA6B0146}" type="datetimeFigureOut">
               <a:rPr lang="ko-KR" altLang="en-US" smtClean="0"/>
-              <a:t>2023-06-25</a:t>
+              <a:t>2023-06-27</a:t>
             </a:fld>
             <a:endParaRPr lang="ko-KR" altLang="en-US"/>
           </a:p>
@@ -2560,7 +2560,7 @@
           <a:p>
             <a:fld id="{48F71B6D-55F6-4550-85C4-E25ACA6B0146}" type="datetimeFigureOut">
               <a:rPr lang="ko-KR" altLang="en-US" smtClean="0"/>
-              <a:t>2023-06-25</a:t>
+              <a:t>2023-06-27</a:t>
             </a:fld>
             <a:endParaRPr lang="ko-KR" altLang="en-US"/>
           </a:p>
@@ -4187,13 +4187,9 @@
           <a:p>
             <a:r>
               <a:rPr lang="ko-KR" altLang="en-US" sz="900" dirty="0"/>
-              <a:t>고등교육기관 </a:t>
-            </a:r>
-            <a:r>
-              <a:rPr lang="ko-KR" altLang="en-US" sz="900"/>
-              <a:t>졸업자 취업통계</a:t>
-            </a:r>
-            <a:endParaRPr lang="en-US" altLang="ko-KR" sz="900"/>
+              <a:t>고등교육기관 졸업자 취업통계</a:t>
+            </a:r>
+            <a:endParaRPr lang="en-US" altLang="ko-KR" sz="900" dirty="0"/>
           </a:p>
           <a:p>
             <a:endParaRPr lang="en-US" altLang="ko-KR" sz="900" dirty="0"/>
@@ -4207,13 +4203,8 @@
           <a:p>
             <a:r>
               <a:rPr lang="en-US" altLang="ko-KR" sz="900" dirty="0"/>
-              <a:t>https</a:t>
-            </a:r>
-            <a:r>
-              <a:rPr lang="en-US" altLang="ko-KR" sz="900"/>
-              <a:t>://www.kedi.re.kr/khome/main/announce/selectBroadAnnounceForm.do?selectTp=0&amp;board_sq_no=3&amp;article_sq_no=34905</a:t>
-            </a:r>
-            <a:endParaRPr lang="en-US" altLang="ko-KR" sz="900" dirty="0"/>
+              <a:t>https://www.kedi.re.kr/khome/main/announce/selectBroadAnnounceForm.do?selectTp=0&amp;board_sq_no=3&amp;article_sq_no=34905</a:t>
+            </a:r>
           </a:p>
         </p:txBody>
       </p:sp>
@@ -5157,7 +5148,7 @@
         </p:nvSpPr>
         <p:spPr>
           <a:xfrm>
-            <a:off x="3646025" y="3468584"/>
+            <a:off x="3646025" y="3778248"/>
             <a:ext cx="7795743" cy="369332"/>
           </a:xfrm>
           <a:prstGeom prst="rect">
@@ -5171,11 +5162,12 @@
           </a:bodyPr>
           <a:lstStyle/>
           <a:p>
-            <a:r>
-              <a:rPr lang="ko-KR" altLang="en-US"/>
-              <a:t>대학 모집인원 </a:t>
-            </a:r>
-            <a:endParaRPr lang="en-US" altLang="ko-KR"/>
+            <a:pPr algn="ctr"/>
+            <a:r>
+              <a:rPr lang="ko-KR" altLang="en-US" dirty="0"/>
+              <a:t>최근 대학 모집인원</a:t>
+            </a:r>
+            <a:endParaRPr lang="en-US" altLang="ko-KR" dirty="0"/>
           </a:p>
         </p:txBody>
       </p:sp>
@@ -5202,8 +5194,8 @@
         </p:blipFill>
         <p:spPr bwMode="auto">
           <a:xfrm>
-            <a:off x="3646025" y="4004920"/>
-            <a:ext cx="7199313" cy="1950250"/>
+            <a:off x="3614237" y="4243313"/>
+            <a:ext cx="7969713" cy="2158947"/>
           </a:xfrm>
           <a:prstGeom prst="rect">
             <a:avLst/>
@@ -5422,6 +5414,75 @@
               </a:rPr>
               <a:t>ㅇㅇㅇ학교 김준</a:t>
             </a:r>
+          </a:p>
+        </p:txBody>
+      </p:sp>
+      <p:sp>
+        <p:nvSpPr>
+          <p:cNvPr id="2" name="Rectangle 2">
+            <a:extLst>
+              <a:ext uri="{FF2B5EF4-FFF2-40B4-BE49-F238E27FC236}">
+                <a16:creationId xmlns:a16="http://schemas.microsoft.com/office/drawing/2014/main" id="{0466FFAF-5FB1-9AE3-250A-01B62DDA14F8}"/>
+              </a:ext>
+            </a:extLst>
+          </p:cNvPr>
+          <p:cNvSpPr>
+            <a:spLocks noChangeArrowheads="1"/>
+          </p:cNvSpPr>
+          <p:nvPr/>
+        </p:nvSpPr>
+        <p:spPr bwMode="auto">
+          <a:xfrm>
+            <a:off x="138325" y="18453"/>
+            <a:ext cx="12192000" cy="457200"/>
+          </a:xfrm>
+          <a:prstGeom prst="rect">
+            <a:avLst/>
+          </a:prstGeom>
+          <a:noFill/>
+          <a:ln>
+            <a:noFill/>
+          </a:ln>
+          <a:effectLst/>
+          <a:extLst>
+            <a:ext uri="{909E8E84-426E-40DD-AFC4-6F175D3DCCD1}">
+              <a14:hiddenFill xmlns:a14="http://schemas.microsoft.com/office/drawing/2010/main">
+                <a:solidFill>
+                  <a:schemeClr val="accent1"/>
+                </a:solidFill>
+              </a14:hiddenFill>
+            </a:ext>
+            <a:ext uri="{91240B29-F687-4F45-9708-019B960494DF}">
+              <a14:hiddenLine xmlns:a14="http://schemas.microsoft.com/office/drawing/2010/main" w="9525">
+                <a:solidFill>
+                  <a:schemeClr val="tx1"/>
+                </a:solidFill>
+                <a:miter lim="800000"/>
+                <a:headEnd/>
+                <a:tailEnd/>
+              </a14:hiddenLine>
+            </a:ext>
+            <a:ext uri="{AF507438-7753-43E0-B8FC-AC1667EBCBE1}">
+              <a14:hiddenEffects xmlns:a14="http://schemas.microsoft.com/office/drawing/2010/main">
+                <a:effectLst>
+                  <a:outerShdw dist="35921" dir="2700000" algn="ctr" rotWithShape="0">
+                    <a:schemeClr val="bg2"/>
+                  </a:outerShdw>
+                </a:effectLst>
+              </a14:hiddenEffects>
+            </a:ext>
+          </a:extLst>
+        </p:spPr>
+        <p:txBody>
+          <a:bodyPr vert="horz" wrap="none" lIns="91440" tIns="45720" rIns="91440" bIns="45720" numCol="1" anchor="ctr" anchorCtr="0" compatLnSpc="1">
+            <a:prstTxWarp prst="textNoShape">
+              <a:avLst/>
+            </a:prstTxWarp>
+            <a:spAutoFit/>
+          </a:bodyPr>
+          <a:lstStyle/>
+          <a:p>
+            <a:endParaRPr lang="ko-KR" altLang="en-US"/>
           </a:p>
         </p:txBody>
       </p:sp>
@@ -6530,70 +6591,6 @@
           <a:chExt cx="0" cy="0"/>
         </a:xfrm>
       </p:grpSpPr>
-      <p:pic>
-        <p:nvPicPr>
-          <p:cNvPr id="3074" name="Picture 2"/>
-          <p:cNvPicPr>
-            <a:picLocks noChangeAspect="1" noChangeArrowheads="1"/>
-          </p:cNvPicPr>
-          <p:nvPr/>
-        </p:nvPicPr>
-        <p:blipFill>
-          <a:blip r:embed="rId2">
-            <a:extLst>
-              <a:ext uri="{28A0092B-C50C-407E-A947-70E740481C1C}">
-                <a14:useLocalDpi xmlns:a14="http://schemas.microsoft.com/office/drawing/2010/main" val="0"/>
-              </a:ext>
-            </a:extLst>
-          </a:blip>
-          <a:srcRect/>
-          <a:stretch>
-            <a:fillRect/>
-          </a:stretch>
-        </p:blipFill>
-        <p:spPr bwMode="auto">
-          <a:xfrm>
-            <a:off x="196667" y="2089117"/>
-            <a:ext cx="3206750" cy="1688063"/>
-          </a:xfrm>
-          <a:prstGeom prst="rect">
-            <a:avLst/>
-          </a:prstGeom>
-          <a:noFill/>
-          <a:ln>
-            <a:noFill/>
-          </a:ln>
-          <a:effectLst/>
-          <a:extLst>
-            <a:ext uri="{909E8E84-426E-40DD-AFC4-6F175D3DCCD1}">
-              <a14:hiddenFill xmlns:a14="http://schemas.microsoft.com/office/drawing/2010/main">
-                <a:solidFill>
-                  <a:schemeClr val="accent1"/>
-                </a:solidFill>
-              </a14:hiddenFill>
-            </a:ext>
-            <a:ext uri="{91240B29-F687-4F45-9708-019B960494DF}">
-              <a14:hiddenLine xmlns:a14="http://schemas.microsoft.com/office/drawing/2010/main" w="9525">
-                <a:solidFill>
-                  <a:schemeClr val="tx1"/>
-                </a:solidFill>
-                <a:miter lim="800000"/>
-                <a:headEnd/>
-                <a:tailEnd/>
-              </a14:hiddenLine>
-            </a:ext>
-            <a:ext uri="{AF507438-7753-43E0-B8FC-AC1667EBCBE1}">
-              <a14:hiddenEffects xmlns:a14="http://schemas.microsoft.com/office/drawing/2010/main">
-                <a:effectLst>
-                  <a:outerShdw dist="35921" dir="2700000" algn="ctr" rotWithShape="0">
-                    <a:schemeClr val="bg2"/>
-                  </a:outerShdw>
-                </a:effectLst>
-              </a14:hiddenEffects>
-            </a:ext>
-          </a:extLst>
-        </p:spPr>
-      </p:pic>
       <p:sp>
         <p:nvSpPr>
           <p:cNvPr id="4" name="TextBox 3"/>
@@ -6602,7 +6599,7 @@
         </p:nvSpPr>
         <p:spPr>
           <a:xfrm>
-            <a:off x="425450" y="996209"/>
+            <a:off x="1138019" y="3429000"/>
             <a:ext cx="1895727" cy="369332"/>
           </a:xfrm>
           <a:prstGeom prst="rect">
@@ -6616,30 +6613,15 @@
           </a:bodyPr>
           <a:lstStyle/>
           <a:p>
-            <a:r>
-              <a:rPr lang="en-US" altLang="ko-KR" b="1" dirty="0">
-                <a:solidFill>
-                  <a:srgbClr val="0275D8"/>
-                </a:solidFill>
-              </a:rPr>
-              <a:t>80% </a:t>
-            </a:r>
             <a:r>
               <a:rPr lang="ko-KR" altLang="en-US" b="1" dirty="0">
                 <a:solidFill>
                   <a:srgbClr val="0275D8"/>
                 </a:solidFill>
               </a:rPr>
-              <a:t>이상</a:t>
-            </a:r>
-            <a:r>
-              <a:rPr lang="ko-KR" altLang="en-US" dirty="0"/>
-              <a:t> </a:t>
-            </a:r>
-            <a:r>
-              <a:rPr lang="en-US" altLang="ko-KR" dirty="0"/>
-              <a:t>:</a:t>
-            </a:r>
+              <a:t>높은 취업률</a:t>
+            </a:r>
+            <a:endParaRPr lang="en-US" altLang="ko-KR" dirty="0"/>
           </a:p>
         </p:txBody>
       </p:sp>
@@ -6833,8 +6815,8 @@
         </p:nvSpPr>
         <p:spPr>
           <a:xfrm>
-            <a:off x="425450" y="715992"/>
-            <a:ext cx="2110716" cy="369332"/>
+            <a:off x="406788" y="724333"/>
+            <a:ext cx="10286094" cy="369332"/>
           </a:xfrm>
           <a:prstGeom prst="rect">
             <a:avLst/>
@@ -6848,13 +6830,90 @@
           <a:lstStyle/>
           <a:p>
             <a:r>
-              <a:rPr lang="ko-KR" altLang="en-US">
+              <a:rPr lang="ko-KR" altLang="en-US" dirty="0">
                 <a:solidFill>
                   <a:srgbClr val="0275D8"/>
                 </a:solidFill>
               </a:rPr>
-              <a:t>취업률</a:t>
-            </a:r>
+              <a:t>취업률  </a:t>
+            </a:r>
+            <a:r>
+              <a:rPr lang="ko-KR" altLang="en-US" sz="1200" dirty="0">
+                <a:solidFill>
+                  <a:srgbClr val="0275D8"/>
+                </a:solidFill>
+              </a:rPr>
+              <a:t>최근 </a:t>
+            </a:r>
+            <a:r>
+              <a:rPr lang="en-US" altLang="ko-KR" sz="1200" dirty="0">
+                <a:solidFill>
+                  <a:srgbClr val="0275D8"/>
+                </a:solidFill>
+              </a:rPr>
+              <a:t>4</a:t>
+            </a:r>
+            <a:r>
+              <a:rPr lang="ko-KR" altLang="en-US" sz="1200" dirty="0">
+                <a:solidFill>
+                  <a:srgbClr val="0275D8"/>
+                </a:solidFill>
+              </a:rPr>
+              <a:t>년간의 평균 취업률인 </a:t>
+            </a:r>
+            <a:r>
+              <a:rPr lang="en-US" altLang="ko-KR" sz="1200" dirty="0">
+                <a:solidFill>
+                  <a:srgbClr val="0275D8"/>
+                </a:solidFill>
+              </a:rPr>
+              <a:t>66.9%</a:t>
+            </a:r>
+            <a:r>
+              <a:rPr lang="ko-KR" altLang="en-US" sz="1200" dirty="0">
+                <a:solidFill>
+                  <a:srgbClr val="0275D8"/>
+                </a:solidFill>
+              </a:rPr>
+              <a:t> 기준으로 나눔</a:t>
+            </a:r>
+            <a:r>
+              <a:rPr lang="en-US" altLang="ko-KR" sz="1200" dirty="0">
+                <a:solidFill>
+                  <a:srgbClr val="0275D8"/>
+                </a:solidFill>
+              </a:rPr>
+              <a:t>/ </a:t>
+            </a:r>
+            <a:r>
+              <a:rPr lang="ko-KR" altLang="en-US" sz="1200" dirty="0">
+                <a:solidFill>
+                  <a:srgbClr val="0275D8"/>
+                </a:solidFill>
+              </a:rPr>
+              <a:t>분류 기준은 최근 </a:t>
+            </a:r>
+            <a:r>
+              <a:rPr lang="en-US" altLang="ko-KR" sz="1200" dirty="0">
+                <a:solidFill>
+                  <a:srgbClr val="0275D8"/>
+                </a:solidFill>
+              </a:rPr>
+              <a:t>4</a:t>
+            </a:r>
+            <a:r>
+              <a:rPr lang="ko-KR" altLang="en-US" sz="1200" dirty="0">
+                <a:solidFill>
+                  <a:srgbClr val="0275D8"/>
+                </a:solidFill>
+              </a:rPr>
+              <a:t>년간의 취업률 평균으로 분류함</a:t>
+            </a:r>
+            <a:endParaRPr lang="en-US" altLang="ko-KR" sz="1200" dirty="0">
+              <a:solidFill>
+                <a:srgbClr val="0275D8"/>
+              </a:solidFill>
+            </a:endParaRPr>
           </a:p>
         </p:txBody>
       </p:sp>
@@ -6866,7 +6925,7 @@
         </p:nvSpPr>
         <p:spPr>
           <a:xfrm>
-            <a:off x="406739" y="1389706"/>
+            <a:off x="1114310" y="4014056"/>
             <a:ext cx="1061049" cy="265741"/>
           </a:xfrm>
           <a:prstGeom prst="rect">
@@ -6916,518 +6975,6 @@
           </a:p>
         </p:txBody>
       </p:sp>
-      <p:pic>
-        <p:nvPicPr>
-          <p:cNvPr id="21" name="Picture 2"/>
-          <p:cNvPicPr>
-            <a:picLocks noChangeAspect="1" noChangeArrowheads="1"/>
-          </p:cNvPicPr>
-          <p:nvPr/>
-        </p:nvPicPr>
-        <p:blipFill>
-          <a:blip r:embed="rId2">
-            <a:extLst>
-              <a:ext uri="{28A0092B-C50C-407E-A947-70E740481C1C}">
-                <a14:useLocalDpi xmlns:a14="http://schemas.microsoft.com/office/drawing/2010/main" val="0"/>
-              </a:ext>
-            </a:extLst>
-          </a:blip>
-          <a:srcRect/>
-          <a:stretch>
-            <a:fillRect/>
-          </a:stretch>
-        </p:blipFill>
-        <p:spPr bwMode="auto">
-          <a:xfrm>
-            <a:off x="4251400" y="2056385"/>
-            <a:ext cx="3206750" cy="1688063"/>
-          </a:xfrm>
-          <a:prstGeom prst="rect">
-            <a:avLst/>
-          </a:prstGeom>
-          <a:noFill/>
-          <a:ln>
-            <a:noFill/>
-          </a:ln>
-          <a:effectLst/>
-          <a:extLst>
-            <a:ext uri="{909E8E84-426E-40DD-AFC4-6F175D3DCCD1}">
-              <a14:hiddenFill xmlns:a14="http://schemas.microsoft.com/office/drawing/2010/main">
-                <a:solidFill>
-                  <a:schemeClr val="accent1"/>
-                </a:solidFill>
-              </a14:hiddenFill>
-            </a:ext>
-            <a:ext uri="{91240B29-F687-4F45-9708-019B960494DF}">
-              <a14:hiddenLine xmlns:a14="http://schemas.microsoft.com/office/drawing/2010/main" w="9525">
-                <a:solidFill>
-                  <a:schemeClr val="tx1"/>
-                </a:solidFill>
-                <a:miter lim="800000"/>
-                <a:headEnd/>
-                <a:tailEnd/>
-              </a14:hiddenLine>
-            </a:ext>
-            <a:ext uri="{AF507438-7753-43E0-B8FC-AC1667EBCBE1}">
-              <a14:hiddenEffects xmlns:a14="http://schemas.microsoft.com/office/drawing/2010/main">
-                <a:effectLst>
-                  <a:outerShdw dist="35921" dir="2700000" algn="ctr" rotWithShape="0">
-                    <a:schemeClr val="bg2"/>
-                  </a:outerShdw>
-                </a:effectLst>
-              </a14:hiddenEffects>
-            </a:ext>
-          </a:extLst>
-        </p:spPr>
-      </p:pic>
-      <p:pic>
-        <p:nvPicPr>
-          <p:cNvPr id="22" name="Picture 2"/>
-          <p:cNvPicPr>
-            <a:picLocks noChangeAspect="1" noChangeArrowheads="1"/>
-          </p:cNvPicPr>
-          <p:nvPr/>
-        </p:nvPicPr>
-        <p:blipFill>
-          <a:blip r:embed="rId2">
-            <a:extLst>
-              <a:ext uri="{28A0092B-C50C-407E-A947-70E740481C1C}">
-                <a14:useLocalDpi xmlns:a14="http://schemas.microsoft.com/office/drawing/2010/main" val="0"/>
-              </a:ext>
-            </a:extLst>
-          </a:blip>
-          <a:srcRect/>
-          <a:stretch>
-            <a:fillRect/>
-          </a:stretch>
-        </p:blipFill>
-        <p:spPr bwMode="auto">
-          <a:xfrm>
-            <a:off x="8469733" y="2056385"/>
-            <a:ext cx="3206750" cy="1688063"/>
-          </a:xfrm>
-          <a:prstGeom prst="rect">
-            <a:avLst/>
-          </a:prstGeom>
-          <a:noFill/>
-          <a:ln>
-            <a:noFill/>
-          </a:ln>
-          <a:effectLst/>
-          <a:extLst>
-            <a:ext uri="{909E8E84-426E-40DD-AFC4-6F175D3DCCD1}">
-              <a14:hiddenFill xmlns:a14="http://schemas.microsoft.com/office/drawing/2010/main">
-                <a:solidFill>
-                  <a:schemeClr val="accent1"/>
-                </a:solidFill>
-              </a14:hiddenFill>
-            </a:ext>
-            <a:ext uri="{91240B29-F687-4F45-9708-019B960494DF}">
-              <a14:hiddenLine xmlns:a14="http://schemas.microsoft.com/office/drawing/2010/main" w="9525">
-                <a:solidFill>
-                  <a:schemeClr val="tx1"/>
-                </a:solidFill>
-                <a:miter lim="800000"/>
-                <a:headEnd/>
-                <a:tailEnd/>
-              </a14:hiddenLine>
-            </a:ext>
-            <a:ext uri="{AF507438-7753-43E0-B8FC-AC1667EBCBE1}">
-              <a14:hiddenEffects xmlns:a14="http://schemas.microsoft.com/office/drawing/2010/main">
-                <a:effectLst>
-                  <a:outerShdw dist="35921" dir="2700000" algn="ctr" rotWithShape="0">
-                    <a:schemeClr val="bg2"/>
-                  </a:outerShdw>
-                </a:effectLst>
-              </a14:hiddenEffects>
-            </a:ext>
-          </a:extLst>
-        </p:spPr>
-      </p:pic>
-      <p:pic>
-        <p:nvPicPr>
-          <p:cNvPr id="31" name="Picture 2"/>
-          <p:cNvPicPr>
-            <a:picLocks noChangeAspect="1" noChangeArrowheads="1"/>
-          </p:cNvPicPr>
-          <p:nvPr/>
-        </p:nvPicPr>
-        <p:blipFill>
-          <a:blip r:embed="rId3" cstate="print">
-            <a:extLst>
-              <a:ext uri="{28A0092B-C50C-407E-A947-70E740481C1C}">
-                <a14:useLocalDpi xmlns:a14="http://schemas.microsoft.com/office/drawing/2010/main" val="0"/>
-              </a:ext>
-            </a:extLst>
-          </a:blip>
-          <a:srcRect/>
-          <a:stretch>
-            <a:fillRect/>
-          </a:stretch>
-        </p:blipFill>
-        <p:spPr bwMode="auto">
-          <a:xfrm>
-            <a:off x="37116" y="5503313"/>
-            <a:ext cx="1082240" cy="1087988"/>
-          </a:xfrm>
-          <a:prstGeom prst="rect">
-            <a:avLst/>
-          </a:prstGeom>
-          <a:noFill/>
-          <a:ln>
-            <a:noFill/>
-          </a:ln>
-          <a:effectLst/>
-          <a:extLst>
-            <a:ext uri="{909E8E84-426E-40DD-AFC4-6F175D3DCCD1}">
-              <a14:hiddenFill xmlns:a14="http://schemas.microsoft.com/office/drawing/2010/main">
-                <a:solidFill>
-                  <a:schemeClr val="accent1"/>
-                </a:solidFill>
-              </a14:hiddenFill>
-            </a:ext>
-            <a:ext uri="{91240B29-F687-4F45-9708-019B960494DF}">
-              <a14:hiddenLine xmlns:a14="http://schemas.microsoft.com/office/drawing/2010/main" w="9525">
-                <a:solidFill>
-                  <a:schemeClr val="tx1"/>
-                </a:solidFill>
-                <a:miter lim="800000"/>
-                <a:headEnd/>
-                <a:tailEnd/>
-              </a14:hiddenLine>
-            </a:ext>
-            <a:ext uri="{AF507438-7753-43E0-B8FC-AC1667EBCBE1}">
-              <a14:hiddenEffects xmlns:a14="http://schemas.microsoft.com/office/drawing/2010/main">
-                <a:effectLst>
-                  <a:outerShdw dist="35921" dir="2700000" algn="ctr" rotWithShape="0">
-                    <a:schemeClr val="bg2"/>
-                  </a:outerShdw>
-                </a:effectLst>
-              </a14:hiddenEffects>
-            </a:ext>
-          </a:extLst>
-        </p:spPr>
-      </p:pic>
-      <p:pic>
-        <p:nvPicPr>
-          <p:cNvPr id="32" name="Picture 2"/>
-          <p:cNvPicPr>
-            <a:picLocks noChangeAspect="1" noChangeArrowheads="1"/>
-          </p:cNvPicPr>
-          <p:nvPr/>
-        </p:nvPicPr>
-        <p:blipFill>
-          <a:blip r:embed="rId3" cstate="print">
-            <a:extLst>
-              <a:ext uri="{28A0092B-C50C-407E-A947-70E740481C1C}">
-                <a14:useLocalDpi xmlns:a14="http://schemas.microsoft.com/office/drawing/2010/main" val="0"/>
-              </a:ext>
-            </a:extLst>
-          </a:blip>
-          <a:srcRect/>
-          <a:stretch>
-            <a:fillRect/>
-          </a:stretch>
-        </p:blipFill>
-        <p:spPr bwMode="auto">
-          <a:xfrm>
-            <a:off x="285615" y="4217438"/>
-            <a:ext cx="1082240" cy="1087988"/>
-          </a:xfrm>
-          <a:prstGeom prst="rect">
-            <a:avLst/>
-          </a:prstGeom>
-          <a:noFill/>
-          <a:ln>
-            <a:noFill/>
-          </a:ln>
-          <a:effectLst/>
-          <a:extLst>
-            <a:ext uri="{909E8E84-426E-40DD-AFC4-6F175D3DCCD1}">
-              <a14:hiddenFill xmlns:a14="http://schemas.microsoft.com/office/drawing/2010/main">
-                <a:solidFill>
-                  <a:schemeClr val="accent1"/>
-                </a:solidFill>
-              </a14:hiddenFill>
-            </a:ext>
-            <a:ext uri="{91240B29-F687-4F45-9708-019B960494DF}">
-              <a14:hiddenLine xmlns:a14="http://schemas.microsoft.com/office/drawing/2010/main" w="9525">
-                <a:solidFill>
-                  <a:schemeClr val="tx1"/>
-                </a:solidFill>
-                <a:miter lim="800000"/>
-                <a:headEnd/>
-                <a:tailEnd/>
-              </a14:hiddenLine>
-            </a:ext>
-            <a:ext uri="{AF507438-7753-43E0-B8FC-AC1667EBCBE1}">
-              <a14:hiddenEffects xmlns:a14="http://schemas.microsoft.com/office/drawing/2010/main">
-                <a:effectLst>
-                  <a:outerShdw dist="35921" dir="2700000" algn="ctr" rotWithShape="0">
-                    <a:schemeClr val="bg2"/>
-                  </a:outerShdw>
-                </a:effectLst>
-              </a14:hiddenEffects>
-            </a:ext>
-          </a:extLst>
-        </p:spPr>
-      </p:pic>
-      <p:pic>
-        <p:nvPicPr>
-          <p:cNvPr id="33" name="Picture 2"/>
-          <p:cNvPicPr>
-            <a:picLocks noChangeAspect="1" noChangeArrowheads="1"/>
-          </p:cNvPicPr>
-          <p:nvPr/>
-        </p:nvPicPr>
-        <p:blipFill>
-          <a:blip r:embed="rId3" cstate="print">
-            <a:extLst>
-              <a:ext uri="{28A0092B-C50C-407E-A947-70E740481C1C}">
-                <a14:useLocalDpi xmlns:a14="http://schemas.microsoft.com/office/drawing/2010/main" val="0"/>
-              </a:ext>
-            </a:extLst>
-          </a:blip>
-          <a:srcRect/>
-          <a:stretch>
-            <a:fillRect/>
-          </a:stretch>
-        </p:blipFill>
-        <p:spPr bwMode="auto">
-          <a:xfrm>
-            <a:off x="2321177" y="4217438"/>
-            <a:ext cx="1082240" cy="1087988"/>
-          </a:xfrm>
-          <a:prstGeom prst="rect">
-            <a:avLst/>
-          </a:prstGeom>
-          <a:noFill/>
-          <a:ln>
-            <a:noFill/>
-          </a:ln>
-          <a:effectLst/>
-          <a:extLst>
-            <a:ext uri="{909E8E84-426E-40DD-AFC4-6F175D3DCCD1}">
-              <a14:hiddenFill xmlns:a14="http://schemas.microsoft.com/office/drawing/2010/main">
-                <a:solidFill>
-                  <a:schemeClr val="accent1"/>
-                </a:solidFill>
-              </a14:hiddenFill>
-            </a:ext>
-            <a:ext uri="{91240B29-F687-4F45-9708-019B960494DF}">
-              <a14:hiddenLine xmlns:a14="http://schemas.microsoft.com/office/drawing/2010/main" w="9525">
-                <a:solidFill>
-                  <a:schemeClr val="tx1"/>
-                </a:solidFill>
-                <a:miter lim="800000"/>
-                <a:headEnd/>
-                <a:tailEnd/>
-              </a14:hiddenLine>
-            </a:ext>
-            <a:ext uri="{AF507438-7753-43E0-B8FC-AC1667EBCBE1}">
-              <a14:hiddenEffects xmlns:a14="http://schemas.microsoft.com/office/drawing/2010/main">
-                <a:effectLst>
-                  <a:outerShdw dist="35921" dir="2700000" algn="ctr" rotWithShape="0">
-                    <a:schemeClr val="bg2"/>
-                  </a:outerShdw>
-                </a:effectLst>
-              </a14:hiddenEffects>
-            </a:ext>
-          </a:extLst>
-        </p:spPr>
-      </p:pic>
-      <p:pic>
-        <p:nvPicPr>
-          <p:cNvPr id="34" name="Picture 2"/>
-          <p:cNvPicPr>
-            <a:picLocks noChangeAspect="1" noChangeArrowheads="1"/>
-          </p:cNvPicPr>
-          <p:nvPr/>
-        </p:nvPicPr>
-        <p:blipFill>
-          <a:blip r:embed="rId3" cstate="print">
-            <a:extLst>
-              <a:ext uri="{28A0092B-C50C-407E-A947-70E740481C1C}">
-                <a14:useLocalDpi xmlns:a14="http://schemas.microsoft.com/office/drawing/2010/main" val="0"/>
-              </a:ext>
-            </a:extLst>
-          </a:blip>
-          <a:srcRect/>
-          <a:stretch>
-            <a:fillRect/>
-          </a:stretch>
-        </p:blipFill>
-        <p:spPr bwMode="auto">
-          <a:xfrm>
-            <a:off x="4251400" y="4217438"/>
-            <a:ext cx="1082240" cy="1087988"/>
-          </a:xfrm>
-          <a:prstGeom prst="rect">
-            <a:avLst/>
-          </a:prstGeom>
-          <a:noFill/>
-          <a:ln>
-            <a:noFill/>
-          </a:ln>
-          <a:effectLst/>
-          <a:extLst>
-            <a:ext uri="{909E8E84-426E-40DD-AFC4-6F175D3DCCD1}">
-              <a14:hiddenFill xmlns:a14="http://schemas.microsoft.com/office/drawing/2010/main">
-                <a:solidFill>
-                  <a:schemeClr val="accent1"/>
-                </a:solidFill>
-              </a14:hiddenFill>
-            </a:ext>
-            <a:ext uri="{91240B29-F687-4F45-9708-019B960494DF}">
-              <a14:hiddenLine xmlns:a14="http://schemas.microsoft.com/office/drawing/2010/main" w="9525">
-                <a:solidFill>
-                  <a:schemeClr val="tx1"/>
-                </a:solidFill>
-                <a:miter lim="800000"/>
-                <a:headEnd/>
-                <a:tailEnd/>
-              </a14:hiddenLine>
-            </a:ext>
-            <a:ext uri="{AF507438-7753-43E0-B8FC-AC1667EBCBE1}">
-              <a14:hiddenEffects xmlns:a14="http://schemas.microsoft.com/office/drawing/2010/main">
-                <a:effectLst>
-                  <a:outerShdw dist="35921" dir="2700000" algn="ctr" rotWithShape="0">
-                    <a:schemeClr val="bg2"/>
-                  </a:outerShdw>
-                </a:effectLst>
-              </a14:hiddenEffects>
-            </a:ext>
-          </a:extLst>
-        </p:spPr>
-      </p:pic>
-      <p:pic>
-        <p:nvPicPr>
-          <p:cNvPr id="35" name="Picture 2"/>
-          <p:cNvPicPr>
-            <a:picLocks noChangeAspect="1" noChangeArrowheads="1"/>
-          </p:cNvPicPr>
-          <p:nvPr/>
-        </p:nvPicPr>
-        <p:blipFill>
-          <a:blip r:embed="rId3" cstate="print">
-            <a:extLst>
-              <a:ext uri="{28A0092B-C50C-407E-A947-70E740481C1C}">
-                <a14:useLocalDpi xmlns:a14="http://schemas.microsoft.com/office/drawing/2010/main" val="0"/>
-              </a:ext>
-            </a:extLst>
-          </a:blip>
-          <a:srcRect/>
-          <a:stretch>
-            <a:fillRect/>
-          </a:stretch>
-        </p:blipFill>
-        <p:spPr bwMode="auto">
-          <a:xfrm>
-            <a:off x="2456179" y="5503313"/>
-            <a:ext cx="1082240" cy="1087988"/>
-          </a:xfrm>
-          <a:prstGeom prst="rect">
-            <a:avLst/>
-          </a:prstGeom>
-          <a:noFill/>
-          <a:ln>
-            <a:noFill/>
-          </a:ln>
-          <a:effectLst/>
-          <a:extLst>
-            <a:ext uri="{909E8E84-426E-40DD-AFC4-6F175D3DCCD1}">
-              <a14:hiddenFill xmlns:a14="http://schemas.microsoft.com/office/drawing/2010/main">
-                <a:solidFill>
-                  <a:schemeClr val="accent1"/>
-                </a:solidFill>
-              </a14:hiddenFill>
-            </a:ext>
-            <a:ext uri="{91240B29-F687-4F45-9708-019B960494DF}">
-              <a14:hiddenLine xmlns:a14="http://schemas.microsoft.com/office/drawing/2010/main" w="9525">
-                <a:solidFill>
-                  <a:schemeClr val="tx1"/>
-                </a:solidFill>
-                <a:miter lim="800000"/>
-                <a:headEnd/>
-                <a:tailEnd/>
-              </a14:hiddenLine>
-            </a:ext>
-            <a:ext uri="{AF507438-7753-43E0-B8FC-AC1667EBCBE1}">
-              <a14:hiddenEffects xmlns:a14="http://schemas.microsoft.com/office/drawing/2010/main">
-                <a:effectLst>
-                  <a:outerShdw dist="35921" dir="2700000" algn="ctr" rotWithShape="0">
-                    <a:schemeClr val="bg2"/>
-                  </a:outerShdw>
-                </a:effectLst>
-              </a14:hiddenEffects>
-            </a:ext>
-          </a:extLst>
-        </p:spPr>
-      </p:pic>
-      <p:pic>
-        <p:nvPicPr>
-          <p:cNvPr id="36" name="Picture 2"/>
-          <p:cNvPicPr>
-            <a:picLocks noChangeAspect="1" noChangeArrowheads="1"/>
-          </p:cNvPicPr>
-          <p:nvPr/>
-        </p:nvPicPr>
-        <p:blipFill>
-          <a:blip r:embed="rId3" cstate="print">
-            <a:extLst>
-              <a:ext uri="{28A0092B-C50C-407E-A947-70E740481C1C}">
-                <a14:useLocalDpi xmlns:a14="http://schemas.microsoft.com/office/drawing/2010/main" val="0"/>
-              </a:ext>
-            </a:extLst>
-          </a:blip>
-          <a:srcRect/>
-          <a:stretch>
-            <a:fillRect/>
-          </a:stretch>
-        </p:blipFill>
-        <p:spPr bwMode="auto">
-          <a:xfrm>
-            <a:off x="4479790" y="5503313"/>
-            <a:ext cx="1082240" cy="1087988"/>
-          </a:xfrm>
-          <a:prstGeom prst="rect">
-            <a:avLst/>
-          </a:prstGeom>
-          <a:noFill/>
-          <a:ln>
-            <a:noFill/>
-          </a:ln>
-          <a:effectLst/>
-          <a:extLst>
-            <a:ext uri="{909E8E84-426E-40DD-AFC4-6F175D3DCCD1}">
-              <a14:hiddenFill xmlns:a14="http://schemas.microsoft.com/office/drawing/2010/main">
-                <a:solidFill>
-                  <a:schemeClr val="accent1"/>
-                </a:solidFill>
-              </a14:hiddenFill>
-            </a:ext>
-            <a:ext uri="{91240B29-F687-4F45-9708-019B960494DF}">
-              <a14:hiddenLine xmlns:a14="http://schemas.microsoft.com/office/drawing/2010/main" w="9525">
-                <a:solidFill>
-                  <a:schemeClr val="tx1"/>
-                </a:solidFill>
-                <a:miter lim="800000"/>
-                <a:headEnd/>
-                <a:tailEnd/>
-              </a14:hiddenLine>
-            </a:ext>
-            <a:ext uri="{AF507438-7753-43E0-B8FC-AC1667EBCBE1}">
-              <a14:hiddenEffects xmlns:a14="http://schemas.microsoft.com/office/drawing/2010/main">
-                <a:effectLst>
-                  <a:outerShdw dist="35921" dir="2700000" algn="ctr" rotWithShape="0">
-                    <a:schemeClr val="bg2"/>
-                  </a:outerShdw>
-                </a:effectLst>
-              </a14:hiddenEffects>
-            </a:ext>
-          </a:extLst>
-        </p:spPr>
-      </p:pic>
       <p:sp>
         <p:nvSpPr>
           <p:cNvPr id="37" name="직사각형 36"/>
@@ -7436,7 +6983,7 @@
         </p:nvSpPr>
         <p:spPr>
           <a:xfrm>
-            <a:off x="5969453" y="4352617"/>
+            <a:off x="5669017" y="1173197"/>
             <a:ext cx="5793922" cy="2031325"/>
           </a:xfrm>
           <a:prstGeom prst="rect">
@@ -7450,41 +6997,40 @@
           <a:lstStyle/>
           <a:p>
             <a:r>
+              <a:rPr lang="ko-KR" altLang="en-US" dirty="0"/>
+              <a:t>전체 취업률에 현재 취업률을 대조해본 결과 의학계열과 공학계열만이 전체 평균 취업률보다 높은 것으로 나왔다</a:t>
+            </a:r>
+            <a:r>
               <a:rPr lang="en-US" altLang="ko-KR" dirty="0"/>
-              <a:t>(</a:t>
+              <a:t>. </a:t>
             </a:r>
             <a:r>
               <a:rPr lang="ko-KR" altLang="en-US" dirty="0"/>
-              <a:t>전체 취업률과 비교</a:t>
+              <a:t>특히 의약계열은 </a:t>
             </a:r>
             <a:r>
               <a:rPr lang="en-US" altLang="ko-KR" dirty="0"/>
-              <a:t>)</a:t>
-            </a:r>
-          </a:p>
-          <a:p>
-            <a:endParaRPr lang="en-US" altLang="ko-KR" dirty="0"/>
-          </a:p>
-          <a:p>
+              <a:t>14</a:t>
+            </a:r>
             <a:r>
               <a:rPr lang="ko-KR" altLang="en-US" dirty="0"/>
-              <a:t>의약계열은 취업률이 높고 최근 </a:t>
+              <a:t>년도부터 </a:t>
             </a:r>
             <a:r>
               <a:rPr lang="en-US" altLang="ko-KR" dirty="0"/>
-              <a:t>6</a:t>
+              <a:t>80%</a:t>
             </a:r>
             <a:r>
               <a:rPr lang="ko-KR" altLang="en-US" dirty="0"/>
-              <a:t>년간 </a:t>
+              <a:t>대를 유지하며 공학계열과 약 </a:t>
             </a:r>
             <a:r>
               <a:rPr lang="en-US" altLang="ko-KR" dirty="0"/>
-              <a:t>80% </a:t>
+              <a:t>10%</a:t>
             </a:r>
             <a:r>
               <a:rPr lang="ko-KR" altLang="en-US" dirty="0"/>
-              <a:t>이하로 내려가지 않았다</a:t>
+              <a:t>정도 차이가 난다</a:t>
             </a:r>
             <a:r>
               <a:rPr lang="en-US" altLang="ko-KR" dirty="0"/>
@@ -7494,27 +7040,68 @@
           <a:p>
             <a:r>
               <a:rPr lang="ko-KR" altLang="en-US" dirty="0"/>
-              <a:t>공학계열과 사회계열은 취업률이 계속해서 높아지고 있으며 특히 공학계열은 꾸준한 상승을 이어가고 있다</a:t>
+              <a:t>이외의 교육</a:t>
+            </a:r>
+            <a:r>
+              <a:rPr lang="en-US" altLang="ko-KR" dirty="0"/>
+              <a:t>, </a:t>
+            </a:r>
+            <a:r>
+              <a:rPr lang="ko-KR" altLang="en-US" dirty="0"/>
+              <a:t>자연</a:t>
+            </a:r>
+            <a:r>
+              <a:rPr lang="en-US" altLang="ko-KR" dirty="0"/>
+              <a:t>, </a:t>
+            </a:r>
+            <a:r>
+              <a:rPr lang="ko-KR" altLang="en-US" dirty="0"/>
+              <a:t>예체능</a:t>
+            </a:r>
+            <a:r>
+              <a:rPr lang="en-US" altLang="ko-KR" dirty="0"/>
+              <a:t>, </a:t>
+            </a:r>
+            <a:r>
+              <a:rPr lang="ko-KR" altLang="en-US" dirty="0"/>
+              <a:t>사회</a:t>
+            </a:r>
+            <a:r>
+              <a:rPr lang="en-US" altLang="ko-KR" dirty="0"/>
+              <a:t>, </a:t>
+            </a:r>
+            <a:r>
+              <a:rPr lang="ko-KR" altLang="en-US" dirty="0"/>
+              <a:t>인문 계열은 평균 취업률보다 낮은 형태로 나타났다</a:t>
+            </a:r>
+            <a:r>
+              <a:rPr lang="en-US" altLang="ko-KR" dirty="0"/>
+              <a:t>. </a:t>
+            </a:r>
+            <a:r>
+              <a:rPr lang="ko-KR" altLang="en-US" dirty="0"/>
+              <a:t>특히 인문계열은 </a:t>
+            </a:r>
+            <a:r>
+              <a:rPr lang="en-US" altLang="ko-KR" dirty="0"/>
+              <a:t>7</a:t>
+            </a:r>
+            <a:r>
+              <a:rPr lang="ko-KR" altLang="en-US" dirty="0"/>
+              <a:t>개의 계열 중 유일하게 </a:t>
+            </a:r>
+            <a:r>
+              <a:rPr lang="en-US" altLang="ko-KR" dirty="0"/>
+              <a:t>50%</a:t>
+            </a:r>
+            <a:r>
+              <a:rPr lang="ko-KR" altLang="en-US" dirty="0"/>
+              <a:t>대를 기록했다</a:t>
             </a:r>
             <a:r>
               <a:rPr lang="en-US" altLang="ko-KR" dirty="0"/>
               <a:t>.</a:t>
             </a:r>
-          </a:p>
-          <a:p>
-            <a:r>
-              <a:rPr lang="ko-KR" altLang="en-US" dirty="0"/>
-              <a:t>예체능계열은 </a:t>
-            </a:r>
-            <a:r>
-              <a:rPr lang="en-US" altLang="ko-KR" dirty="0"/>
-              <a:t>2020</a:t>
-            </a:r>
-            <a:r>
-              <a:rPr lang="ko-KR" altLang="en-US" dirty="0"/>
-              <a:t>년도에 </a:t>
-            </a:r>
-            <a:endParaRPr lang="en-US" altLang="ko-KR" dirty="0"/>
           </a:p>
         </p:txBody>
       </p:sp>
@@ -7532,7 +7119,7 @@
         </p:nvSpPr>
         <p:spPr>
           <a:xfrm>
-            <a:off x="4328576" y="1389706"/>
+            <a:off x="5896119" y="3829980"/>
             <a:ext cx="1061049" cy="265741"/>
           </a:xfrm>
           <a:prstGeom prst="rect">
@@ -7596,7 +7183,7 @@
         </p:nvSpPr>
         <p:spPr>
           <a:xfrm>
-            <a:off x="6675497" y="1402087"/>
+            <a:off x="8243040" y="3842361"/>
             <a:ext cx="1080179" cy="265741"/>
           </a:xfrm>
           <a:prstGeom prst="rect">
@@ -7660,7 +7247,7 @@
         </p:nvSpPr>
         <p:spPr>
           <a:xfrm>
-            <a:off x="5497935" y="1390035"/>
+            <a:off x="7065478" y="3830309"/>
             <a:ext cx="1061049" cy="265741"/>
           </a:xfrm>
           <a:prstGeom prst="rect">
@@ -7724,7 +7311,7 @@
         </p:nvSpPr>
         <p:spPr>
           <a:xfrm>
-            <a:off x="4328576" y="1722544"/>
+            <a:off x="5896119" y="4162818"/>
             <a:ext cx="1061049" cy="265741"/>
           </a:xfrm>
           <a:prstGeom prst="rect">
@@ -7788,7 +7375,7 @@
         </p:nvSpPr>
         <p:spPr>
           <a:xfrm>
-            <a:off x="5494913" y="1750724"/>
+            <a:off x="2336113" y="4014056"/>
             <a:ext cx="1061049" cy="265741"/>
           </a:xfrm>
           <a:prstGeom prst="rect">
@@ -7852,7 +7439,7 @@
         </p:nvSpPr>
         <p:spPr>
           <a:xfrm>
-            <a:off x="8889247" y="1392201"/>
+            <a:off x="7065477" y="4175582"/>
             <a:ext cx="1061049" cy="265741"/>
           </a:xfrm>
           <a:prstGeom prst="rect">
@@ -7916,7 +7503,7 @@
         </p:nvSpPr>
         <p:spPr>
           <a:xfrm>
-            <a:off x="4328576" y="992361"/>
+            <a:off x="5896119" y="3421233"/>
             <a:ext cx="1895727" cy="369332"/>
           </a:xfrm>
           <a:prstGeom prst="rect">
@@ -7930,88 +7517,125 @@
           </a:bodyPr>
           <a:lstStyle/>
           <a:p>
-            <a:r>
-              <a:rPr lang="en-US" altLang="ko-KR" b="1" dirty="0">
-                <a:solidFill>
-                  <a:srgbClr val="0275D8"/>
-                </a:solidFill>
-              </a:rPr>
-              <a:t>60%~80% </a:t>
-            </a:r>
             <a:r>
               <a:rPr lang="ko-KR" altLang="en-US" b="1" dirty="0">
                 <a:solidFill>
                   <a:srgbClr val="0275D8"/>
                 </a:solidFill>
               </a:rPr>
-              <a:t>사이</a:t>
-            </a:r>
-            <a:r>
-              <a:rPr lang="ko-KR" altLang="en-US" dirty="0"/>
-              <a:t> </a:t>
-            </a:r>
-            <a:r>
-              <a:rPr lang="en-US" altLang="ko-KR" dirty="0"/>
-              <a:t>:</a:t>
-            </a:r>
-          </a:p>
-        </p:txBody>
-      </p:sp>
-      <p:sp>
-        <p:nvSpPr>
-          <p:cNvPr id="23" name="TextBox 22">
+              <a:t>낮은 취업률</a:t>
+            </a:r>
+            <a:endParaRPr lang="en-US" altLang="ko-KR" dirty="0"/>
+          </a:p>
+        </p:txBody>
+      </p:sp>
+      <p:pic>
+        <p:nvPicPr>
+          <p:cNvPr id="26" name="그림 25">
             <a:extLst>
               <a:ext uri="{FF2B5EF4-FFF2-40B4-BE49-F238E27FC236}">
-                <a16:creationId xmlns:a16="http://schemas.microsoft.com/office/drawing/2014/main" id="{D571654D-C7C9-28DB-1DFA-CD1698E4B0D8}"/>
+                <a16:creationId xmlns:a16="http://schemas.microsoft.com/office/drawing/2014/main" id="{F4A25F52-1788-EFE2-3518-BA6C946EA121}"/>
               </a:ext>
             </a:extLst>
           </p:cNvPr>
-          <p:cNvSpPr txBox="1"/>
-          <p:nvPr/>
-        </p:nvSpPr>
-        <p:spPr>
-          <a:xfrm>
-            <a:off x="8748579" y="999044"/>
-            <a:ext cx="1895727" cy="369332"/>
+          <p:cNvPicPr>
+            <a:picLocks noChangeAspect="1"/>
+          </p:cNvPicPr>
+          <p:nvPr/>
+        </p:nvPicPr>
+        <p:blipFill>
+          <a:blip r:embed="rId2"/>
+          <a:stretch>
+            <a:fillRect/>
+          </a:stretch>
+        </p:blipFill>
+        <p:spPr>
+          <a:xfrm>
+            <a:off x="5669017" y="4529373"/>
+            <a:ext cx="3654202" cy="2163906"/>
+          </a:xfrm>
+          <a:prstGeom prst="rect">
+            <a:avLst/>
+          </a:prstGeom>
+        </p:spPr>
+      </p:pic>
+      <p:pic>
+        <p:nvPicPr>
+          <p:cNvPr id="28" name="그림 27">
+            <a:extLst>
+              <a:ext uri="{FF2B5EF4-FFF2-40B4-BE49-F238E27FC236}">
+                <a16:creationId xmlns:a16="http://schemas.microsoft.com/office/drawing/2014/main" id="{681FC598-9E95-FA4A-996D-0367C093B4F8}"/>
+              </a:ext>
+            </a:extLst>
+          </p:cNvPr>
+          <p:cNvPicPr>
+            <a:picLocks noChangeAspect="1"/>
+          </p:cNvPicPr>
+          <p:nvPr/>
+        </p:nvPicPr>
+        <p:blipFill>
+          <a:blip r:embed="rId3"/>
+          <a:stretch>
+            <a:fillRect/>
+          </a:stretch>
+        </p:blipFill>
+        <p:spPr>
+          <a:xfrm>
+            <a:off x="896317" y="4524156"/>
+            <a:ext cx="3701136" cy="2184863"/>
+          </a:xfrm>
+          <a:prstGeom prst="rect">
+            <a:avLst/>
+          </a:prstGeom>
+        </p:spPr>
+      </p:pic>
+      <p:pic>
+        <p:nvPicPr>
+          <p:cNvPr id="40" name="_x403747616">
+            <a:extLst>
+              <a:ext uri="{FF2B5EF4-FFF2-40B4-BE49-F238E27FC236}">
+                <a16:creationId xmlns:a16="http://schemas.microsoft.com/office/drawing/2014/main" id="{FFC51AAE-CF74-1995-93FD-026DCBED3A1A}"/>
+              </a:ext>
+            </a:extLst>
+          </p:cNvPr>
+          <p:cNvPicPr>
+            <a:picLocks noChangeAspect="1" noChangeArrowheads="1"/>
+          </p:cNvPicPr>
+          <p:nvPr/>
+        </p:nvPicPr>
+        <p:blipFill>
+          <a:blip r:embed="rId4">
+            <a:extLst>
+              <a:ext uri="{28A0092B-C50C-407E-A947-70E740481C1C}">
+                <a14:useLocalDpi xmlns:a14="http://schemas.microsoft.com/office/drawing/2010/main" val="0"/>
+              </a:ext>
+            </a:extLst>
+          </a:blip>
+          <a:srcRect l="1259" t="1631" r="1746" b="2019"/>
+          <a:stretch>
+            <a:fillRect/>
+          </a:stretch>
+        </p:blipFill>
+        <p:spPr bwMode="auto">
+          <a:xfrm>
+            <a:off x="406788" y="1093665"/>
+            <a:ext cx="3835840" cy="2304258"/>
           </a:xfrm>
           <a:prstGeom prst="rect">
             <a:avLst/>
           </a:prstGeom>
           <a:noFill/>
-        </p:spPr>
-        <p:txBody>
-          <a:bodyPr wrap="square" rtlCol="0">
-            <a:spAutoFit/>
-          </a:bodyPr>
-          <a:lstStyle/>
-          <a:p>
-            <a:r>
-              <a:rPr lang="en-US" altLang="ko-KR" b="1" dirty="0">
+          <a:extLst>
+            <a:ext uri="{909E8E84-426E-40DD-AFC4-6F175D3DCCD1}">
+              <a14:hiddenFill xmlns:a14="http://schemas.microsoft.com/office/drawing/2010/main">
                 <a:solidFill>
-                  <a:srgbClr val="0275D8"/>
+                  <a:srgbClr val="FFFFFF"/>
                 </a:solidFill>
-              </a:rPr>
-              <a:t>60% </a:t>
-            </a:r>
-            <a:r>
-              <a:rPr lang="ko-KR" altLang="en-US" b="1" dirty="0">
-                <a:solidFill>
-                  <a:srgbClr val="0275D8"/>
-                </a:solidFill>
-              </a:rPr>
-              <a:t>이상</a:t>
-            </a:r>
-            <a:r>
-              <a:rPr lang="ko-KR" altLang="en-US" dirty="0"/>
-              <a:t> </a:t>
-            </a:r>
-            <a:r>
-              <a:rPr lang="en-US" altLang="ko-KR" dirty="0"/>
-              <a:t>:</a:t>
-            </a:r>
-          </a:p>
-        </p:txBody>
-      </p:sp>
+              </a14:hiddenFill>
+            </a:ext>
+          </a:extLst>
+        </p:spPr>
+      </p:pic>
     </p:spTree>
     <p:extLst>
       <p:ext uri="{BB962C8B-B14F-4D97-AF65-F5344CB8AC3E}">

--- a/submit (3).pptx
+++ b/submit (3).pptx
@@ -3446,8 +3446,8 @@
         </p:nvSpPr>
         <p:spPr>
           <a:xfrm>
-            <a:off x="8327267" y="1336185"/>
-            <a:ext cx="3655302" cy="1754326"/>
+            <a:off x="8280612" y="1336185"/>
+            <a:ext cx="3655302" cy="461665"/>
           </a:xfrm>
           <a:prstGeom prst="rect">
             <a:avLst/>
@@ -3461,7 +3461,7 @@
           <a:lstStyle/>
           <a:p>
             <a:r>
-              <a:rPr lang="ko-KR" altLang="en-US" sz="1200"/>
+              <a:rPr lang="ko-KR" altLang="en-US" sz="1200" dirty="0"/>
               <a:t>계열은 </a:t>
             </a:r>
             <a:r>
@@ -3478,76 +3478,6 @@
             </a:r>
           </a:p>
           <a:p>
-            <a:endParaRPr lang="en-US" altLang="ko-KR" sz="1200" dirty="0"/>
-          </a:p>
-          <a:p>
-            <a:pPr marL="228600" indent="-228600">
-              <a:buAutoNum type="arabicPeriod"/>
-            </a:pPr>
-            <a:r>
-              <a:rPr lang="ko-KR" altLang="en-US" sz="1200" dirty="0"/>
-              <a:t>공학계열</a:t>
-            </a:r>
-            <a:endParaRPr lang="en-US" altLang="ko-KR" sz="1200" dirty="0"/>
-          </a:p>
-          <a:p>
-            <a:pPr marL="228600" indent="-228600">
-              <a:buAutoNum type="arabicPeriod"/>
-            </a:pPr>
-            <a:r>
-              <a:rPr lang="ko-KR" altLang="en-US" sz="1200" dirty="0"/>
-              <a:t>인문계열</a:t>
-            </a:r>
-            <a:endParaRPr lang="en-US" altLang="ko-KR" sz="1200" dirty="0"/>
-          </a:p>
-          <a:p>
-            <a:pPr marL="228600" indent="-228600">
-              <a:buAutoNum type="arabicPeriod"/>
-            </a:pPr>
-            <a:r>
-              <a:rPr lang="ko-KR" altLang="en-US" sz="1200" dirty="0"/>
-              <a:t>예체능계열</a:t>
-            </a:r>
-            <a:endParaRPr lang="en-US" altLang="ko-KR" sz="1200" dirty="0"/>
-          </a:p>
-          <a:p>
-            <a:pPr marL="228600" indent="-228600">
-              <a:buAutoNum type="arabicPeriod"/>
-            </a:pPr>
-            <a:r>
-              <a:rPr lang="ko-KR" altLang="en-US" sz="1200" dirty="0"/>
-              <a:t>사회계열</a:t>
-            </a:r>
-            <a:endParaRPr lang="en-US" altLang="ko-KR" sz="1200" dirty="0"/>
-          </a:p>
-          <a:p>
-            <a:pPr marL="228600" indent="-228600">
-              <a:buAutoNum type="arabicPeriod"/>
-            </a:pPr>
-            <a:r>
-              <a:rPr lang="ko-KR" altLang="en-US" sz="1200" dirty="0" err="1"/>
-              <a:t>의약계열</a:t>
-            </a:r>
-            <a:endParaRPr lang="en-US" altLang="ko-KR" sz="1200" dirty="0"/>
-          </a:p>
-          <a:p>
-            <a:pPr marL="228600" indent="-228600">
-              <a:buAutoNum type="arabicPeriod"/>
-            </a:pPr>
-            <a:r>
-              <a:rPr lang="ko-KR" altLang="en-US" sz="1200" dirty="0"/>
-              <a:t>교육계열</a:t>
-            </a:r>
-            <a:endParaRPr lang="en-US" altLang="ko-KR" sz="1200" dirty="0"/>
-          </a:p>
-          <a:p>
-            <a:pPr marL="228600" indent="-228600">
-              <a:buAutoNum type="arabicPeriod"/>
-            </a:pPr>
-            <a:r>
-              <a:rPr lang="ko-KR" altLang="en-US" sz="1200" dirty="0"/>
-              <a:t>자연계열</a:t>
-            </a:r>
             <a:endParaRPr lang="en-US" altLang="ko-KR" sz="1200" dirty="0"/>
           </a:p>
         </p:txBody>
@@ -4231,65 +4161,65 @@
           <a:lstStyle/>
           <a:p>
             <a:r>
-              <a:rPr lang="ko-KR" altLang="en-US" sz="1000"/>
+              <a:rPr lang="ko-KR" altLang="en-US" sz="1000" dirty="0"/>
               <a:t>창업진흥원</a:t>
             </a:r>
             <a:r>
-              <a:rPr lang="en-US" altLang="ko-KR" sz="1000"/>
+              <a:rPr lang="en-US" altLang="ko-KR" sz="1000" dirty="0"/>
               <a:t> </a:t>
             </a:r>
             <a:r>
-              <a:rPr lang="ko-KR" altLang="en-US" sz="1000"/>
+              <a:rPr lang="ko-KR" altLang="en-US" sz="1000" dirty="0"/>
               <a:t>창업기업</a:t>
             </a:r>
             <a:r>
-              <a:rPr lang="ko-KR" altLang="en-US" sz="700"/>
+              <a:rPr lang="ko-KR" altLang="en-US" sz="700" dirty="0"/>
               <a:t> </a:t>
             </a:r>
             <a:r>
-              <a:rPr lang="ko-KR" altLang="en-US" sz="1000"/>
+              <a:rPr lang="ko-KR" altLang="en-US" sz="1000" dirty="0"/>
               <a:t>창업자의 전공정보</a:t>
             </a:r>
-            <a:endParaRPr lang="en-US" altLang="ko-KR" sz="1000"/>
-          </a:p>
-          <a:p>
-            <a:endParaRPr lang="en-US" altLang="ko-KR" sz="1000"/>
-          </a:p>
-          <a:p>
-            <a:r>
-              <a:rPr lang="en-US" altLang="ko-KR" sz="1000"/>
+            <a:endParaRPr lang="en-US" altLang="ko-KR" sz="1000" dirty="0"/>
+          </a:p>
+          <a:p>
+            <a:endParaRPr lang="en-US" altLang="ko-KR" sz="1000" dirty="0"/>
+          </a:p>
+          <a:p>
+            <a:r>
+              <a:rPr lang="en-US" altLang="ko-KR" sz="1000" dirty="0"/>
               <a:t>https://www.data.go.kr/data/15048999/fileData.do</a:t>
             </a:r>
           </a:p>
           <a:p>
-            <a:endParaRPr lang="en-US" altLang="ko-KR" sz="1000"/>
-          </a:p>
-          <a:p>
-            <a:r>
-              <a:rPr lang="ko-KR" altLang="en-US" sz="1000"/>
+            <a:endParaRPr lang="en-US" altLang="ko-KR" sz="1000" dirty="0"/>
+          </a:p>
+          <a:p>
+            <a:r>
+              <a:rPr lang="ko-KR" altLang="en-US" sz="1000" dirty="0"/>
               <a:t>한국교육개발원</a:t>
             </a:r>
             <a:r>
-              <a:rPr lang="en-US" altLang="ko-KR" sz="1000"/>
+              <a:rPr lang="en-US" altLang="ko-KR" sz="1000" dirty="0"/>
               <a:t>_</a:t>
             </a:r>
             <a:r>
-              <a:rPr lang="ko-KR" altLang="en-US" sz="1000"/>
+              <a:rPr lang="ko-KR" altLang="en-US" sz="1000" dirty="0"/>
               <a:t>대학별 학과별 모집인원 및 졸업자 현황</a:t>
             </a:r>
-            <a:endParaRPr lang="en-US" altLang="ko-KR" sz="1000"/>
-          </a:p>
-          <a:p>
-            <a:endParaRPr lang="en-US" altLang="ko-KR" sz="1000"/>
-          </a:p>
-          <a:p>
-            <a:r>
-              <a:rPr lang="en-US" altLang="ko-KR" sz="1000"/>
+            <a:endParaRPr lang="en-US" altLang="ko-KR" sz="1000" dirty="0"/>
+          </a:p>
+          <a:p>
+            <a:endParaRPr lang="en-US" altLang="ko-KR" sz="1000" dirty="0"/>
+          </a:p>
+          <a:p>
+            <a:r>
+              <a:rPr lang="en-US" altLang="ko-KR" sz="1000" dirty="0"/>
               <a:t>https://www.data.go.kr/data/15053809/fileData.do</a:t>
             </a:r>
           </a:p>
           <a:p>
-            <a:endParaRPr lang="ko-KR" altLang="en-US" sz="700"/>
+            <a:endParaRPr lang="ko-KR" altLang="en-US" sz="700" dirty="0"/>
           </a:p>
         </p:txBody>
       </p:sp>
@@ -4472,6 +4402,454 @@
               </a:rPr>
               <a:t>ㅇㅇㅇ학교 김준</a:t>
             </a:r>
+          </a:p>
+        </p:txBody>
+      </p:sp>
+      <p:sp>
+        <p:nvSpPr>
+          <p:cNvPr id="2" name="직사각형 1">
+            <a:extLst>
+              <a:ext uri="{FF2B5EF4-FFF2-40B4-BE49-F238E27FC236}">
+                <a16:creationId xmlns:a16="http://schemas.microsoft.com/office/drawing/2014/main" id="{69B0E6C1-BFE3-EB44-14FC-FBB14A059A25}"/>
+              </a:ext>
+            </a:extLst>
+          </p:cNvPr>
+          <p:cNvSpPr/>
+          <p:nvPr/>
+        </p:nvSpPr>
+        <p:spPr>
+          <a:xfrm>
+            <a:off x="8327267" y="1716603"/>
+            <a:ext cx="1061049" cy="265741"/>
+          </a:xfrm>
+          <a:prstGeom prst="rect">
+            <a:avLst/>
+          </a:prstGeom>
+          <a:solidFill>
+            <a:srgbClr val="8C564B"/>
+          </a:solidFill>
+          <a:ln>
+            <a:noFill/>
+          </a:ln>
+        </p:spPr>
+        <p:style>
+          <a:lnRef idx="2">
+            <a:schemeClr val="accent1">
+              <a:shade val="50000"/>
+            </a:schemeClr>
+          </a:lnRef>
+          <a:fillRef idx="1">
+            <a:schemeClr val="accent1"/>
+          </a:fillRef>
+          <a:effectRef idx="0">
+            <a:schemeClr val="accent1"/>
+          </a:effectRef>
+          <a:fontRef idx="minor">
+            <a:schemeClr val="lt1"/>
+          </a:fontRef>
+        </p:style>
+        <p:txBody>
+          <a:bodyPr rtlCol="0" anchor="ctr"/>
+          <a:lstStyle/>
+          <a:p>
+            <a:pPr algn="ctr"/>
+            <a:r>
+              <a:rPr lang="ko-KR" altLang="en-US" sz="1400" b="1" dirty="0">
+                <a:solidFill>
+                  <a:schemeClr val="bg1"/>
+                </a:solidFill>
+              </a:rPr>
+              <a:t>의약계열</a:t>
+            </a:r>
+            <a:endParaRPr lang="en-US" altLang="ko-KR" sz="1400" b="1" dirty="0">
+              <a:solidFill>
+                <a:schemeClr val="bg1"/>
+              </a:solidFill>
+            </a:endParaRPr>
+          </a:p>
+        </p:txBody>
+      </p:sp>
+      <p:sp>
+        <p:nvSpPr>
+          <p:cNvPr id="3" name="직사각형 2">
+            <a:extLst>
+              <a:ext uri="{FF2B5EF4-FFF2-40B4-BE49-F238E27FC236}">
+                <a16:creationId xmlns:a16="http://schemas.microsoft.com/office/drawing/2014/main" id="{17023216-CDC9-2212-3D99-D0022EBD30AA}"/>
+              </a:ext>
+            </a:extLst>
+          </p:cNvPr>
+          <p:cNvSpPr/>
+          <p:nvPr/>
+        </p:nvSpPr>
+        <p:spPr>
+          <a:xfrm>
+            <a:off x="9596510" y="1716603"/>
+            <a:ext cx="1061049" cy="265741"/>
+          </a:xfrm>
+          <a:prstGeom prst="rect">
+            <a:avLst/>
+          </a:prstGeom>
+          <a:solidFill>
+            <a:srgbClr val="D41E1F"/>
+          </a:solidFill>
+          <a:ln>
+            <a:noFill/>
+          </a:ln>
+        </p:spPr>
+        <p:style>
+          <a:lnRef idx="2">
+            <a:schemeClr val="accent1">
+              <a:shade val="50000"/>
+            </a:schemeClr>
+          </a:lnRef>
+          <a:fillRef idx="1">
+            <a:schemeClr val="accent1"/>
+          </a:fillRef>
+          <a:effectRef idx="0">
+            <a:schemeClr val="accent1"/>
+          </a:effectRef>
+          <a:fontRef idx="minor">
+            <a:schemeClr val="lt1"/>
+          </a:fontRef>
+        </p:style>
+        <p:txBody>
+          <a:bodyPr rtlCol="0" anchor="ctr"/>
+          <a:lstStyle/>
+          <a:p>
+            <a:pPr algn="ctr"/>
+            <a:r>
+              <a:rPr lang="ko-KR" altLang="en-US" sz="1400" b="1" dirty="0">
+                <a:solidFill>
+                  <a:schemeClr val="bg1"/>
+                </a:solidFill>
+              </a:rPr>
+              <a:t>교육계열</a:t>
+            </a:r>
+            <a:endParaRPr lang="en-US" altLang="ko-KR" sz="1400" b="1" dirty="0">
+              <a:solidFill>
+                <a:schemeClr val="bg1"/>
+              </a:solidFill>
+            </a:endParaRPr>
+          </a:p>
+        </p:txBody>
+      </p:sp>
+      <p:sp>
+        <p:nvSpPr>
+          <p:cNvPr id="4" name="직사각형 3">
+            <a:extLst>
+              <a:ext uri="{FF2B5EF4-FFF2-40B4-BE49-F238E27FC236}">
+                <a16:creationId xmlns:a16="http://schemas.microsoft.com/office/drawing/2014/main" id="{1D68524F-4158-A853-5957-AE75900474C2}"/>
+              </a:ext>
+            </a:extLst>
+          </p:cNvPr>
+          <p:cNvSpPr/>
+          <p:nvPr/>
+        </p:nvSpPr>
+        <p:spPr>
+          <a:xfrm>
+            <a:off x="9596510" y="2152943"/>
+            <a:ext cx="1080179" cy="265741"/>
+          </a:xfrm>
+          <a:prstGeom prst="rect">
+            <a:avLst/>
+          </a:prstGeom>
+          <a:solidFill>
+            <a:srgbClr val="E272BF"/>
+          </a:solidFill>
+          <a:ln>
+            <a:noFill/>
+          </a:ln>
+        </p:spPr>
+        <p:style>
+          <a:lnRef idx="2">
+            <a:schemeClr val="accent1">
+              <a:shade val="50000"/>
+            </a:schemeClr>
+          </a:lnRef>
+          <a:fillRef idx="1">
+            <a:schemeClr val="accent1"/>
+          </a:fillRef>
+          <a:effectRef idx="0">
+            <a:schemeClr val="accent1"/>
+          </a:effectRef>
+          <a:fontRef idx="minor">
+            <a:schemeClr val="lt1"/>
+          </a:fontRef>
+        </p:style>
+        <p:txBody>
+          <a:bodyPr rtlCol="0" anchor="ctr"/>
+          <a:lstStyle/>
+          <a:p>
+            <a:pPr algn="ctr"/>
+            <a:r>
+              <a:rPr lang="ko-KR" altLang="en-US" sz="1400" b="1" dirty="0">
+                <a:solidFill>
+                  <a:schemeClr val="bg1"/>
+                </a:solidFill>
+              </a:rPr>
+              <a:t>예체능계열</a:t>
+            </a:r>
+            <a:endParaRPr lang="en-US" altLang="ko-KR" sz="1400" b="1" dirty="0">
+              <a:solidFill>
+                <a:schemeClr val="bg1"/>
+              </a:solidFill>
+            </a:endParaRPr>
+          </a:p>
+        </p:txBody>
+      </p:sp>
+      <p:sp>
+        <p:nvSpPr>
+          <p:cNvPr id="5" name="직사각형 4">
+            <a:extLst>
+              <a:ext uri="{FF2B5EF4-FFF2-40B4-BE49-F238E27FC236}">
+                <a16:creationId xmlns:a16="http://schemas.microsoft.com/office/drawing/2014/main" id="{A16D4D7D-F4CB-60F9-3B15-7F5836BA6D26}"/>
+              </a:ext>
+            </a:extLst>
+          </p:cNvPr>
+          <p:cNvSpPr/>
+          <p:nvPr/>
+        </p:nvSpPr>
+        <p:spPr>
+          <a:xfrm>
+            <a:off x="8327266" y="2168611"/>
+            <a:ext cx="1061049" cy="265741"/>
+          </a:xfrm>
+          <a:prstGeom prst="rect">
+            <a:avLst/>
+          </a:prstGeom>
+          <a:solidFill>
+            <a:srgbClr val="9062BB"/>
+          </a:solidFill>
+          <a:ln>
+            <a:noFill/>
+          </a:ln>
+        </p:spPr>
+        <p:style>
+          <a:lnRef idx="2">
+            <a:schemeClr val="accent1">
+              <a:shade val="50000"/>
+            </a:schemeClr>
+          </a:lnRef>
+          <a:fillRef idx="1">
+            <a:schemeClr val="accent1"/>
+          </a:fillRef>
+          <a:effectRef idx="0">
+            <a:schemeClr val="accent1"/>
+          </a:effectRef>
+          <a:fontRef idx="minor">
+            <a:schemeClr val="lt1"/>
+          </a:fontRef>
+        </p:style>
+        <p:txBody>
+          <a:bodyPr rtlCol="0" anchor="ctr"/>
+          <a:lstStyle/>
+          <a:p>
+            <a:pPr algn="ctr"/>
+            <a:r>
+              <a:rPr lang="ko-KR" altLang="en-US" sz="1400" b="1" dirty="0">
+                <a:solidFill>
+                  <a:schemeClr val="bg1"/>
+                </a:solidFill>
+              </a:rPr>
+              <a:t>자연계열</a:t>
+            </a:r>
+            <a:endParaRPr lang="en-US" altLang="ko-KR" sz="1400" b="1" dirty="0">
+              <a:solidFill>
+                <a:schemeClr val="bg1"/>
+              </a:solidFill>
+            </a:endParaRPr>
+          </a:p>
+        </p:txBody>
+      </p:sp>
+      <p:sp>
+        <p:nvSpPr>
+          <p:cNvPr id="6" name="직사각형 5">
+            <a:extLst>
+              <a:ext uri="{FF2B5EF4-FFF2-40B4-BE49-F238E27FC236}">
+                <a16:creationId xmlns:a16="http://schemas.microsoft.com/office/drawing/2014/main" id="{06F216EB-C964-A146-E490-3AD4B6A0327E}"/>
+              </a:ext>
+            </a:extLst>
+          </p:cNvPr>
+          <p:cNvSpPr/>
+          <p:nvPr/>
+        </p:nvSpPr>
+        <p:spPr>
+          <a:xfrm>
+            <a:off x="8327743" y="2601614"/>
+            <a:ext cx="1061049" cy="265741"/>
+          </a:xfrm>
+          <a:prstGeom prst="rect">
+            <a:avLst/>
+          </a:prstGeom>
+          <a:solidFill>
+            <a:srgbClr val="FF7700"/>
+          </a:solidFill>
+          <a:ln>
+            <a:noFill/>
+          </a:ln>
+        </p:spPr>
+        <p:style>
+          <a:lnRef idx="2">
+            <a:schemeClr val="accent1">
+              <a:shade val="50000"/>
+            </a:schemeClr>
+          </a:lnRef>
+          <a:fillRef idx="1">
+            <a:schemeClr val="accent1"/>
+          </a:fillRef>
+          <a:effectRef idx="0">
+            <a:schemeClr val="accent1"/>
+          </a:effectRef>
+          <a:fontRef idx="minor">
+            <a:schemeClr val="lt1"/>
+          </a:fontRef>
+        </p:style>
+        <p:txBody>
+          <a:bodyPr rtlCol="0" anchor="ctr"/>
+          <a:lstStyle/>
+          <a:p>
+            <a:pPr algn="ctr"/>
+            <a:r>
+              <a:rPr lang="ko-KR" altLang="en-US" sz="1400" b="1" dirty="0">
+                <a:solidFill>
+                  <a:schemeClr val="bg1"/>
+                </a:solidFill>
+              </a:rPr>
+              <a:t>사회계열</a:t>
+            </a:r>
+            <a:endParaRPr lang="en-US" altLang="ko-KR" sz="1400" b="1" dirty="0">
+              <a:solidFill>
+                <a:schemeClr val="bg1"/>
+              </a:solidFill>
+            </a:endParaRPr>
+          </a:p>
+        </p:txBody>
+      </p:sp>
+      <p:sp>
+        <p:nvSpPr>
+          <p:cNvPr id="7" name="직사각형 6">
+            <a:extLst>
+              <a:ext uri="{FF2B5EF4-FFF2-40B4-BE49-F238E27FC236}">
+                <a16:creationId xmlns:a16="http://schemas.microsoft.com/office/drawing/2014/main" id="{F86A526D-6188-0194-BA46-B2968FE58043}"/>
+              </a:ext>
+            </a:extLst>
+          </p:cNvPr>
+          <p:cNvSpPr/>
+          <p:nvPr/>
+        </p:nvSpPr>
+        <p:spPr>
+          <a:xfrm>
+            <a:off x="8327265" y="3022607"/>
+            <a:ext cx="1061049" cy="265741"/>
+          </a:xfrm>
+          <a:prstGeom prst="rect">
+            <a:avLst/>
+          </a:prstGeom>
+          <a:solidFill>
+            <a:srgbClr val="56B356"/>
+          </a:solidFill>
+          <a:ln>
+            <a:noFill/>
+          </a:ln>
+        </p:spPr>
+        <p:style>
+          <a:lnRef idx="2">
+            <a:schemeClr val="accent1">
+              <a:shade val="50000"/>
+            </a:schemeClr>
+          </a:lnRef>
+          <a:fillRef idx="1">
+            <a:schemeClr val="accent1"/>
+          </a:fillRef>
+          <a:effectRef idx="0">
+            <a:schemeClr val="accent1"/>
+          </a:effectRef>
+          <a:fontRef idx="minor">
+            <a:schemeClr val="lt1"/>
+          </a:fontRef>
+        </p:style>
+        <p:txBody>
+          <a:bodyPr rtlCol="0" anchor="ctr"/>
+          <a:lstStyle/>
+          <a:p>
+            <a:pPr algn="ctr"/>
+            <a:r>
+              <a:rPr lang="ko-KR" altLang="en-US" sz="1400" b="1" dirty="0">
+                <a:solidFill>
+                  <a:schemeClr val="bg1"/>
+                </a:solidFill>
+              </a:rPr>
+              <a:t>공학계열</a:t>
+            </a:r>
+            <a:endParaRPr lang="en-US" altLang="ko-KR" sz="1400" b="1" dirty="0">
+              <a:solidFill>
+                <a:schemeClr val="bg1"/>
+              </a:solidFill>
+            </a:endParaRPr>
+          </a:p>
+        </p:txBody>
+      </p:sp>
+      <p:sp>
+        <p:nvSpPr>
+          <p:cNvPr id="8" name="직사각형 7">
+            <a:extLst>
+              <a:ext uri="{FF2B5EF4-FFF2-40B4-BE49-F238E27FC236}">
+                <a16:creationId xmlns:a16="http://schemas.microsoft.com/office/drawing/2014/main" id="{E933F161-BE9C-A12E-552F-048EFFFDC59A}"/>
+              </a:ext>
+            </a:extLst>
+          </p:cNvPr>
+          <p:cNvSpPr/>
+          <p:nvPr/>
+        </p:nvSpPr>
+        <p:spPr>
+          <a:xfrm>
+            <a:off x="9596510" y="2601614"/>
+            <a:ext cx="1061049" cy="265741"/>
+          </a:xfrm>
+          <a:prstGeom prst="rect">
+            <a:avLst/>
+          </a:prstGeom>
+          <a:solidFill>
+            <a:srgbClr val="1772B1"/>
+          </a:solidFill>
+          <a:ln>
+            <a:noFill/>
+          </a:ln>
+        </p:spPr>
+        <p:style>
+          <a:lnRef idx="2">
+            <a:schemeClr val="accent1">
+              <a:shade val="50000"/>
+            </a:schemeClr>
+          </a:lnRef>
+          <a:fillRef idx="1">
+            <a:schemeClr val="accent1"/>
+          </a:fillRef>
+          <a:effectRef idx="0">
+            <a:schemeClr val="accent1"/>
+          </a:effectRef>
+          <a:fontRef idx="minor">
+            <a:schemeClr val="lt1"/>
+          </a:fontRef>
+        </p:style>
+        <p:txBody>
+          <a:bodyPr rtlCol="0" anchor="ctr"/>
+          <a:lstStyle/>
+          <a:p>
+            <a:pPr algn="ctr"/>
+            <a:r>
+              <a:rPr lang="ko-KR" altLang="en-US" sz="1400" b="1" dirty="0">
+                <a:solidFill>
+                  <a:schemeClr val="bg1"/>
+                </a:solidFill>
+              </a:rPr>
+              <a:t>인문계열</a:t>
+            </a:r>
+            <a:endParaRPr lang="en-US" altLang="ko-KR" sz="1400" b="1" dirty="0">
+              <a:solidFill>
+                <a:schemeClr val="bg1"/>
+              </a:solidFill>
+            </a:endParaRPr>
           </a:p>
         </p:txBody>
       </p:sp>
@@ -4519,7 +4897,7 @@
         </p:nvSpPr>
         <p:spPr>
           <a:xfrm>
-            <a:off x="710214" y="1079778"/>
+            <a:off x="594254" y="895112"/>
             <a:ext cx="4225771" cy="369332"/>
           </a:xfrm>
           <a:prstGeom prst="rect">
@@ -4554,7 +4932,7 @@
         </p:nvSpPr>
         <p:spPr>
           <a:xfrm>
-            <a:off x="710214" y="1535213"/>
+            <a:off x="594254" y="1350547"/>
             <a:ext cx="2010126" cy="1029292"/>
           </a:xfrm>
           <a:prstGeom prst="roundRect">
@@ -4623,7 +5001,7 @@
         </p:nvSpPr>
         <p:spPr>
           <a:xfrm>
-            <a:off x="710214" y="3789379"/>
+            <a:off x="491495" y="3498074"/>
             <a:ext cx="2112885" cy="1047749"/>
           </a:xfrm>
           <a:prstGeom prst="roundRect">
@@ -4684,7 +5062,7 @@
         </p:nvSpPr>
         <p:spPr>
           <a:xfrm>
-            <a:off x="731890" y="5795829"/>
+            <a:off x="491494" y="5594656"/>
             <a:ext cx="2112885" cy="1043718"/>
           </a:xfrm>
           <a:prstGeom prst="roundRect">
@@ -5068,48 +5446,8 @@
         </p:nvSpPr>
         <p:spPr>
           <a:xfrm>
-            <a:off x="1348000" y="2769209"/>
+            <a:off x="1232040" y="2584543"/>
             <a:ext cx="734553" cy="663976"/>
-          </a:xfrm>
-          <a:prstGeom prst="downArrow">
-            <a:avLst/>
-          </a:prstGeom>
-        </p:spPr>
-        <p:style>
-          <a:lnRef idx="2">
-            <a:schemeClr val="accent1">
-              <a:shade val="50000"/>
-            </a:schemeClr>
-          </a:lnRef>
-          <a:fillRef idx="1">
-            <a:schemeClr val="accent1"/>
-          </a:fillRef>
-          <a:effectRef idx="0">
-            <a:schemeClr val="accent1"/>
-          </a:effectRef>
-          <a:fontRef idx="minor">
-            <a:schemeClr val="lt1"/>
-          </a:fontRef>
-        </p:style>
-        <p:txBody>
-          <a:bodyPr rtlCol="0" anchor="ctr"/>
-          <a:lstStyle/>
-          <a:p>
-            <a:pPr algn="ctr"/>
-            <a:endParaRPr lang="ko-KR" altLang="en-US"/>
-          </a:p>
-        </p:txBody>
-      </p:sp>
-      <p:sp>
-        <p:nvSpPr>
-          <p:cNvPr id="4" name="아래쪽 화살표 3"/>
-          <p:cNvSpPr/>
-          <p:nvPr/>
-        </p:nvSpPr>
-        <p:spPr>
-          <a:xfrm>
-            <a:off x="1444398" y="4980045"/>
-            <a:ext cx="616072" cy="655320"/>
           </a:xfrm>
           <a:prstGeom prst="downArrow">
             <a:avLst/>
@@ -5482,6 +5820,52 @@
           </a:bodyPr>
           <a:lstStyle/>
           <a:p>
+            <a:endParaRPr lang="ko-KR" altLang="en-US"/>
+          </a:p>
+        </p:txBody>
+      </p:sp>
+      <p:sp>
+        <p:nvSpPr>
+          <p:cNvPr id="6" name="아래쪽 화살표 2">
+            <a:extLst>
+              <a:ext uri="{FF2B5EF4-FFF2-40B4-BE49-F238E27FC236}">
+                <a16:creationId xmlns:a16="http://schemas.microsoft.com/office/drawing/2014/main" id="{1584387C-17D5-78A5-C5AF-7C4CC99CF8F0}"/>
+              </a:ext>
+            </a:extLst>
+          </p:cNvPr>
+          <p:cNvSpPr/>
+          <p:nvPr/>
+        </p:nvSpPr>
+        <p:spPr>
+          <a:xfrm>
+            <a:off x="1230206" y="4746505"/>
+            <a:ext cx="734553" cy="663976"/>
+          </a:xfrm>
+          <a:prstGeom prst="downArrow">
+            <a:avLst/>
+          </a:prstGeom>
+        </p:spPr>
+        <p:style>
+          <a:lnRef idx="2">
+            <a:schemeClr val="accent1">
+              <a:shade val="50000"/>
+            </a:schemeClr>
+          </a:lnRef>
+          <a:fillRef idx="1">
+            <a:schemeClr val="accent1"/>
+          </a:fillRef>
+          <a:effectRef idx="0">
+            <a:schemeClr val="accent1"/>
+          </a:effectRef>
+          <a:fontRef idx="minor">
+            <a:schemeClr val="lt1"/>
+          </a:fontRef>
+        </p:style>
+        <p:txBody>
+          <a:bodyPr rtlCol="0" anchor="ctr"/>
+          <a:lstStyle/>
+          <a:p>
+            <a:pPr algn="ctr"/>
             <a:endParaRPr lang="ko-KR" altLang="en-US"/>
           </a:p>
         </p:txBody>
@@ -5538,7 +5922,7 @@
         </p:blipFill>
         <p:spPr>
           <a:xfrm>
-            <a:off x="10196582" y="4014487"/>
+            <a:off x="8917062" y="3876689"/>
             <a:ext cx="2820179" cy="2163342"/>
           </a:xfrm>
           <a:prstGeom prst="rect">
@@ -5568,7 +5952,7 @@
         </p:blipFill>
         <p:spPr>
           <a:xfrm>
-            <a:off x="7135019" y="4014487"/>
+            <a:off x="5972636" y="3934142"/>
             <a:ext cx="2909343" cy="2263519"/>
           </a:xfrm>
           <a:prstGeom prst="rect">
@@ -5852,7 +6236,7 @@
         </p:blipFill>
         <p:spPr>
           <a:xfrm>
-            <a:off x="3545336" y="1593446"/>
+            <a:off x="4226470" y="1576930"/>
             <a:ext cx="2833352" cy="2281561"/>
           </a:xfrm>
           <a:prstGeom prst="rect">
@@ -5882,7 +6266,7 @@
         </p:blipFill>
         <p:spPr>
           <a:xfrm>
-            <a:off x="7135019" y="1616185"/>
+            <a:off x="7444849" y="1588300"/>
             <a:ext cx="2944426" cy="2258822"/>
           </a:xfrm>
           <a:prstGeom prst="rect">
@@ -5912,7 +6296,7 @@
         </p:blipFill>
         <p:spPr>
           <a:xfrm>
-            <a:off x="3545336" y="3964078"/>
+            <a:off x="3218765" y="3964078"/>
             <a:ext cx="2944426" cy="2313928"/>
           </a:xfrm>
           <a:prstGeom prst="rect">
@@ -5942,7 +6326,7 @@
         </p:blipFill>
         <p:spPr>
           <a:xfrm>
-            <a:off x="254907" y="1593447"/>
+            <a:off x="1213777" y="1629723"/>
             <a:ext cx="2820179" cy="2281561"/>
           </a:xfrm>
           <a:prstGeom prst="rect">
@@ -6599,8 +6983,8 @@
         </p:nvSpPr>
         <p:spPr>
           <a:xfrm>
-            <a:off x="1138019" y="3429000"/>
-            <a:ext cx="1895727" cy="369332"/>
+            <a:off x="1114310" y="3471450"/>
+            <a:ext cx="3256699" cy="369332"/>
           </a:xfrm>
           <a:prstGeom prst="rect">
             <a:avLst/>
@@ -6619,7 +7003,23 @@
                   <a:srgbClr val="0275D8"/>
                 </a:solidFill>
               </a:rPr>
-              <a:t>높은 취업률</a:t>
+              <a:t>높은 취업률 </a:t>
+            </a:r>
+            <a:r>
+              <a:rPr lang="en-US" altLang="ko-KR" sz="1050" b="1" dirty="0">
+                <a:solidFill>
+                  <a:srgbClr val="0275D8"/>
+                </a:solidFill>
+              </a:rPr>
+              <a:t>66.9% </a:t>
+            </a:r>
+            <a:r>
+              <a:rPr lang="ko-KR" altLang="en-US" sz="1050" b="1" dirty="0">
+                <a:solidFill>
+                  <a:srgbClr val="0275D8"/>
+                </a:solidFill>
+              </a:rPr>
+              <a:t>이상</a:t>
             </a:r>
             <a:endParaRPr lang="en-US" altLang="ko-KR" dirty="0"/>
           </a:p>
@@ -7503,8 +7903,8 @@
         </p:nvSpPr>
         <p:spPr>
           <a:xfrm>
-            <a:off x="5896119" y="3421233"/>
-            <a:ext cx="1895727" cy="369332"/>
+            <a:off x="5896119" y="3397923"/>
+            <a:ext cx="3891693" cy="369332"/>
           </a:xfrm>
           <a:prstGeom prst="rect">
             <a:avLst/>
@@ -7523,7 +7923,23 @@
                   <a:srgbClr val="0275D8"/>
                 </a:solidFill>
               </a:rPr>
-              <a:t>낮은 취업률</a:t>
+              <a:t>낮은 취업률 </a:t>
+            </a:r>
+            <a:r>
+              <a:rPr lang="en-US" altLang="ko-KR" sz="1050" b="1" dirty="0">
+                <a:solidFill>
+                  <a:srgbClr val="0275D8"/>
+                </a:solidFill>
+              </a:rPr>
+              <a:t>66.9% </a:t>
+            </a:r>
+            <a:r>
+              <a:rPr lang="ko-KR" altLang="en-US" sz="1050" b="1" dirty="0">
+                <a:solidFill>
+                  <a:srgbClr val="0275D8"/>
+                </a:solidFill>
+              </a:rPr>
+              <a:t>이하</a:t>
             </a:r>
             <a:endParaRPr lang="en-US" altLang="ko-KR" dirty="0"/>
           </a:p>

--- a/submit (3).pptx
+++ b/submit (3).pptx
@@ -12,6 +12,7 @@
     <p:sldId id="262" r:id="rId6"/>
     <p:sldId id="263" r:id="rId7"/>
     <p:sldId id="265" r:id="rId8"/>
+    <p:sldId id="266" r:id="rId9"/>
   </p:sldIdLst>
   <p:sldSz cx="12192000" cy="6858000"/>
   <p:notesSz cx="6858000" cy="9144000"/>
@@ -258,7 +259,7 @@
           <a:p>
             <a:fld id="{48F71B6D-55F6-4550-85C4-E25ACA6B0146}" type="datetimeFigureOut">
               <a:rPr lang="ko-KR" altLang="en-US" smtClean="0"/>
-              <a:t>2023-06-27</a:t>
+              <a:t>2023-06-28</a:t>
             </a:fld>
             <a:endParaRPr lang="ko-KR" altLang="en-US"/>
           </a:p>
@@ -426,7 +427,7 @@
           <a:p>
             <a:fld id="{48F71B6D-55F6-4550-85C4-E25ACA6B0146}" type="datetimeFigureOut">
               <a:rPr lang="ko-KR" altLang="en-US" smtClean="0"/>
-              <a:t>2023-06-27</a:t>
+              <a:t>2023-06-28</a:t>
             </a:fld>
             <a:endParaRPr lang="ko-KR" altLang="en-US"/>
           </a:p>
@@ -604,7 +605,7 @@
           <a:p>
             <a:fld id="{48F71B6D-55F6-4550-85C4-E25ACA6B0146}" type="datetimeFigureOut">
               <a:rPr lang="ko-KR" altLang="en-US" smtClean="0"/>
-              <a:t>2023-06-27</a:t>
+              <a:t>2023-06-28</a:t>
             </a:fld>
             <a:endParaRPr lang="ko-KR" altLang="en-US"/>
           </a:p>
@@ -772,7 +773,7 @@
           <a:p>
             <a:fld id="{48F71B6D-55F6-4550-85C4-E25ACA6B0146}" type="datetimeFigureOut">
               <a:rPr lang="ko-KR" altLang="en-US" smtClean="0"/>
-              <a:t>2023-06-27</a:t>
+              <a:t>2023-06-28</a:t>
             </a:fld>
             <a:endParaRPr lang="ko-KR" altLang="en-US"/>
           </a:p>
@@ -1017,7 +1018,7 @@
           <a:p>
             <a:fld id="{48F71B6D-55F6-4550-85C4-E25ACA6B0146}" type="datetimeFigureOut">
               <a:rPr lang="ko-KR" altLang="en-US" smtClean="0"/>
-              <a:t>2023-06-27</a:t>
+              <a:t>2023-06-28</a:t>
             </a:fld>
             <a:endParaRPr lang="ko-KR" altLang="en-US"/>
           </a:p>
@@ -1246,7 +1247,7 @@
           <a:p>
             <a:fld id="{48F71B6D-55F6-4550-85C4-E25ACA6B0146}" type="datetimeFigureOut">
               <a:rPr lang="ko-KR" altLang="en-US" smtClean="0"/>
-              <a:t>2023-06-27</a:t>
+              <a:t>2023-06-28</a:t>
             </a:fld>
             <a:endParaRPr lang="ko-KR" altLang="en-US"/>
           </a:p>
@@ -1610,7 +1611,7 @@
           <a:p>
             <a:fld id="{48F71B6D-55F6-4550-85C4-E25ACA6B0146}" type="datetimeFigureOut">
               <a:rPr lang="ko-KR" altLang="en-US" smtClean="0"/>
-              <a:t>2023-06-27</a:t>
+              <a:t>2023-06-28</a:t>
             </a:fld>
             <a:endParaRPr lang="ko-KR" altLang="en-US"/>
           </a:p>
@@ -1727,7 +1728,7 @@
           <a:p>
             <a:fld id="{48F71B6D-55F6-4550-85C4-E25ACA6B0146}" type="datetimeFigureOut">
               <a:rPr lang="ko-KR" altLang="en-US" smtClean="0"/>
-              <a:t>2023-06-27</a:t>
+              <a:t>2023-06-28</a:t>
             </a:fld>
             <a:endParaRPr lang="ko-KR" altLang="en-US"/>
           </a:p>
@@ -1822,7 +1823,7 @@
           <a:p>
             <a:fld id="{48F71B6D-55F6-4550-85C4-E25ACA6B0146}" type="datetimeFigureOut">
               <a:rPr lang="ko-KR" altLang="en-US" smtClean="0"/>
-              <a:t>2023-06-27</a:t>
+              <a:t>2023-06-28</a:t>
             </a:fld>
             <a:endParaRPr lang="ko-KR" altLang="en-US"/>
           </a:p>
@@ -2097,7 +2098,7 @@
           <a:p>
             <a:fld id="{48F71B6D-55F6-4550-85C4-E25ACA6B0146}" type="datetimeFigureOut">
               <a:rPr lang="ko-KR" altLang="en-US" smtClean="0"/>
-              <a:t>2023-06-27</a:t>
+              <a:t>2023-06-28</a:t>
             </a:fld>
             <a:endParaRPr lang="ko-KR" altLang="en-US"/>
           </a:p>
@@ -2349,7 +2350,7 @@
           <a:p>
             <a:fld id="{48F71B6D-55F6-4550-85C4-E25ACA6B0146}" type="datetimeFigureOut">
               <a:rPr lang="ko-KR" altLang="en-US" smtClean="0"/>
-              <a:t>2023-06-27</a:t>
+              <a:t>2023-06-28</a:t>
             </a:fld>
             <a:endParaRPr lang="ko-KR" altLang="en-US"/>
           </a:p>
@@ -2560,7 +2561,7 @@
           <a:p>
             <a:fld id="{48F71B6D-55F6-4550-85C4-E25ACA6B0146}" type="datetimeFigureOut">
               <a:rPr lang="ko-KR" altLang="en-US" smtClean="0"/>
-              <a:t>2023-06-27</a:t>
+              <a:t>2023-06-28</a:t>
             </a:fld>
             <a:endParaRPr lang="ko-KR" altLang="en-US"/>
           </a:p>
@@ -3004,7 +3005,7 @@
           <a:lstStyle/>
           <a:p>
             <a:pPr algn="ctr"/>
-            <a:endParaRPr lang="ko-KR" altLang="en-US"/>
+            <a:endParaRPr lang="ko-KR" altLang="en-US" dirty="0"/>
           </a:p>
         </p:txBody>
       </p:sp>
@@ -3863,38 +3864,22 @@
           <a:lstStyle/>
           <a:p>
             <a:r>
-              <a:rPr lang="en-US" altLang="ko-KR" sz="900">
+              <a:rPr lang="en-US" altLang="ko-KR" sz="900" dirty="0">
                 <a:solidFill>
                   <a:schemeClr val="bg1"/>
                 </a:solidFill>
               </a:rPr>
-              <a:t>1: https</a:t>
-            </a:r>
+              <a:t>1: https://news.nate.com/view/20220401n22281</a:t>
+            </a:r>
+          </a:p>
+          <a:p>
             <a:r>
               <a:rPr lang="en-US" altLang="ko-KR" sz="900" dirty="0">
                 <a:solidFill>
                   <a:schemeClr val="bg1"/>
                 </a:solidFill>
               </a:rPr>
-              <a:t>://news.nate.com/view/20220401n22281</a:t>
-            </a:r>
-          </a:p>
-          <a:p>
-            <a:r>
-              <a:rPr lang="en-US" altLang="ko-KR" sz="900">
-                <a:solidFill>
-                  <a:schemeClr val="bg1"/>
-                </a:solidFill>
-              </a:rPr>
-              <a:t>2: https</a:t>
-            </a:r>
-            <a:r>
-              <a:rPr lang="en-US" altLang="ko-KR" sz="900" dirty="0">
-                <a:solidFill>
-                  <a:schemeClr val="bg1"/>
-                </a:solidFill>
-              </a:rPr>
-              <a:t>://news.mt.co.kr/mtview.php?no=2014041010113327536</a:t>
+              <a:t>2: https://news.mt.co.kr/mtview.php?no=2014041010113327536</a:t>
             </a:r>
             <a:endParaRPr lang="ko-KR" altLang="en-US" sz="900" dirty="0">
               <a:solidFill>
@@ -4897,7 +4882,7 @@
         </p:nvSpPr>
         <p:spPr>
           <a:xfrm>
-            <a:off x="594254" y="895112"/>
+            <a:off x="749411" y="707821"/>
             <a:ext cx="4225771" cy="369332"/>
           </a:xfrm>
           <a:prstGeom prst="rect">
@@ -4912,9 +4897,14 @@
           <a:lstStyle/>
           <a:p>
             <a:r>
-              <a:rPr lang="ko-KR" altLang="en-US" dirty="0"/>
+              <a:rPr lang="ko-KR" altLang="en-US" sz="1800" b="1" dirty="0">
+                <a:solidFill>
+                  <a:srgbClr val="0275D8"/>
+                </a:solidFill>
+              </a:rPr>
               <a:t>계획</a:t>
             </a:r>
+            <a:endParaRPr lang="ko-KR" altLang="en-US" dirty="0"/>
           </a:p>
         </p:txBody>
       </p:sp>
@@ -4932,8 +4922,8 @@
         </p:nvSpPr>
         <p:spPr>
           <a:xfrm>
-            <a:off x="594254" y="1350547"/>
-            <a:ext cx="2010126" cy="1029292"/>
+            <a:off x="632156" y="1267225"/>
+            <a:ext cx="2087280" cy="1029292"/>
           </a:xfrm>
           <a:prstGeom prst="roundRect">
             <a:avLst/>
@@ -4969,12 +4959,8 @@
           <a:p>
             <a:pPr algn="ctr"/>
             <a:r>
-              <a:rPr lang="ko-KR" altLang="en-US" dirty="0" err="1"/>
-              <a:t>필요로하는</a:t>
-            </a:r>
-            <a:r>
               <a:rPr lang="ko-KR" altLang="en-US" dirty="0"/>
-              <a:t> 계열</a:t>
+              <a:t>필요로 하는 계열</a:t>
             </a:r>
             <a:endParaRPr lang="en-US" altLang="ko-KR" dirty="0"/>
           </a:p>
@@ -5001,7 +4987,7 @@
         </p:nvSpPr>
         <p:spPr>
           <a:xfrm>
-            <a:off x="491495" y="3498074"/>
+            <a:off x="606551" y="3280391"/>
             <a:ext cx="2112885" cy="1047749"/>
           </a:xfrm>
           <a:prstGeom prst="roundRect">
@@ -5062,7 +5048,7 @@
         </p:nvSpPr>
         <p:spPr>
           <a:xfrm>
-            <a:off x="491494" y="5594656"/>
+            <a:off x="619125" y="5211337"/>
             <a:ext cx="2112885" cy="1043718"/>
           </a:xfrm>
           <a:prstGeom prst="roundRect">
@@ -5142,191 +5128,14 @@
           <a:lstStyle/>
           <a:p>
             <a:r>
-              <a:rPr lang="ko-KR" altLang="en-US" dirty="0"/>
-              <a:t>활동 전 결과 예상 </a:t>
-            </a:r>
-          </a:p>
-        </p:txBody>
-      </p:sp>
-      <p:sp>
-        <p:nvSpPr>
-          <p:cNvPr id="23" name="타원 22">
-            <a:extLst>
-              <a:ext uri="{FF2B5EF4-FFF2-40B4-BE49-F238E27FC236}">
-                <a16:creationId xmlns:a16="http://schemas.microsoft.com/office/drawing/2014/main" id="{939997DB-6AC3-C98D-6B54-2B513BC9906E}"/>
-              </a:ext>
-            </a:extLst>
-          </p:cNvPr>
-          <p:cNvSpPr/>
-          <p:nvPr/>
-        </p:nvSpPr>
-        <p:spPr>
-          <a:xfrm>
-            <a:off x="9371042" y="1449110"/>
-            <a:ext cx="2321808" cy="1755475"/>
-          </a:xfrm>
-          <a:prstGeom prst="ellipse">
-            <a:avLst/>
-          </a:prstGeom>
-        </p:spPr>
-        <p:style>
-          <a:lnRef idx="2">
-            <a:schemeClr val="accent1">
-              <a:shade val="50000"/>
-            </a:schemeClr>
-          </a:lnRef>
-          <a:fillRef idx="1">
-            <a:schemeClr val="accent1"/>
-          </a:fillRef>
-          <a:effectRef idx="0">
-            <a:schemeClr val="accent1"/>
-          </a:effectRef>
-          <a:fontRef idx="minor">
-            <a:schemeClr val="lt1"/>
-          </a:fontRef>
-        </p:style>
-        <p:txBody>
-          <a:bodyPr rtlCol="0" anchor="ctr"/>
-          <a:lstStyle/>
-          <a:p>
-            <a:pPr algn="ctr"/>
-            <a:r>
-              <a:rPr lang="ko-KR" altLang="en-US" sz="1800" dirty="0"/>
-              <a:t>인문계열</a:t>
-            </a:r>
-            <a:endParaRPr lang="en-US" altLang="ko-KR" sz="1800" dirty="0"/>
-          </a:p>
-          <a:p>
-            <a:pPr algn="ctr"/>
-            <a:r>
-              <a:rPr lang="ko-KR" altLang="en-US" sz="1800" dirty="0"/>
-              <a:t>교육계열</a:t>
-            </a:r>
-            <a:endParaRPr lang="en-US" altLang="ko-KR" sz="1800" dirty="0"/>
-          </a:p>
-          <a:p>
-            <a:pPr algn="ctr"/>
-            <a:r>
-              <a:rPr lang="ko-KR" altLang="en-US" sz="1800" dirty="0"/>
-              <a:t>자연계열</a:t>
-            </a:r>
-            <a:endParaRPr lang="en-US" altLang="ko-KR" sz="1800" dirty="0"/>
-          </a:p>
-        </p:txBody>
-      </p:sp>
-      <p:sp>
-        <p:nvSpPr>
-          <p:cNvPr id="24" name="타원 23">
-            <a:extLst>
-              <a:ext uri="{FF2B5EF4-FFF2-40B4-BE49-F238E27FC236}">
-                <a16:creationId xmlns:a16="http://schemas.microsoft.com/office/drawing/2014/main" id="{D87EF442-F686-0366-D136-0C7C525F8ACE}"/>
-              </a:ext>
-            </a:extLst>
-          </p:cNvPr>
-          <p:cNvSpPr/>
-          <p:nvPr/>
-        </p:nvSpPr>
-        <p:spPr>
-          <a:xfrm>
-            <a:off x="3710457" y="1535213"/>
-            <a:ext cx="2039576" cy="1615702"/>
-          </a:xfrm>
-          <a:prstGeom prst="ellipse">
-            <a:avLst/>
-          </a:prstGeom>
-        </p:spPr>
-        <p:style>
-          <a:lnRef idx="2">
-            <a:schemeClr val="accent1">
-              <a:shade val="50000"/>
-            </a:schemeClr>
-          </a:lnRef>
-          <a:fillRef idx="1">
-            <a:schemeClr val="accent1"/>
-          </a:fillRef>
-          <a:effectRef idx="0">
-            <a:schemeClr val="accent1"/>
-          </a:effectRef>
-          <a:fontRef idx="minor">
-            <a:schemeClr val="lt1"/>
-          </a:fontRef>
-        </p:style>
-        <p:txBody>
-          <a:bodyPr rtlCol="0" anchor="ctr"/>
-          <a:lstStyle/>
-          <a:p>
-            <a:pPr algn="ctr"/>
-            <a:r>
-              <a:rPr lang="ko-KR" altLang="en-US" sz="1800" dirty="0"/>
-              <a:t>공학계열</a:t>
-            </a:r>
-            <a:endParaRPr lang="en-US" altLang="ko-KR" sz="1800" dirty="0"/>
-          </a:p>
-          <a:p>
-            <a:pPr algn="ctr"/>
-            <a:r>
-              <a:rPr lang="ko-KR" altLang="en-US" sz="1800" dirty="0"/>
-              <a:t>의약계열</a:t>
-            </a:r>
-            <a:endParaRPr lang="en-US" altLang="ko-KR" sz="1800" dirty="0"/>
-          </a:p>
-        </p:txBody>
-      </p:sp>
-      <p:sp>
-        <p:nvSpPr>
-          <p:cNvPr id="25" name="타원 24">
-            <a:extLst>
-              <a:ext uri="{FF2B5EF4-FFF2-40B4-BE49-F238E27FC236}">
-                <a16:creationId xmlns:a16="http://schemas.microsoft.com/office/drawing/2014/main" id="{E6DF9946-B36E-09B0-E52A-D36F5FDC649C}"/>
-              </a:ext>
-            </a:extLst>
-          </p:cNvPr>
-          <p:cNvSpPr/>
-          <p:nvPr/>
-        </p:nvSpPr>
-        <p:spPr>
-          <a:xfrm>
-            <a:off x="6688918" y="1535213"/>
-            <a:ext cx="2112182" cy="1583765"/>
-          </a:xfrm>
-          <a:prstGeom prst="ellipse">
-            <a:avLst/>
-          </a:prstGeom>
-        </p:spPr>
-        <p:style>
-          <a:lnRef idx="2">
-            <a:schemeClr val="accent1">
-              <a:shade val="50000"/>
-            </a:schemeClr>
-          </a:lnRef>
-          <a:fillRef idx="1">
-            <a:schemeClr val="accent1"/>
-          </a:fillRef>
-          <a:effectRef idx="0">
-            <a:schemeClr val="accent1"/>
-          </a:effectRef>
-          <a:fontRef idx="minor">
-            <a:schemeClr val="lt1"/>
-          </a:fontRef>
-        </p:style>
-        <p:txBody>
-          <a:bodyPr rtlCol="0" anchor="ctr"/>
-          <a:lstStyle/>
-          <a:p>
-            <a:pPr algn="ctr"/>
-            <a:r>
-              <a:rPr lang="ko-KR" altLang="en-US" sz="1800" dirty="0"/>
-              <a:t>예체능계열</a:t>
-            </a:r>
-            <a:endParaRPr lang="en-US" altLang="ko-KR" sz="1800" dirty="0"/>
-          </a:p>
-          <a:p>
-            <a:pPr algn="ctr"/>
-            <a:r>
-              <a:rPr lang="ko-KR" altLang="en-US" sz="1800" dirty="0"/>
-              <a:t>사회계열</a:t>
-            </a:r>
-            <a:endParaRPr lang="en-US" altLang="ko-KR" sz="1800" dirty="0"/>
+              <a:rPr lang="ko-KR" altLang="en-US" sz="1800" b="1" dirty="0">
+                <a:solidFill>
+                  <a:srgbClr val="0275D8"/>
+                </a:solidFill>
+              </a:rPr>
+              <a:t>활동 전 결과 예상</a:t>
+            </a:r>
+            <a:endParaRPr lang="ko-KR" altLang="en-US" dirty="0"/>
           </a:p>
         </p:txBody>
       </p:sp>
@@ -5380,7 +5189,7 @@
         </p:nvSpPr>
         <p:spPr>
           <a:xfrm>
-            <a:off x="6555050" y="992999"/>
+            <a:off x="6518826" y="1217986"/>
             <a:ext cx="2246050" cy="369332"/>
           </a:xfrm>
           <a:prstGeom prst="rect">
@@ -5416,7 +5225,7 @@
         </p:nvSpPr>
         <p:spPr>
           <a:xfrm>
-            <a:off x="9479942" y="992999"/>
+            <a:off x="9569138" y="1190533"/>
             <a:ext cx="2104008" cy="369332"/>
           </a:xfrm>
           <a:prstGeom prst="rect">
@@ -5446,7 +5255,7 @@
         </p:nvSpPr>
         <p:spPr>
           <a:xfrm>
-            <a:off x="1232040" y="2584543"/>
+            <a:off x="1269978" y="2442262"/>
             <a:ext cx="734553" cy="663976"/>
           </a:xfrm>
           <a:prstGeom prst="downArrow">
@@ -5474,20 +5283,121 @@
           <a:lstStyle/>
           <a:p>
             <a:pPr algn="ctr"/>
+            <a:endParaRPr lang="ko-KR" altLang="en-US" dirty="0"/>
+          </a:p>
+        </p:txBody>
+      </p:sp>
+      <p:sp>
+        <p:nvSpPr>
+          <p:cNvPr id="36" name="직사각형 35"/>
+          <p:cNvSpPr/>
+          <p:nvPr/>
+        </p:nvSpPr>
+        <p:spPr>
+          <a:xfrm>
+            <a:off x="0" y="0"/>
+            <a:ext cx="12192000" cy="609600"/>
+          </a:xfrm>
+          <a:prstGeom prst="rect">
+            <a:avLst/>
+          </a:prstGeom>
+          <a:gradFill flip="none" rotWithShape="1">
+            <a:gsLst>
+              <a:gs pos="58000">
+                <a:srgbClr val="0275D8"/>
+              </a:gs>
+              <a:gs pos="100000">
+                <a:srgbClr val="59B3FD"/>
+              </a:gs>
+            </a:gsLst>
+            <a:lin ang="0" scaled="1"/>
+            <a:tileRect/>
+          </a:gradFill>
+          <a:ln>
+            <a:noFill/>
+          </a:ln>
+        </p:spPr>
+        <p:style>
+          <a:lnRef idx="2">
+            <a:schemeClr val="accent1">
+              <a:shade val="50000"/>
+            </a:schemeClr>
+          </a:lnRef>
+          <a:fillRef idx="1">
+            <a:schemeClr val="accent1"/>
+          </a:fillRef>
+          <a:effectRef idx="0">
+            <a:schemeClr val="accent1"/>
+          </a:effectRef>
+          <a:fontRef idx="minor">
+            <a:schemeClr val="lt1"/>
+          </a:fontRef>
+        </p:style>
+        <p:txBody>
+          <a:bodyPr rtlCol="0" anchor="ctr"/>
+          <a:lstStyle/>
+          <a:p>
+            <a:pPr algn="ctr"/>
             <a:endParaRPr lang="ko-KR" altLang="en-US"/>
           </a:p>
         </p:txBody>
       </p:sp>
       <p:sp>
         <p:nvSpPr>
-          <p:cNvPr id="5" name="TextBox 4"/>
+          <p:cNvPr id="37" name="직사각형 36"/>
+          <p:cNvSpPr/>
+          <p:nvPr/>
+        </p:nvSpPr>
+        <p:spPr>
+          <a:xfrm>
+            <a:off x="619125" y="0"/>
+            <a:ext cx="2228850" cy="609600"/>
+          </a:xfrm>
+          <a:prstGeom prst="rect">
+            <a:avLst/>
+          </a:prstGeom>
+          <a:solidFill>
+            <a:schemeClr val="bg1"/>
+          </a:solidFill>
+          <a:ln>
+            <a:noFill/>
+          </a:ln>
+        </p:spPr>
+        <p:style>
+          <a:lnRef idx="2">
+            <a:schemeClr val="accent1">
+              <a:shade val="50000"/>
+            </a:schemeClr>
+          </a:lnRef>
+          <a:fillRef idx="1">
+            <a:schemeClr val="accent1"/>
+          </a:fillRef>
+          <a:effectRef idx="0">
+            <a:schemeClr val="accent1"/>
+          </a:effectRef>
+          <a:fontRef idx="minor">
+            <a:schemeClr val="lt1"/>
+          </a:fontRef>
+        </p:style>
+        <p:txBody>
+          <a:bodyPr rtlCol="0" anchor="ctr"/>
+          <a:lstStyle/>
+          <a:p>
+            <a:pPr algn="ctr"/>
+            <a:endParaRPr lang="ko-KR" altLang="en-US"/>
+          </a:p>
+        </p:txBody>
+      </p:sp>
+      <p:sp>
+        <p:nvSpPr>
+          <p:cNvPr id="38" name="TextBox 37"/>
           <p:cNvSpPr txBox="1"/>
           <p:nvPr/>
         </p:nvSpPr>
         <p:spPr>
           <a:xfrm>
-            <a:off x="3646025" y="3778248"/>
-            <a:ext cx="7795743" cy="369332"/>
+            <a:off x="606551" y="35957"/>
+            <a:ext cx="2255746" cy="246221"/>
           </a:xfrm>
           <a:prstGeom prst="rect">
             <a:avLst/>
@@ -5495,45 +5405,88 @@
           <a:noFill/>
         </p:spPr>
         <p:txBody>
-          <a:bodyPr wrap="square" rtlCol="0">
+          <a:bodyPr wrap="none" rtlCol="0">
             <a:spAutoFit/>
           </a:bodyPr>
           <a:lstStyle/>
           <a:p>
-            <a:pPr algn="ctr"/>
-            <a:r>
-              <a:rPr lang="ko-KR" altLang="en-US" dirty="0"/>
-              <a:t>최근 대학 모집인원</a:t>
-            </a:r>
-            <a:endParaRPr lang="en-US" altLang="ko-KR" dirty="0"/>
-          </a:p>
-        </p:txBody>
-      </p:sp>
-      <p:pic>
-        <p:nvPicPr>
-          <p:cNvPr id="2050" name="Picture 2"/>
-          <p:cNvPicPr>
-            <a:picLocks noChangeAspect="1" noChangeArrowheads="1"/>
-          </p:cNvPicPr>
-          <p:nvPr/>
-        </p:nvPicPr>
-        <p:blipFill>
-          <a:blip r:embed="rId2">
+            <a:r>
+              <a:rPr lang="en-US" altLang="ko-KR" sz="1000">
+                <a:solidFill>
+                  <a:schemeClr val="bg1">
+                    <a:lumMod val="50000"/>
+                  </a:schemeClr>
+                </a:solidFill>
+              </a:rPr>
+              <a:t>23</a:t>
+            </a:r>
+            <a:r>
+              <a:rPr lang="ko-KR" altLang="en-US" sz="1000">
+                <a:solidFill>
+                  <a:schemeClr val="bg1">
+                    <a:lumMod val="50000"/>
+                  </a:schemeClr>
+                </a:solidFill>
+              </a:rPr>
+              <a:t>년 교육 공공데이터 분석활용대회</a:t>
+            </a:r>
+          </a:p>
+        </p:txBody>
+      </p:sp>
+      <p:sp>
+        <p:nvSpPr>
+          <p:cNvPr id="39" name="TextBox 38"/>
+          <p:cNvSpPr txBox="1"/>
+          <p:nvPr/>
+        </p:nvSpPr>
+        <p:spPr>
+          <a:xfrm>
+            <a:off x="742950" y="293132"/>
+            <a:ext cx="1221809" cy="261610"/>
+          </a:xfrm>
+          <a:prstGeom prst="rect">
+            <a:avLst/>
+          </a:prstGeom>
+          <a:noFill/>
+        </p:spPr>
+        <p:txBody>
+          <a:bodyPr wrap="none" rtlCol="0">
+            <a:spAutoFit/>
+          </a:bodyPr>
+          <a:lstStyle/>
+          <a:p>
+            <a:r>
+              <a:rPr lang="ko-KR" altLang="en-US" sz="1100">
+                <a:solidFill>
+                  <a:schemeClr val="tx1">
+                    <a:lumMod val="75000"/>
+                    <a:lumOff val="25000"/>
+                  </a:schemeClr>
+                </a:solidFill>
+              </a:rPr>
+              <a:t>ㅇㅇㅇ학교 김준</a:t>
+            </a:r>
+          </a:p>
+        </p:txBody>
+      </p:sp>
+      <p:sp>
+        <p:nvSpPr>
+          <p:cNvPr id="2" name="Rectangle 2">
             <a:extLst>
-              <a:ext uri="{28A0092B-C50C-407E-A947-70E740481C1C}">
-                <a14:useLocalDpi xmlns:a14="http://schemas.microsoft.com/office/drawing/2010/main" val="0"/>
+              <a:ext uri="{FF2B5EF4-FFF2-40B4-BE49-F238E27FC236}">
+                <a16:creationId xmlns:a16="http://schemas.microsoft.com/office/drawing/2014/main" id="{0466FFAF-5FB1-9AE3-250A-01B62DDA14F8}"/>
               </a:ext>
             </a:extLst>
-          </a:blip>
-          <a:srcRect/>
-          <a:stretch>
-            <a:fillRect/>
-          </a:stretch>
-        </p:blipFill>
+          </p:cNvPr>
+          <p:cNvSpPr>
+            <a:spLocks noChangeArrowheads="1"/>
+          </p:cNvSpPr>
+          <p:nvPr/>
+        </p:nvSpPr>
         <p:spPr bwMode="auto">
           <a:xfrm>
-            <a:off x="3614237" y="4243313"/>
-            <a:ext cx="7969713" cy="2158947"/>
+            <a:off x="138325" y="18453"/>
+            <a:ext cx="12192000" cy="457200"/>
           </a:xfrm>
           <a:prstGeom prst="rect">
             <a:avLst/>
@@ -5572,17 +5525,111 @@
             </a:ext>
           </a:extLst>
         </p:spPr>
+        <p:txBody>
+          <a:bodyPr vert="horz" wrap="none" lIns="91440" tIns="45720" rIns="91440" bIns="45720" numCol="1" anchor="ctr" anchorCtr="0" compatLnSpc="1">
+            <a:prstTxWarp prst="textNoShape">
+              <a:avLst/>
+            </a:prstTxWarp>
+            <a:spAutoFit/>
+          </a:bodyPr>
+          <a:lstStyle/>
+          <a:p>
+            <a:endParaRPr lang="ko-KR" altLang="en-US"/>
+          </a:p>
+        </p:txBody>
+      </p:sp>
+      <p:sp>
+        <p:nvSpPr>
+          <p:cNvPr id="6" name="아래쪽 화살표 2">
+            <a:extLst>
+              <a:ext uri="{FF2B5EF4-FFF2-40B4-BE49-F238E27FC236}">
+                <a16:creationId xmlns:a16="http://schemas.microsoft.com/office/drawing/2014/main" id="{1584387C-17D5-78A5-C5AF-7C4CC99CF8F0}"/>
+              </a:ext>
+            </a:extLst>
+          </p:cNvPr>
+          <p:cNvSpPr/>
+          <p:nvPr/>
+        </p:nvSpPr>
+        <p:spPr>
+          <a:xfrm>
+            <a:off x="1269978" y="4452249"/>
+            <a:ext cx="734553" cy="663976"/>
+          </a:xfrm>
+          <a:prstGeom prst="downArrow">
+            <a:avLst/>
+          </a:prstGeom>
+        </p:spPr>
+        <p:style>
+          <a:lnRef idx="2">
+            <a:schemeClr val="accent1">
+              <a:shade val="50000"/>
+            </a:schemeClr>
+          </a:lnRef>
+          <a:fillRef idx="1">
+            <a:schemeClr val="accent1"/>
+          </a:fillRef>
+          <a:effectRef idx="0">
+            <a:schemeClr val="accent1"/>
+          </a:effectRef>
+          <a:fontRef idx="minor">
+            <a:schemeClr val="lt1"/>
+          </a:fontRef>
+        </p:style>
+        <p:txBody>
+          <a:bodyPr rtlCol="0" anchor="ctr"/>
+          <a:lstStyle/>
+          <a:p>
+            <a:pPr algn="ctr"/>
+            <a:endParaRPr lang="ko-KR" altLang="en-US"/>
+          </a:p>
+        </p:txBody>
+      </p:sp>
+      <p:pic>
+        <p:nvPicPr>
+          <p:cNvPr id="7" name="그림 6">
+            <a:extLst>
+              <a:ext uri="{FF2B5EF4-FFF2-40B4-BE49-F238E27FC236}">
+                <a16:creationId xmlns:a16="http://schemas.microsoft.com/office/drawing/2014/main" id="{31983473-CFFF-DBED-CCDA-5BB413D0B466}"/>
+              </a:ext>
+            </a:extLst>
+          </p:cNvPr>
+          <p:cNvPicPr>
+            <a:picLocks noChangeAspect="1"/>
+          </p:cNvPicPr>
+          <p:nvPr/>
+        </p:nvPicPr>
+        <p:blipFill>
+          <a:blip r:embed="rId2"/>
+          <a:stretch>
+            <a:fillRect/>
+          </a:stretch>
+        </p:blipFill>
+        <p:spPr>
+          <a:xfrm>
+            <a:off x="3521371" y="3323797"/>
+            <a:ext cx="3167547" cy="2931258"/>
+          </a:xfrm>
+          <a:prstGeom prst="rect">
+            <a:avLst/>
+          </a:prstGeom>
+        </p:spPr>
       </p:pic>
       <p:sp>
         <p:nvSpPr>
-          <p:cNvPr id="36" name="직사각형 35"/>
+          <p:cNvPr id="8" name="직사각형 7">
+            <a:extLst>
+              <a:ext uri="{FF2B5EF4-FFF2-40B4-BE49-F238E27FC236}">
+                <a16:creationId xmlns:a16="http://schemas.microsoft.com/office/drawing/2014/main" id="{06225455-523C-9CB0-7F36-25CE31A03FD4}"/>
+              </a:ext>
+            </a:extLst>
+          </p:cNvPr>
           <p:cNvSpPr/>
           <p:nvPr/>
         </p:nvSpPr>
         <p:spPr>
           <a:xfrm>
-            <a:off x="0" y="0"/>
-            <a:ext cx="12192000" cy="609600"/>
+            <a:off x="9331" y="6400800"/>
+            <a:ext cx="12192000" cy="464223"/>
           </a:xfrm>
           <a:prstGeom prst="rect">
             <a:avLst/>
@@ -5623,27 +5670,470 @@
           <a:bodyPr rtlCol="0" anchor="ctr"/>
           <a:lstStyle/>
           <a:p>
-            <a:pPr algn="ctr"/>
-            <a:endParaRPr lang="ko-KR" altLang="en-US"/>
-          </a:p>
-        </p:txBody>
-      </p:sp>
-      <p:sp>
-        <p:nvSpPr>
-          <p:cNvPr id="37" name="직사각형 36"/>
+            <a:r>
+              <a:rPr lang="en-US" altLang="ko-KR" sz="900" dirty="0"/>
+              <a:t>https://youthpress.net/xe/index.php?mid=kypnews_article_global&amp;document_srl=262410&amp;listStyle=viewer</a:t>
+            </a:r>
+            <a:endParaRPr lang="ko-KR" altLang="en-US" sz="900" dirty="0"/>
+          </a:p>
+        </p:txBody>
+      </p:sp>
+      <p:sp>
+        <p:nvSpPr>
+          <p:cNvPr id="11" name="TextBox 10">
+            <a:extLst>
+              <a:ext uri="{FF2B5EF4-FFF2-40B4-BE49-F238E27FC236}">
+                <a16:creationId xmlns:a16="http://schemas.microsoft.com/office/drawing/2014/main" id="{50967A48-E23F-8AB6-7CF2-73676FD8F650}"/>
+              </a:ext>
+            </a:extLst>
+          </p:cNvPr>
+          <p:cNvSpPr txBox="1"/>
+          <p:nvPr/>
+        </p:nvSpPr>
+        <p:spPr>
+          <a:xfrm>
+            <a:off x="6555050" y="3377466"/>
+            <a:ext cx="4967124" cy="2862322"/>
+          </a:xfrm>
+          <a:prstGeom prst="rect">
+            <a:avLst/>
+          </a:prstGeom>
+          <a:noFill/>
+        </p:spPr>
+        <p:txBody>
+          <a:bodyPr wrap="square" rtlCol="0">
+            <a:spAutoFit/>
+          </a:bodyPr>
+          <a:lstStyle/>
+          <a:p>
+            <a:r>
+              <a:rPr lang="ko-KR" altLang="en-US" b="0" i="0" dirty="0">
+                <a:solidFill>
+                  <a:srgbClr val="000000"/>
+                </a:solidFill>
+                <a:effectLst/>
+                <a:latin typeface="Times New Roman" panose="02020603050405020304" pitchFamily="18" charset="0"/>
+              </a:rPr>
+              <a:t>대학교에 진학할 학생들이 가장 선호하는 학과 계열은 인문</a:t>
+            </a:r>
+            <a:r>
+              <a:rPr lang="en-US" altLang="ko-KR" b="0" i="0" spc="0" dirty="0">
+                <a:solidFill>
+                  <a:srgbClr val="000000"/>
+                </a:solidFill>
+                <a:effectLst/>
+                <a:latin typeface="Times New Roman" panose="02020603050405020304" pitchFamily="18" charset="0"/>
+              </a:rPr>
+              <a:t>·</a:t>
+            </a:r>
+            <a:r>
+              <a:rPr lang="ko-KR" altLang="en-US" b="0" i="0" dirty="0">
+                <a:solidFill>
+                  <a:srgbClr val="000000"/>
+                </a:solidFill>
+                <a:effectLst/>
+                <a:latin typeface="Times New Roman" panose="02020603050405020304" pitchFamily="18" charset="0"/>
+              </a:rPr>
+              <a:t>사회</a:t>
+            </a:r>
+            <a:r>
+              <a:rPr lang="en-US" altLang="ko-KR" b="0" i="0" spc="0" dirty="0">
+                <a:solidFill>
+                  <a:srgbClr val="000000"/>
+                </a:solidFill>
+                <a:effectLst/>
+                <a:latin typeface="Times New Roman" panose="02020603050405020304" pitchFamily="18" charset="0"/>
+              </a:rPr>
+              <a:t>, 204</a:t>
+            </a:r>
+            <a:r>
+              <a:rPr lang="ko-KR" altLang="en-US" b="0" i="0" dirty="0">
+                <a:solidFill>
+                  <a:srgbClr val="000000"/>
+                </a:solidFill>
+                <a:effectLst/>
+                <a:latin typeface="Times New Roman" panose="02020603050405020304" pitchFamily="18" charset="0"/>
+              </a:rPr>
+              <a:t>명중 </a:t>
+            </a:r>
+            <a:r>
+              <a:rPr lang="en-US" altLang="ko-KR" b="0" i="0" spc="0" dirty="0">
+                <a:solidFill>
+                  <a:srgbClr val="000000"/>
+                </a:solidFill>
+                <a:effectLst/>
+                <a:latin typeface="Times New Roman" panose="02020603050405020304" pitchFamily="18" charset="0"/>
+              </a:rPr>
+              <a:t>84</a:t>
+            </a:r>
+            <a:r>
+              <a:rPr lang="ko-KR" altLang="en-US" b="0" i="0" dirty="0">
+                <a:solidFill>
+                  <a:srgbClr val="000000"/>
+                </a:solidFill>
+                <a:effectLst/>
+                <a:latin typeface="Times New Roman" panose="02020603050405020304" pitchFamily="18" charset="0"/>
+              </a:rPr>
+              <a:t>명으로 </a:t>
+            </a:r>
+            <a:r>
+              <a:rPr lang="en-US" altLang="ko-KR" b="0" i="0" spc="0" dirty="0">
+                <a:solidFill>
+                  <a:srgbClr val="000000"/>
+                </a:solidFill>
+                <a:effectLst/>
+                <a:latin typeface="Times New Roman" panose="02020603050405020304" pitchFamily="18" charset="0"/>
+              </a:rPr>
+              <a:t>41%, </a:t>
+            </a:r>
+            <a:r>
+              <a:rPr lang="ko-KR" altLang="en-US" b="0" i="0" dirty="0">
+                <a:solidFill>
+                  <a:srgbClr val="000000"/>
+                </a:solidFill>
+                <a:effectLst/>
+                <a:latin typeface="Times New Roman" panose="02020603050405020304" pitchFamily="18" charset="0"/>
+              </a:rPr>
+              <a:t>자연</a:t>
+            </a:r>
+            <a:r>
+              <a:rPr lang="en-US" altLang="ko-KR" b="0" i="0" spc="0" dirty="0">
+                <a:solidFill>
+                  <a:srgbClr val="000000"/>
+                </a:solidFill>
+                <a:effectLst/>
+                <a:latin typeface="Times New Roman" panose="02020603050405020304" pitchFamily="18" charset="0"/>
+              </a:rPr>
+              <a:t>·</a:t>
+            </a:r>
+            <a:r>
+              <a:rPr lang="ko-KR" altLang="en-US" b="0" i="0" dirty="0">
+                <a:solidFill>
+                  <a:srgbClr val="000000"/>
+                </a:solidFill>
+                <a:effectLst/>
+                <a:latin typeface="Times New Roman" panose="02020603050405020304" pitchFamily="18" charset="0"/>
+              </a:rPr>
+              <a:t>과학은 </a:t>
+            </a:r>
+            <a:r>
+              <a:rPr lang="en-US" altLang="ko-KR" b="0" i="0" spc="0" dirty="0">
+                <a:solidFill>
+                  <a:srgbClr val="000000"/>
+                </a:solidFill>
+                <a:effectLst/>
+                <a:latin typeface="Times New Roman" panose="02020603050405020304" pitchFamily="18" charset="0"/>
+              </a:rPr>
+              <a:t>25</a:t>
+            </a:r>
+            <a:r>
+              <a:rPr lang="ko-KR" altLang="en-US" b="0" i="0" dirty="0">
+                <a:solidFill>
+                  <a:srgbClr val="000000"/>
+                </a:solidFill>
+                <a:effectLst/>
+                <a:latin typeface="Times New Roman" panose="02020603050405020304" pitchFamily="18" charset="0"/>
+              </a:rPr>
+              <a:t>명으로 </a:t>
+            </a:r>
+            <a:r>
+              <a:rPr lang="en-US" altLang="ko-KR" b="0" i="0" spc="0" dirty="0">
+                <a:solidFill>
+                  <a:srgbClr val="000000"/>
+                </a:solidFill>
+                <a:effectLst/>
+                <a:latin typeface="Times New Roman" panose="02020603050405020304" pitchFamily="18" charset="0"/>
+              </a:rPr>
+              <a:t>12%, </a:t>
+            </a:r>
+            <a:r>
+              <a:rPr lang="ko-KR" altLang="en-US" b="0" i="0" dirty="0">
+                <a:solidFill>
+                  <a:srgbClr val="000000"/>
+                </a:solidFill>
+                <a:effectLst/>
+                <a:latin typeface="Times New Roman" panose="02020603050405020304" pitchFamily="18" charset="0"/>
+              </a:rPr>
+              <a:t>예체능은 </a:t>
+            </a:r>
+            <a:r>
+              <a:rPr lang="en-US" altLang="ko-KR" b="0" i="0" spc="0" dirty="0">
+                <a:solidFill>
+                  <a:srgbClr val="000000"/>
+                </a:solidFill>
+                <a:effectLst/>
+                <a:latin typeface="Times New Roman" panose="02020603050405020304" pitchFamily="18" charset="0"/>
+              </a:rPr>
+              <a:t>43</a:t>
+            </a:r>
+            <a:r>
+              <a:rPr lang="ko-KR" altLang="en-US" b="0" i="0" dirty="0">
+                <a:solidFill>
+                  <a:srgbClr val="000000"/>
+                </a:solidFill>
+                <a:effectLst/>
+                <a:latin typeface="Times New Roman" panose="02020603050405020304" pitchFamily="18" charset="0"/>
+              </a:rPr>
+              <a:t>명으로 </a:t>
+            </a:r>
+            <a:r>
+              <a:rPr lang="en-US" altLang="ko-KR" b="0" i="0" spc="0" dirty="0">
+                <a:solidFill>
+                  <a:srgbClr val="000000"/>
+                </a:solidFill>
+                <a:effectLst/>
+                <a:latin typeface="Times New Roman" panose="02020603050405020304" pitchFamily="18" charset="0"/>
+              </a:rPr>
+              <a:t>21%, </a:t>
+            </a:r>
+            <a:r>
+              <a:rPr lang="ko-KR" altLang="en-US" b="0" i="0" dirty="0">
+                <a:solidFill>
+                  <a:srgbClr val="000000"/>
+                </a:solidFill>
+                <a:effectLst/>
+                <a:latin typeface="Times New Roman" panose="02020603050405020304" pitchFamily="18" charset="0"/>
+              </a:rPr>
+              <a:t>공학은 </a:t>
+            </a:r>
+            <a:r>
+              <a:rPr lang="en-US" altLang="ko-KR" b="0" i="0" spc="0" dirty="0">
+                <a:solidFill>
+                  <a:srgbClr val="000000"/>
+                </a:solidFill>
+                <a:effectLst/>
+                <a:latin typeface="Times New Roman" panose="02020603050405020304" pitchFamily="18" charset="0"/>
+              </a:rPr>
+              <a:t>28</a:t>
+            </a:r>
+            <a:r>
+              <a:rPr lang="ko-KR" altLang="en-US" b="0" i="0" dirty="0">
+                <a:solidFill>
+                  <a:srgbClr val="000000"/>
+                </a:solidFill>
+                <a:effectLst/>
+                <a:latin typeface="Times New Roman" panose="02020603050405020304" pitchFamily="18" charset="0"/>
+              </a:rPr>
+              <a:t>명으로 </a:t>
+            </a:r>
+            <a:r>
+              <a:rPr lang="en-US" altLang="ko-KR" b="0" i="0" spc="0" dirty="0">
+                <a:solidFill>
+                  <a:srgbClr val="000000"/>
+                </a:solidFill>
+                <a:effectLst/>
+                <a:latin typeface="Times New Roman" panose="02020603050405020304" pitchFamily="18" charset="0"/>
+              </a:rPr>
+              <a:t>14%, </a:t>
+            </a:r>
+            <a:r>
+              <a:rPr lang="ko-KR" altLang="en-US" b="0" i="0" dirty="0">
+                <a:solidFill>
+                  <a:srgbClr val="000000"/>
+                </a:solidFill>
+                <a:effectLst/>
+                <a:latin typeface="Times New Roman" panose="02020603050405020304" pitchFamily="18" charset="0"/>
+              </a:rPr>
+              <a:t>고민 중인 학생들은 </a:t>
+            </a:r>
+            <a:r>
+              <a:rPr lang="en-US" altLang="ko-KR" b="0" i="0" spc="0" dirty="0">
+                <a:solidFill>
+                  <a:srgbClr val="000000"/>
+                </a:solidFill>
+                <a:effectLst/>
+                <a:latin typeface="Times New Roman" panose="02020603050405020304" pitchFamily="18" charset="0"/>
+              </a:rPr>
+              <a:t>24</a:t>
+            </a:r>
+            <a:r>
+              <a:rPr lang="ko-KR" altLang="en-US" b="0" i="0" dirty="0">
+                <a:solidFill>
+                  <a:srgbClr val="000000"/>
+                </a:solidFill>
+                <a:effectLst/>
+                <a:latin typeface="Times New Roman" panose="02020603050405020304" pitchFamily="18" charset="0"/>
+              </a:rPr>
+              <a:t>명으로 </a:t>
+            </a:r>
+            <a:r>
+              <a:rPr lang="en-US" altLang="ko-KR" b="0" i="0" spc="0" dirty="0">
+                <a:solidFill>
+                  <a:srgbClr val="000000"/>
+                </a:solidFill>
+                <a:effectLst/>
+                <a:latin typeface="Times New Roman" panose="02020603050405020304" pitchFamily="18" charset="0"/>
+              </a:rPr>
+              <a:t>12%</a:t>
+            </a:r>
+            <a:r>
+              <a:rPr lang="ko-KR" altLang="en-US" b="0" i="0" dirty="0">
+                <a:solidFill>
+                  <a:srgbClr val="000000"/>
+                </a:solidFill>
+                <a:effectLst/>
+                <a:latin typeface="Times New Roman" panose="02020603050405020304" pitchFamily="18" charset="0"/>
+              </a:rPr>
+              <a:t>이다</a:t>
+            </a:r>
+            <a:r>
+              <a:rPr lang="en-US" altLang="ko-KR" b="0" i="0" spc="0" dirty="0">
+                <a:solidFill>
+                  <a:srgbClr val="000000"/>
+                </a:solidFill>
+                <a:effectLst/>
+                <a:latin typeface="Times New Roman" panose="02020603050405020304" pitchFamily="18" charset="0"/>
+              </a:rPr>
+              <a:t>. </a:t>
+            </a:r>
+            <a:r>
+              <a:rPr lang="ko-KR" altLang="en-US" b="0" i="0" dirty="0">
+                <a:solidFill>
+                  <a:srgbClr val="000000"/>
+                </a:solidFill>
+                <a:effectLst/>
+                <a:latin typeface="Times New Roman" panose="02020603050405020304" pitchFamily="18" charset="0"/>
+              </a:rPr>
+              <a:t>최근 많은 사람이 예체능에 많은 관심을 가지고 있으므로 예체능과 학생들이 점차 많아지는 추세이며 이번 조사에서 자연</a:t>
+            </a:r>
+            <a:r>
+              <a:rPr lang="en-US" altLang="ko-KR" b="0" i="0" spc="0" dirty="0">
+                <a:solidFill>
+                  <a:srgbClr val="000000"/>
+                </a:solidFill>
+                <a:effectLst/>
+                <a:latin typeface="Times New Roman" panose="02020603050405020304" pitchFamily="18" charset="0"/>
+              </a:rPr>
+              <a:t>·</a:t>
+            </a:r>
+            <a:r>
+              <a:rPr lang="ko-KR" altLang="en-US" b="0" i="0" dirty="0">
+                <a:solidFill>
+                  <a:srgbClr val="000000"/>
+                </a:solidFill>
+                <a:effectLst/>
+                <a:latin typeface="Times New Roman" panose="02020603050405020304" pitchFamily="18" charset="0"/>
+              </a:rPr>
+              <a:t>과학계열보다 더욱 많은 학생 수를 보였다</a:t>
+            </a:r>
+            <a:r>
+              <a:rPr lang="en-US" altLang="ko-KR" b="0" i="0" spc="0" dirty="0">
+                <a:solidFill>
+                  <a:srgbClr val="000000"/>
+                </a:solidFill>
+                <a:effectLst/>
+                <a:latin typeface="Times New Roman" panose="02020603050405020304" pitchFamily="18" charset="0"/>
+              </a:rPr>
+              <a:t>. </a:t>
+            </a:r>
+            <a:r>
+              <a:rPr lang="ko-KR" altLang="en-US" b="0" i="0" dirty="0">
+                <a:solidFill>
+                  <a:srgbClr val="000000"/>
+                </a:solidFill>
+                <a:effectLst/>
+                <a:latin typeface="Times New Roman" panose="02020603050405020304" pitchFamily="18" charset="0"/>
+              </a:rPr>
+              <a:t>그리고 인문</a:t>
+            </a:r>
+            <a:r>
+              <a:rPr lang="en-US" altLang="ko-KR" b="0" i="0" spc="0" dirty="0">
+                <a:solidFill>
+                  <a:srgbClr val="000000"/>
+                </a:solidFill>
+                <a:effectLst/>
+                <a:latin typeface="Times New Roman" panose="02020603050405020304" pitchFamily="18" charset="0"/>
+              </a:rPr>
+              <a:t>·</a:t>
+            </a:r>
+            <a:r>
+              <a:rPr lang="ko-KR" altLang="en-US" b="0" i="0" dirty="0">
+                <a:solidFill>
+                  <a:srgbClr val="000000"/>
+                </a:solidFill>
+                <a:effectLst/>
+                <a:latin typeface="Times New Roman" panose="02020603050405020304" pitchFamily="18" charset="0"/>
+              </a:rPr>
+              <a:t>사회계열이 자연</a:t>
+            </a:r>
+            <a:r>
+              <a:rPr lang="en-US" altLang="ko-KR" b="0" i="0" spc="0" dirty="0">
+                <a:solidFill>
+                  <a:srgbClr val="000000"/>
+                </a:solidFill>
+                <a:effectLst/>
+                <a:latin typeface="Times New Roman" panose="02020603050405020304" pitchFamily="18" charset="0"/>
+              </a:rPr>
+              <a:t>·</a:t>
+            </a:r>
+            <a:r>
+              <a:rPr lang="ko-KR" altLang="en-US" b="0" i="0" dirty="0">
+                <a:solidFill>
+                  <a:srgbClr val="000000"/>
+                </a:solidFill>
+                <a:effectLst/>
+                <a:latin typeface="Times New Roman" panose="02020603050405020304" pitchFamily="18" charset="0"/>
+              </a:rPr>
+              <a:t>과학 계열보다 약 </a:t>
+            </a:r>
+            <a:r>
+              <a:rPr lang="en-US" altLang="ko-KR" b="0" i="0" spc="0" dirty="0">
+                <a:solidFill>
+                  <a:srgbClr val="000000"/>
+                </a:solidFill>
+                <a:effectLst/>
+                <a:latin typeface="Times New Roman" panose="02020603050405020304" pitchFamily="18" charset="0"/>
+              </a:rPr>
+              <a:t>30% </a:t>
+            </a:r>
+            <a:r>
+              <a:rPr lang="ko-KR" altLang="en-US" b="0" i="0" dirty="0">
+                <a:solidFill>
+                  <a:srgbClr val="000000"/>
+                </a:solidFill>
+                <a:effectLst/>
+                <a:latin typeface="Times New Roman" panose="02020603050405020304" pitchFamily="18" charset="0"/>
+              </a:rPr>
+              <a:t>정도 더 많은 것으로 나타난다</a:t>
+            </a:r>
+            <a:r>
+              <a:rPr lang="en-US" altLang="ko-KR" b="0" i="0" spc="0" dirty="0">
+                <a:solidFill>
+                  <a:srgbClr val="000000"/>
+                </a:solidFill>
+                <a:effectLst/>
+                <a:latin typeface="Times New Roman" panose="02020603050405020304" pitchFamily="18" charset="0"/>
+              </a:rPr>
+              <a:t>.</a:t>
+            </a:r>
+            <a:endParaRPr lang="ko-KR" altLang="en-US" dirty="0">
+              <a:latin typeface="+mj-lt"/>
+            </a:endParaRPr>
+          </a:p>
+        </p:txBody>
+      </p:sp>
+      <p:sp>
+        <p:nvSpPr>
+          <p:cNvPr id="13" name="직사각형 12">
+            <a:extLst>
+              <a:ext uri="{FF2B5EF4-FFF2-40B4-BE49-F238E27FC236}">
+                <a16:creationId xmlns:a16="http://schemas.microsoft.com/office/drawing/2014/main" id="{93D1A87E-8A70-0732-C9DC-F925044C890C}"/>
+              </a:ext>
+            </a:extLst>
+          </p:cNvPr>
           <p:cNvSpPr/>
           <p:nvPr/>
         </p:nvSpPr>
         <p:spPr>
           <a:xfrm>
-            <a:off x="619125" y="0"/>
-            <a:ext cx="2228850" cy="609600"/>
+            <a:off x="3491119" y="1866577"/>
+            <a:ext cx="1061049" cy="265741"/>
           </a:xfrm>
           <a:prstGeom prst="rect">
             <a:avLst/>
           </a:prstGeom>
           <a:solidFill>
-            <a:schemeClr val="bg1"/>
+            <a:srgbClr val="8C564B"/>
           </a:solidFill>
           <a:ln>
             <a:noFill/>
@@ -5670,166 +6160,28 @@
           <a:lstStyle/>
           <a:p>
             <a:pPr algn="ctr"/>
-            <a:endParaRPr lang="ko-KR" altLang="en-US"/>
-          </a:p>
-        </p:txBody>
-      </p:sp>
-      <p:sp>
-        <p:nvSpPr>
-          <p:cNvPr id="38" name="TextBox 37"/>
-          <p:cNvSpPr txBox="1"/>
-          <p:nvPr/>
-        </p:nvSpPr>
-        <p:spPr>
-          <a:xfrm>
-            <a:off x="606551" y="35957"/>
-            <a:ext cx="2255746" cy="246221"/>
-          </a:xfrm>
-          <a:prstGeom prst="rect">
-            <a:avLst/>
-          </a:prstGeom>
-          <a:noFill/>
-        </p:spPr>
-        <p:txBody>
-          <a:bodyPr wrap="none" rtlCol="0">
-            <a:spAutoFit/>
-          </a:bodyPr>
-          <a:lstStyle/>
-          <a:p>
-            <a:r>
-              <a:rPr lang="en-US" altLang="ko-KR" sz="1000">
-                <a:solidFill>
-                  <a:schemeClr val="bg1">
-                    <a:lumMod val="50000"/>
-                  </a:schemeClr>
-                </a:solidFill>
-              </a:rPr>
-              <a:t>23</a:t>
-            </a:r>
-            <a:r>
-              <a:rPr lang="ko-KR" altLang="en-US" sz="1000">
-                <a:solidFill>
-                  <a:schemeClr val="bg1">
-                    <a:lumMod val="50000"/>
-                  </a:schemeClr>
-                </a:solidFill>
-              </a:rPr>
-              <a:t>년 교육 공공데이터 분석활용대회</a:t>
-            </a:r>
-          </a:p>
-        </p:txBody>
-      </p:sp>
-      <p:sp>
-        <p:nvSpPr>
-          <p:cNvPr id="39" name="TextBox 38"/>
-          <p:cNvSpPr txBox="1"/>
-          <p:nvPr/>
-        </p:nvSpPr>
-        <p:spPr>
-          <a:xfrm>
-            <a:off x="742950" y="293132"/>
-            <a:ext cx="1221809" cy="261610"/>
-          </a:xfrm>
-          <a:prstGeom prst="rect">
-            <a:avLst/>
-          </a:prstGeom>
-          <a:noFill/>
-        </p:spPr>
-        <p:txBody>
-          <a:bodyPr wrap="none" rtlCol="0">
-            <a:spAutoFit/>
-          </a:bodyPr>
-          <a:lstStyle/>
-          <a:p>
-            <a:r>
-              <a:rPr lang="ko-KR" altLang="en-US" sz="1100">
-                <a:solidFill>
-                  <a:schemeClr val="tx1">
-                    <a:lumMod val="75000"/>
-                    <a:lumOff val="25000"/>
-                  </a:schemeClr>
-                </a:solidFill>
-              </a:rPr>
-              <a:t>ㅇㅇㅇ학교 김준</a:t>
-            </a:r>
-          </a:p>
-        </p:txBody>
-      </p:sp>
-      <p:sp>
-        <p:nvSpPr>
-          <p:cNvPr id="2" name="Rectangle 2">
+            <a:r>
+              <a:rPr lang="ko-KR" altLang="en-US" sz="1400" b="1" dirty="0">
+                <a:solidFill>
+                  <a:schemeClr val="bg1"/>
+                </a:solidFill>
+              </a:rPr>
+              <a:t>의약계열</a:t>
+            </a:r>
+            <a:endParaRPr lang="en-US" altLang="ko-KR" sz="1400" b="1" dirty="0">
+              <a:solidFill>
+                <a:schemeClr val="bg1"/>
+              </a:solidFill>
+            </a:endParaRPr>
+          </a:p>
+        </p:txBody>
+      </p:sp>
+      <p:sp>
+        <p:nvSpPr>
+          <p:cNvPr id="14" name="직사각형 13">
             <a:extLst>
               <a:ext uri="{FF2B5EF4-FFF2-40B4-BE49-F238E27FC236}">
-                <a16:creationId xmlns:a16="http://schemas.microsoft.com/office/drawing/2014/main" id="{0466FFAF-5FB1-9AE3-250A-01B62DDA14F8}"/>
-              </a:ext>
-            </a:extLst>
-          </p:cNvPr>
-          <p:cNvSpPr>
-            <a:spLocks noChangeArrowheads="1"/>
-          </p:cNvSpPr>
-          <p:nvPr/>
-        </p:nvSpPr>
-        <p:spPr bwMode="auto">
-          <a:xfrm>
-            <a:off x="138325" y="18453"/>
-            <a:ext cx="12192000" cy="457200"/>
-          </a:xfrm>
-          <a:prstGeom prst="rect">
-            <a:avLst/>
-          </a:prstGeom>
-          <a:noFill/>
-          <a:ln>
-            <a:noFill/>
-          </a:ln>
-          <a:effectLst/>
-          <a:extLst>
-            <a:ext uri="{909E8E84-426E-40DD-AFC4-6F175D3DCCD1}">
-              <a14:hiddenFill xmlns:a14="http://schemas.microsoft.com/office/drawing/2010/main">
-                <a:solidFill>
-                  <a:schemeClr val="accent1"/>
-                </a:solidFill>
-              </a14:hiddenFill>
-            </a:ext>
-            <a:ext uri="{91240B29-F687-4F45-9708-019B960494DF}">
-              <a14:hiddenLine xmlns:a14="http://schemas.microsoft.com/office/drawing/2010/main" w="9525">
-                <a:solidFill>
-                  <a:schemeClr val="tx1"/>
-                </a:solidFill>
-                <a:miter lim="800000"/>
-                <a:headEnd/>
-                <a:tailEnd/>
-              </a14:hiddenLine>
-            </a:ext>
-            <a:ext uri="{AF507438-7753-43E0-B8FC-AC1667EBCBE1}">
-              <a14:hiddenEffects xmlns:a14="http://schemas.microsoft.com/office/drawing/2010/main">
-                <a:effectLst>
-                  <a:outerShdw dist="35921" dir="2700000" algn="ctr" rotWithShape="0">
-                    <a:schemeClr val="bg2"/>
-                  </a:outerShdw>
-                </a:effectLst>
-              </a14:hiddenEffects>
-            </a:ext>
-          </a:extLst>
-        </p:spPr>
-        <p:txBody>
-          <a:bodyPr vert="horz" wrap="none" lIns="91440" tIns="45720" rIns="91440" bIns="45720" numCol="1" anchor="ctr" anchorCtr="0" compatLnSpc="1">
-            <a:prstTxWarp prst="textNoShape">
-              <a:avLst/>
-            </a:prstTxWarp>
-            <a:spAutoFit/>
-          </a:bodyPr>
-          <a:lstStyle/>
-          <a:p>
-            <a:endParaRPr lang="ko-KR" altLang="en-US"/>
-          </a:p>
-        </p:txBody>
-      </p:sp>
-      <p:sp>
-        <p:nvSpPr>
-          <p:cNvPr id="6" name="아래쪽 화살표 2">
-            <a:extLst>
-              <a:ext uri="{FF2B5EF4-FFF2-40B4-BE49-F238E27FC236}">
-                <a16:creationId xmlns:a16="http://schemas.microsoft.com/office/drawing/2014/main" id="{1584387C-17D5-78A5-C5AF-7C4CC99CF8F0}"/>
+                <a16:creationId xmlns:a16="http://schemas.microsoft.com/office/drawing/2014/main" id="{F9F17B4D-F5E3-C351-1522-FC0C1DC78B90}"/>
               </a:ext>
             </a:extLst>
           </p:cNvPr>
@@ -5838,12 +6190,18 @@
         </p:nvSpPr>
         <p:spPr>
           <a:xfrm>
-            <a:off x="1230206" y="4746505"/>
-            <a:ext cx="734553" cy="663976"/>
-          </a:xfrm>
-          <a:prstGeom prst="downArrow">
-            <a:avLst/>
-          </a:prstGeom>
+            <a:off x="9560093" y="1866577"/>
+            <a:ext cx="1061049" cy="265741"/>
+          </a:xfrm>
+          <a:prstGeom prst="rect">
+            <a:avLst/>
+          </a:prstGeom>
+          <a:solidFill>
+            <a:srgbClr val="D41E1F"/>
+          </a:solidFill>
+          <a:ln>
+            <a:noFill/>
+          </a:ln>
         </p:spPr>
         <p:style>
           <a:lnRef idx="2">
@@ -5866,7 +6224,379 @@
           <a:lstStyle/>
           <a:p>
             <a:pPr algn="ctr"/>
-            <a:endParaRPr lang="ko-KR" altLang="en-US"/>
+            <a:r>
+              <a:rPr lang="ko-KR" altLang="en-US" sz="1400" b="1" dirty="0">
+                <a:solidFill>
+                  <a:schemeClr val="bg1"/>
+                </a:solidFill>
+              </a:rPr>
+              <a:t>교육계열</a:t>
+            </a:r>
+            <a:endParaRPr lang="en-US" altLang="ko-KR" sz="1400" b="1" dirty="0">
+              <a:solidFill>
+                <a:schemeClr val="bg1"/>
+              </a:solidFill>
+            </a:endParaRPr>
+          </a:p>
+        </p:txBody>
+      </p:sp>
+      <p:sp>
+        <p:nvSpPr>
+          <p:cNvPr id="16" name="직사각형 15">
+            <a:extLst>
+              <a:ext uri="{FF2B5EF4-FFF2-40B4-BE49-F238E27FC236}">
+                <a16:creationId xmlns:a16="http://schemas.microsoft.com/office/drawing/2014/main" id="{E4A9E9B7-D51F-1424-98A6-514439351BC3}"/>
+              </a:ext>
+            </a:extLst>
+          </p:cNvPr>
+          <p:cNvSpPr/>
+          <p:nvPr/>
+        </p:nvSpPr>
+        <p:spPr>
+          <a:xfrm>
+            <a:off x="6559655" y="1859485"/>
+            <a:ext cx="1080179" cy="265741"/>
+          </a:xfrm>
+          <a:prstGeom prst="rect">
+            <a:avLst/>
+          </a:prstGeom>
+          <a:solidFill>
+            <a:srgbClr val="E272BF"/>
+          </a:solidFill>
+          <a:ln>
+            <a:noFill/>
+          </a:ln>
+        </p:spPr>
+        <p:style>
+          <a:lnRef idx="2">
+            <a:schemeClr val="accent1">
+              <a:shade val="50000"/>
+            </a:schemeClr>
+          </a:lnRef>
+          <a:fillRef idx="1">
+            <a:schemeClr val="accent1"/>
+          </a:fillRef>
+          <a:effectRef idx="0">
+            <a:schemeClr val="accent1"/>
+          </a:effectRef>
+          <a:fontRef idx="minor">
+            <a:schemeClr val="lt1"/>
+          </a:fontRef>
+        </p:style>
+        <p:txBody>
+          <a:bodyPr rtlCol="0" anchor="ctr"/>
+          <a:lstStyle/>
+          <a:p>
+            <a:pPr algn="ctr"/>
+            <a:r>
+              <a:rPr lang="ko-KR" altLang="en-US" sz="1400" b="1" dirty="0">
+                <a:solidFill>
+                  <a:schemeClr val="bg1"/>
+                </a:solidFill>
+              </a:rPr>
+              <a:t>예체능계열</a:t>
+            </a:r>
+            <a:endParaRPr lang="en-US" altLang="ko-KR" sz="1400" b="1" dirty="0">
+              <a:solidFill>
+                <a:schemeClr val="bg1"/>
+              </a:solidFill>
+            </a:endParaRPr>
+          </a:p>
+        </p:txBody>
+      </p:sp>
+      <p:sp>
+        <p:nvSpPr>
+          <p:cNvPr id="17" name="직사각형 16">
+            <a:extLst>
+              <a:ext uri="{FF2B5EF4-FFF2-40B4-BE49-F238E27FC236}">
+                <a16:creationId xmlns:a16="http://schemas.microsoft.com/office/drawing/2014/main" id="{87667387-5C80-6121-D656-A019B4C52603}"/>
+              </a:ext>
+            </a:extLst>
+          </p:cNvPr>
+          <p:cNvSpPr/>
+          <p:nvPr/>
+        </p:nvSpPr>
+        <p:spPr>
+          <a:xfrm>
+            <a:off x="10958871" y="1866577"/>
+            <a:ext cx="1061049" cy="265741"/>
+          </a:xfrm>
+          <a:prstGeom prst="rect">
+            <a:avLst/>
+          </a:prstGeom>
+          <a:solidFill>
+            <a:srgbClr val="9062BB"/>
+          </a:solidFill>
+          <a:ln>
+            <a:noFill/>
+          </a:ln>
+        </p:spPr>
+        <p:style>
+          <a:lnRef idx="2">
+            <a:schemeClr val="accent1">
+              <a:shade val="50000"/>
+            </a:schemeClr>
+          </a:lnRef>
+          <a:fillRef idx="1">
+            <a:schemeClr val="accent1"/>
+          </a:fillRef>
+          <a:effectRef idx="0">
+            <a:schemeClr val="accent1"/>
+          </a:effectRef>
+          <a:fontRef idx="minor">
+            <a:schemeClr val="lt1"/>
+          </a:fontRef>
+        </p:style>
+        <p:txBody>
+          <a:bodyPr rtlCol="0" anchor="ctr"/>
+          <a:lstStyle/>
+          <a:p>
+            <a:pPr algn="ctr"/>
+            <a:r>
+              <a:rPr lang="ko-KR" altLang="en-US" sz="1400" b="1" dirty="0">
+                <a:solidFill>
+                  <a:schemeClr val="bg1"/>
+                </a:solidFill>
+              </a:rPr>
+              <a:t>자연계열</a:t>
+            </a:r>
+            <a:endParaRPr lang="en-US" altLang="ko-KR" sz="1400" b="1" dirty="0">
+              <a:solidFill>
+                <a:schemeClr val="bg1"/>
+              </a:solidFill>
+            </a:endParaRPr>
+          </a:p>
+        </p:txBody>
+      </p:sp>
+      <p:sp>
+        <p:nvSpPr>
+          <p:cNvPr id="20" name="직사각형 19">
+            <a:extLst>
+              <a:ext uri="{FF2B5EF4-FFF2-40B4-BE49-F238E27FC236}">
+                <a16:creationId xmlns:a16="http://schemas.microsoft.com/office/drawing/2014/main" id="{4C0F05E7-21E9-5E3D-54A7-D99EB05FF77C}"/>
+              </a:ext>
+            </a:extLst>
+          </p:cNvPr>
+          <p:cNvSpPr/>
+          <p:nvPr/>
+        </p:nvSpPr>
+        <p:spPr>
+          <a:xfrm>
+            <a:off x="7977563" y="1852490"/>
+            <a:ext cx="1061049" cy="265741"/>
+          </a:xfrm>
+          <a:prstGeom prst="rect">
+            <a:avLst/>
+          </a:prstGeom>
+          <a:solidFill>
+            <a:srgbClr val="FF7700"/>
+          </a:solidFill>
+          <a:ln>
+            <a:noFill/>
+          </a:ln>
+        </p:spPr>
+        <p:style>
+          <a:lnRef idx="2">
+            <a:schemeClr val="accent1">
+              <a:shade val="50000"/>
+            </a:schemeClr>
+          </a:lnRef>
+          <a:fillRef idx="1">
+            <a:schemeClr val="accent1"/>
+          </a:fillRef>
+          <a:effectRef idx="0">
+            <a:schemeClr val="accent1"/>
+          </a:effectRef>
+          <a:fontRef idx="minor">
+            <a:schemeClr val="lt1"/>
+          </a:fontRef>
+        </p:style>
+        <p:txBody>
+          <a:bodyPr rtlCol="0" anchor="ctr"/>
+          <a:lstStyle/>
+          <a:p>
+            <a:pPr algn="ctr"/>
+            <a:r>
+              <a:rPr lang="ko-KR" altLang="en-US" sz="1400" b="1" dirty="0">
+                <a:solidFill>
+                  <a:schemeClr val="bg1"/>
+                </a:solidFill>
+              </a:rPr>
+              <a:t>사회계열</a:t>
+            </a:r>
+            <a:endParaRPr lang="en-US" altLang="ko-KR" sz="1400" b="1" dirty="0">
+              <a:solidFill>
+                <a:schemeClr val="bg1"/>
+              </a:solidFill>
+            </a:endParaRPr>
+          </a:p>
+        </p:txBody>
+      </p:sp>
+      <p:sp>
+        <p:nvSpPr>
+          <p:cNvPr id="22" name="직사각형 21">
+            <a:extLst>
+              <a:ext uri="{FF2B5EF4-FFF2-40B4-BE49-F238E27FC236}">
+                <a16:creationId xmlns:a16="http://schemas.microsoft.com/office/drawing/2014/main" id="{3A9C531D-51C2-8A3A-BF65-7BD3F7EDD38B}"/>
+              </a:ext>
+            </a:extLst>
+          </p:cNvPr>
+          <p:cNvSpPr/>
+          <p:nvPr/>
+        </p:nvSpPr>
+        <p:spPr>
+          <a:xfrm>
+            <a:off x="4835070" y="1866884"/>
+            <a:ext cx="1061049" cy="265741"/>
+          </a:xfrm>
+          <a:prstGeom prst="rect">
+            <a:avLst/>
+          </a:prstGeom>
+          <a:solidFill>
+            <a:srgbClr val="56B356"/>
+          </a:solidFill>
+          <a:ln>
+            <a:noFill/>
+          </a:ln>
+        </p:spPr>
+        <p:style>
+          <a:lnRef idx="2">
+            <a:schemeClr val="accent1">
+              <a:shade val="50000"/>
+            </a:schemeClr>
+          </a:lnRef>
+          <a:fillRef idx="1">
+            <a:schemeClr val="accent1"/>
+          </a:fillRef>
+          <a:effectRef idx="0">
+            <a:schemeClr val="accent1"/>
+          </a:effectRef>
+          <a:fontRef idx="minor">
+            <a:schemeClr val="lt1"/>
+          </a:fontRef>
+        </p:style>
+        <p:txBody>
+          <a:bodyPr rtlCol="0" anchor="ctr"/>
+          <a:lstStyle/>
+          <a:p>
+            <a:pPr algn="ctr"/>
+            <a:r>
+              <a:rPr lang="ko-KR" altLang="en-US" sz="1400" b="1" dirty="0">
+                <a:solidFill>
+                  <a:schemeClr val="bg1"/>
+                </a:solidFill>
+              </a:rPr>
+              <a:t>공학계열</a:t>
+            </a:r>
+            <a:endParaRPr lang="en-US" altLang="ko-KR" sz="1400" b="1" dirty="0">
+              <a:solidFill>
+                <a:schemeClr val="bg1"/>
+              </a:solidFill>
+            </a:endParaRPr>
+          </a:p>
+        </p:txBody>
+      </p:sp>
+      <p:sp>
+        <p:nvSpPr>
+          <p:cNvPr id="29" name="직사각형 28">
+            <a:extLst>
+              <a:ext uri="{FF2B5EF4-FFF2-40B4-BE49-F238E27FC236}">
+                <a16:creationId xmlns:a16="http://schemas.microsoft.com/office/drawing/2014/main" id="{E40CCA5F-0EDA-AEA8-C0DD-2F8FBA7DE811}"/>
+              </a:ext>
+            </a:extLst>
+          </p:cNvPr>
+          <p:cNvSpPr/>
+          <p:nvPr/>
+        </p:nvSpPr>
+        <p:spPr>
+          <a:xfrm>
+            <a:off x="9569138" y="2277767"/>
+            <a:ext cx="1061049" cy="265741"/>
+          </a:xfrm>
+          <a:prstGeom prst="rect">
+            <a:avLst/>
+          </a:prstGeom>
+          <a:solidFill>
+            <a:srgbClr val="1772B1"/>
+          </a:solidFill>
+          <a:ln>
+            <a:noFill/>
+          </a:ln>
+        </p:spPr>
+        <p:style>
+          <a:lnRef idx="2">
+            <a:schemeClr val="accent1">
+              <a:shade val="50000"/>
+            </a:schemeClr>
+          </a:lnRef>
+          <a:fillRef idx="1">
+            <a:schemeClr val="accent1"/>
+          </a:fillRef>
+          <a:effectRef idx="0">
+            <a:schemeClr val="accent1"/>
+          </a:effectRef>
+          <a:fontRef idx="minor">
+            <a:schemeClr val="lt1"/>
+          </a:fontRef>
+        </p:style>
+        <p:txBody>
+          <a:bodyPr rtlCol="0" anchor="ctr"/>
+          <a:lstStyle/>
+          <a:p>
+            <a:pPr algn="ctr"/>
+            <a:r>
+              <a:rPr lang="ko-KR" altLang="en-US" sz="1400" b="1" dirty="0">
+                <a:solidFill>
+                  <a:schemeClr val="bg1"/>
+                </a:solidFill>
+              </a:rPr>
+              <a:t>인문계열</a:t>
+            </a:r>
+            <a:endParaRPr lang="en-US" altLang="ko-KR" sz="1400" b="1" dirty="0">
+              <a:solidFill>
+                <a:schemeClr val="bg1"/>
+              </a:solidFill>
+            </a:endParaRPr>
+          </a:p>
+        </p:txBody>
+      </p:sp>
+      <p:sp>
+        <p:nvSpPr>
+          <p:cNvPr id="30" name="TextBox 29">
+            <a:extLst>
+              <a:ext uri="{FF2B5EF4-FFF2-40B4-BE49-F238E27FC236}">
+                <a16:creationId xmlns:a16="http://schemas.microsoft.com/office/drawing/2014/main" id="{3B80C275-A321-7F52-59E0-322337C97A82}"/>
+              </a:ext>
+            </a:extLst>
+          </p:cNvPr>
+          <p:cNvSpPr txBox="1"/>
+          <p:nvPr/>
+        </p:nvSpPr>
+        <p:spPr>
+          <a:xfrm>
+            <a:off x="3811315" y="2807907"/>
+            <a:ext cx="4846019" cy="369332"/>
+          </a:xfrm>
+          <a:prstGeom prst="rect">
+            <a:avLst/>
+          </a:prstGeom>
+          <a:noFill/>
+        </p:spPr>
+        <p:txBody>
+          <a:bodyPr wrap="square" rtlCol="0">
+            <a:spAutoFit/>
+          </a:bodyPr>
+          <a:lstStyle/>
+          <a:p>
+            <a:r>
+              <a:rPr lang="ko-KR" altLang="en-US" sz="1800" b="1" dirty="0">
+                <a:solidFill>
+                  <a:srgbClr val="0275D8"/>
+                </a:solidFill>
+              </a:rPr>
+              <a:t>학생 학과 선호도</a:t>
+            </a:r>
+            <a:endParaRPr lang="ko-KR" altLang="en-US" dirty="0"/>
           </a:p>
         </p:txBody>
       </p:sp>
@@ -7383,8 +8113,8 @@
         </p:nvSpPr>
         <p:spPr>
           <a:xfrm>
-            <a:off x="5669017" y="1173197"/>
-            <a:ext cx="5793922" cy="2031325"/>
+            <a:off x="5549835" y="1140597"/>
+            <a:ext cx="5793922" cy="2308324"/>
           </a:xfrm>
           <a:prstGeom prst="rect">
             <a:avLst/>
@@ -7436,6 +8166,9 @@
               <a:rPr lang="en-US" altLang="ko-KR" dirty="0"/>
               <a:t>.</a:t>
             </a:r>
+          </a:p>
+          <a:p>
+            <a:endParaRPr lang="en-US" altLang="ko-KR" dirty="0"/>
           </a:p>
           <a:p>
             <a:r>
@@ -8264,10 +8997,1514 @@
           </a:p>
         </p:txBody>
       </p:sp>
+      <p:pic>
+        <p:nvPicPr>
+          <p:cNvPr id="3" name="그림 2">
+            <a:extLst>
+              <a:ext uri="{FF2B5EF4-FFF2-40B4-BE49-F238E27FC236}">
+                <a16:creationId xmlns:a16="http://schemas.microsoft.com/office/drawing/2014/main" id="{22C02C3C-17D6-429B-8033-5F208C4F93EB}"/>
+              </a:ext>
+            </a:extLst>
+          </p:cNvPr>
+          <p:cNvPicPr>
+            <a:picLocks noChangeAspect="1"/>
+          </p:cNvPicPr>
+          <p:nvPr/>
+        </p:nvPicPr>
+        <p:blipFill>
+          <a:blip r:embed="rId2"/>
+          <a:stretch>
+            <a:fillRect/>
+          </a:stretch>
+        </p:blipFill>
+        <p:spPr>
+          <a:xfrm>
+            <a:off x="2467750" y="2117199"/>
+            <a:ext cx="2184479" cy="1624356"/>
+          </a:xfrm>
+          <a:prstGeom prst="rect">
+            <a:avLst/>
+          </a:prstGeom>
+        </p:spPr>
+      </p:pic>
+      <p:pic>
+        <p:nvPicPr>
+          <p:cNvPr id="5" name="그림 4">
+            <a:extLst>
+              <a:ext uri="{FF2B5EF4-FFF2-40B4-BE49-F238E27FC236}">
+                <a16:creationId xmlns:a16="http://schemas.microsoft.com/office/drawing/2014/main" id="{A40BD9CD-E3CE-7617-BD1E-2E6A4AFE466A}"/>
+              </a:ext>
+            </a:extLst>
+          </p:cNvPr>
+          <p:cNvPicPr>
+            <a:picLocks noChangeAspect="1"/>
+          </p:cNvPicPr>
+          <p:nvPr/>
+        </p:nvPicPr>
+        <p:blipFill>
+          <a:blip r:embed="rId3"/>
+          <a:stretch>
+            <a:fillRect/>
+          </a:stretch>
+        </p:blipFill>
+        <p:spPr>
+          <a:xfrm>
+            <a:off x="4739194" y="2131560"/>
+            <a:ext cx="2176476" cy="1668365"/>
+          </a:xfrm>
+          <a:prstGeom prst="rect">
+            <a:avLst/>
+          </a:prstGeom>
+        </p:spPr>
+      </p:pic>
+      <p:pic>
+        <p:nvPicPr>
+          <p:cNvPr id="7" name="그림 6">
+            <a:extLst>
+              <a:ext uri="{FF2B5EF4-FFF2-40B4-BE49-F238E27FC236}">
+                <a16:creationId xmlns:a16="http://schemas.microsoft.com/office/drawing/2014/main" id="{CA8202A0-78D3-2086-1B29-987980CFB7D0}"/>
+              </a:ext>
+            </a:extLst>
+          </p:cNvPr>
+          <p:cNvPicPr>
+            <a:picLocks noChangeAspect="1"/>
+          </p:cNvPicPr>
+          <p:nvPr/>
+        </p:nvPicPr>
+        <p:blipFill>
+          <a:blip r:embed="rId4"/>
+          <a:stretch>
+            <a:fillRect/>
+          </a:stretch>
+        </p:blipFill>
+        <p:spPr>
+          <a:xfrm>
+            <a:off x="2736410" y="5050717"/>
+            <a:ext cx="2144470" cy="1660364"/>
+          </a:xfrm>
+          <a:prstGeom prst="rect">
+            <a:avLst/>
+          </a:prstGeom>
+        </p:spPr>
+      </p:pic>
+      <p:pic>
+        <p:nvPicPr>
+          <p:cNvPr id="9" name="그림 8">
+            <a:extLst>
+              <a:ext uri="{FF2B5EF4-FFF2-40B4-BE49-F238E27FC236}">
+                <a16:creationId xmlns:a16="http://schemas.microsoft.com/office/drawing/2014/main" id="{8D679B0E-4C8D-D069-436A-6051B636DA90}"/>
+              </a:ext>
+            </a:extLst>
+          </p:cNvPr>
+          <p:cNvPicPr>
+            <a:picLocks noChangeAspect="1"/>
+          </p:cNvPicPr>
+          <p:nvPr/>
+        </p:nvPicPr>
+        <p:blipFill>
+          <a:blip r:embed="rId5"/>
+          <a:stretch>
+            <a:fillRect/>
+          </a:stretch>
+        </p:blipFill>
+        <p:spPr>
+          <a:xfrm>
+            <a:off x="198310" y="2082426"/>
+            <a:ext cx="2188479" cy="1668365"/>
+          </a:xfrm>
+          <a:prstGeom prst="rect">
+            <a:avLst/>
+          </a:prstGeom>
+        </p:spPr>
+      </p:pic>
+      <p:pic>
+        <p:nvPicPr>
+          <p:cNvPr id="11" name="그림 10">
+            <a:extLst>
+              <a:ext uri="{FF2B5EF4-FFF2-40B4-BE49-F238E27FC236}">
+                <a16:creationId xmlns:a16="http://schemas.microsoft.com/office/drawing/2014/main" id="{FF0F4371-B883-0640-8096-21A9FC04C201}"/>
+              </a:ext>
+            </a:extLst>
+          </p:cNvPr>
+          <p:cNvPicPr>
+            <a:picLocks noChangeAspect="1"/>
+          </p:cNvPicPr>
+          <p:nvPr/>
+        </p:nvPicPr>
+        <p:blipFill>
+          <a:blip r:embed="rId6"/>
+          <a:stretch>
+            <a:fillRect/>
+          </a:stretch>
+        </p:blipFill>
+        <p:spPr>
+          <a:xfrm>
+            <a:off x="7535518" y="5050717"/>
+            <a:ext cx="2240490" cy="1652362"/>
+          </a:xfrm>
+          <a:prstGeom prst="rect">
+            <a:avLst/>
+          </a:prstGeom>
+        </p:spPr>
+      </p:pic>
+      <p:pic>
+        <p:nvPicPr>
+          <p:cNvPr id="13" name="그림 12">
+            <a:extLst>
+              <a:ext uri="{FF2B5EF4-FFF2-40B4-BE49-F238E27FC236}">
+                <a16:creationId xmlns:a16="http://schemas.microsoft.com/office/drawing/2014/main" id="{E16DC8F4-B8EC-B924-BAB3-762480786F8C}"/>
+              </a:ext>
+            </a:extLst>
+          </p:cNvPr>
+          <p:cNvPicPr>
+            <a:picLocks noChangeAspect="1"/>
+          </p:cNvPicPr>
+          <p:nvPr/>
+        </p:nvPicPr>
+        <p:blipFill>
+          <a:blip r:embed="rId7"/>
+          <a:stretch>
+            <a:fillRect/>
+          </a:stretch>
+        </p:blipFill>
+        <p:spPr>
+          <a:xfrm>
+            <a:off x="5171197" y="5050717"/>
+            <a:ext cx="2152471" cy="1660364"/>
+          </a:xfrm>
+          <a:prstGeom prst="rect">
+            <a:avLst/>
+          </a:prstGeom>
+        </p:spPr>
+      </p:pic>
+      <p:pic>
+        <p:nvPicPr>
+          <p:cNvPr id="15" name="그림 14">
+            <a:extLst>
+              <a:ext uri="{FF2B5EF4-FFF2-40B4-BE49-F238E27FC236}">
+                <a16:creationId xmlns:a16="http://schemas.microsoft.com/office/drawing/2014/main" id="{FA06436C-C40E-7643-3006-4764DCBC0396}"/>
+              </a:ext>
+            </a:extLst>
+          </p:cNvPr>
+          <p:cNvPicPr>
+            <a:picLocks noChangeAspect="1"/>
+          </p:cNvPicPr>
+          <p:nvPr/>
+        </p:nvPicPr>
+        <p:blipFill>
+          <a:blip r:embed="rId8"/>
+          <a:stretch>
+            <a:fillRect/>
+          </a:stretch>
+        </p:blipFill>
+        <p:spPr>
+          <a:xfrm>
+            <a:off x="273618" y="5080679"/>
+            <a:ext cx="2172475" cy="1668365"/>
+          </a:xfrm>
+          <a:prstGeom prst="rect">
+            <a:avLst/>
+          </a:prstGeom>
+        </p:spPr>
+      </p:pic>
+      <p:sp>
+        <p:nvSpPr>
+          <p:cNvPr id="16" name="TextBox 15">
+            <a:extLst>
+              <a:ext uri="{FF2B5EF4-FFF2-40B4-BE49-F238E27FC236}">
+                <a16:creationId xmlns:a16="http://schemas.microsoft.com/office/drawing/2014/main" id="{890BC033-2FF4-DB64-E99D-E0EE31C1AF74}"/>
+              </a:ext>
+            </a:extLst>
+          </p:cNvPr>
+          <p:cNvSpPr txBox="1"/>
+          <p:nvPr/>
+        </p:nvSpPr>
+        <p:spPr>
+          <a:xfrm>
+            <a:off x="406788" y="724333"/>
+            <a:ext cx="10286094" cy="369332"/>
+          </a:xfrm>
+          <a:prstGeom prst="rect">
+            <a:avLst/>
+          </a:prstGeom>
+          <a:noFill/>
+        </p:spPr>
+        <p:txBody>
+          <a:bodyPr wrap="square" rtlCol="0">
+            <a:spAutoFit/>
+          </a:bodyPr>
+          <a:lstStyle/>
+          <a:p>
+            <a:r>
+              <a:rPr lang="ko-KR" altLang="en-US" dirty="0" err="1">
+                <a:solidFill>
+                  <a:srgbClr val="0275D8"/>
+                </a:solidFill>
+              </a:rPr>
+              <a:t>창업률</a:t>
+            </a:r>
+            <a:r>
+              <a:rPr lang="ko-KR" altLang="en-US" dirty="0">
+                <a:solidFill>
+                  <a:srgbClr val="0275D8"/>
+                </a:solidFill>
+              </a:rPr>
+              <a:t>  </a:t>
+            </a:r>
+            <a:r>
+              <a:rPr lang="en-US" altLang="ko-KR" sz="1200" dirty="0">
+                <a:solidFill>
+                  <a:srgbClr val="0275D8"/>
+                </a:solidFill>
+              </a:rPr>
+              <a:t>2022</a:t>
+            </a:r>
+            <a:r>
+              <a:rPr lang="ko-KR" altLang="en-US" sz="1200" dirty="0">
+                <a:solidFill>
+                  <a:srgbClr val="0275D8"/>
+                </a:solidFill>
+              </a:rPr>
+              <a:t>년도의 평균 </a:t>
+            </a:r>
+            <a:r>
+              <a:rPr lang="ko-KR" altLang="en-US" sz="1200" dirty="0" err="1">
+                <a:solidFill>
+                  <a:srgbClr val="0275D8"/>
+                </a:solidFill>
+              </a:rPr>
+              <a:t>창업률인</a:t>
+            </a:r>
+            <a:r>
+              <a:rPr lang="ko-KR" altLang="en-US" sz="1200" dirty="0">
+                <a:solidFill>
+                  <a:srgbClr val="0275D8"/>
+                </a:solidFill>
+              </a:rPr>
+              <a:t> </a:t>
+            </a:r>
+            <a:r>
+              <a:rPr lang="en-US" altLang="ko-KR" sz="1200" dirty="0">
+                <a:solidFill>
+                  <a:srgbClr val="0275D8"/>
+                </a:solidFill>
+              </a:rPr>
+              <a:t>7.2%</a:t>
+            </a:r>
+            <a:r>
+              <a:rPr lang="ko-KR" altLang="en-US" sz="1200" dirty="0">
+                <a:solidFill>
+                  <a:srgbClr val="0275D8"/>
+                </a:solidFill>
+              </a:rPr>
+              <a:t> 기준으로 나눔</a:t>
+            </a:r>
+            <a:r>
+              <a:rPr lang="en-US" altLang="ko-KR" sz="1200" dirty="0">
+                <a:solidFill>
+                  <a:srgbClr val="0275D8"/>
+                </a:solidFill>
+              </a:rPr>
+              <a:t>/ </a:t>
+            </a:r>
+            <a:r>
+              <a:rPr lang="ko-KR" altLang="en-US" sz="1200" dirty="0">
+                <a:solidFill>
+                  <a:srgbClr val="0275D8"/>
+                </a:solidFill>
+              </a:rPr>
+              <a:t>분류 기준은 </a:t>
+            </a:r>
+            <a:r>
+              <a:rPr lang="en-US" altLang="ko-KR" sz="1200" dirty="0">
+                <a:solidFill>
+                  <a:srgbClr val="0275D8"/>
+                </a:solidFill>
+              </a:rPr>
+              <a:t>2022</a:t>
+            </a:r>
+            <a:r>
+              <a:rPr lang="ko-KR" altLang="en-US" sz="1200" dirty="0">
+                <a:solidFill>
+                  <a:srgbClr val="0275D8"/>
+                </a:solidFill>
+              </a:rPr>
+              <a:t>년도의 </a:t>
+            </a:r>
+            <a:r>
+              <a:rPr lang="ko-KR" altLang="en-US" sz="1200" dirty="0" err="1">
+                <a:solidFill>
+                  <a:srgbClr val="0275D8"/>
+                </a:solidFill>
+              </a:rPr>
+              <a:t>창업률</a:t>
+            </a:r>
+            <a:r>
+              <a:rPr lang="ko-KR" altLang="en-US" sz="1200" dirty="0">
+                <a:solidFill>
+                  <a:srgbClr val="0275D8"/>
+                </a:solidFill>
+              </a:rPr>
+              <a:t> 평균으로 분류함</a:t>
+            </a:r>
+            <a:endParaRPr lang="en-US" altLang="ko-KR" sz="1200" dirty="0">
+              <a:solidFill>
+                <a:srgbClr val="0275D8"/>
+              </a:solidFill>
+            </a:endParaRPr>
+          </a:p>
+        </p:txBody>
+      </p:sp>
+      <p:sp>
+        <p:nvSpPr>
+          <p:cNvPr id="23" name="TextBox 22">
+            <a:extLst>
+              <a:ext uri="{FF2B5EF4-FFF2-40B4-BE49-F238E27FC236}">
+                <a16:creationId xmlns:a16="http://schemas.microsoft.com/office/drawing/2014/main" id="{F81298B6-F030-88FF-D698-C448A05F6072}"/>
+              </a:ext>
+            </a:extLst>
+          </p:cNvPr>
+          <p:cNvSpPr txBox="1"/>
+          <p:nvPr/>
+        </p:nvSpPr>
+        <p:spPr>
+          <a:xfrm>
+            <a:off x="406788" y="1237569"/>
+            <a:ext cx="3256699" cy="369332"/>
+          </a:xfrm>
+          <a:prstGeom prst="rect">
+            <a:avLst/>
+          </a:prstGeom>
+          <a:noFill/>
+        </p:spPr>
+        <p:txBody>
+          <a:bodyPr wrap="square" rtlCol="0">
+            <a:spAutoFit/>
+          </a:bodyPr>
+          <a:lstStyle/>
+          <a:p>
+            <a:r>
+              <a:rPr lang="ko-KR" altLang="en-US" b="1" dirty="0">
+                <a:solidFill>
+                  <a:srgbClr val="0275D8"/>
+                </a:solidFill>
+              </a:rPr>
+              <a:t>높은 </a:t>
+            </a:r>
+            <a:r>
+              <a:rPr lang="ko-KR" altLang="en-US" b="1" dirty="0" err="1">
+                <a:solidFill>
+                  <a:srgbClr val="0275D8"/>
+                </a:solidFill>
+              </a:rPr>
+              <a:t>창업률</a:t>
+            </a:r>
+            <a:r>
+              <a:rPr lang="ko-KR" altLang="en-US" b="1" dirty="0">
+                <a:solidFill>
+                  <a:srgbClr val="0275D8"/>
+                </a:solidFill>
+              </a:rPr>
+              <a:t> </a:t>
+            </a:r>
+            <a:r>
+              <a:rPr lang="en-US" altLang="ko-KR" sz="1050" b="1" dirty="0">
+                <a:solidFill>
+                  <a:srgbClr val="0275D8"/>
+                </a:solidFill>
+              </a:rPr>
+              <a:t>7.2% </a:t>
+            </a:r>
+            <a:r>
+              <a:rPr lang="ko-KR" altLang="en-US" sz="1050" b="1" dirty="0">
+                <a:solidFill>
+                  <a:srgbClr val="0275D8"/>
+                </a:solidFill>
+              </a:rPr>
+              <a:t>이상</a:t>
+            </a:r>
+            <a:endParaRPr lang="en-US" altLang="ko-KR" dirty="0"/>
+          </a:p>
+        </p:txBody>
+      </p:sp>
+      <p:sp>
+        <p:nvSpPr>
+          <p:cNvPr id="24" name="직사각형 23">
+            <a:extLst>
+              <a:ext uri="{FF2B5EF4-FFF2-40B4-BE49-F238E27FC236}">
+                <a16:creationId xmlns:a16="http://schemas.microsoft.com/office/drawing/2014/main" id="{BFF11B81-F4FA-634D-FB19-131179E7DF7D}"/>
+              </a:ext>
+            </a:extLst>
+          </p:cNvPr>
+          <p:cNvSpPr/>
+          <p:nvPr/>
+        </p:nvSpPr>
+        <p:spPr>
+          <a:xfrm>
+            <a:off x="5716907" y="4741800"/>
+            <a:ext cx="1061049" cy="265741"/>
+          </a:xfrm>
+          <a:prstGeom prst="rect">
+            <a:avLst/>
+          </a:prstGeom>
+          <a:solidFill>
+            <a:srgbClr val="8C564B"/>
+          </a:solidFill>
+          <a:ln>
+            <a:noFill/>
+          </a:ln>
+        </p:spPr>
+        <p:style>
+          <a:lnRef idx="2">
+            <a:schemeClr val="accent1">
+              <a:shade val="50000"/>
+            </a:schemeClr>
+          </a:lnRef>
+          <a:fillRef idx="1">
+            <a:schemeClr val="accent1"/>
+          </a:fillRef>
+          <a:effectRef idx="0">
+            <a:schemeClr val="accent1"/>
+          </a:effectRef>
+          <a:fontRef idx="minor">
+            <a:schemeClr val="lt1"/>
+          </a:fontRef>
+        </p:style>
+        <p:txBody>
+          <a:bodyPr rtlCol="0" anchor="ctr"/>
+          <a:lstStyle/>
+          <a:p>
+            <a:pPr algn="ctr"/>
+            <a:r>
+              <a:rPr lang="ko-KR" altLang="en-US" sz="1400" b="1" dirty="0">
+                <a:solidFill>
+                  <a:schemeClr val="bg1"/>
+                </a:solidFill>
+              </a:rPr>
+              <a:t>의약계열</a:t>
+            </a:r>
+            <a:endParaRPr lang="en-US" altLang="ko-KR" sz="1400" b="1" dirty="0">
+              <a:solidFill>
+                <a:schemeClr val="bg1"/>
+              </a:solidFill>
+            </a:endParaRPr>
+          </a:p>
+        </p:txBody>
+      </p:sp>
+      <p:sp>
+        <p:nvSpPr>
+          <p:cNvPr id="25" name="직사각형 24">
+            <a:extLst>
+              <a:ext uri="{FF2B5EF4-FFF2-40B4-BE49-F238E27FC236}">
+                <a16:creationId xmlns:a16="http://schemas.microsoft.com/office/drawing/2014/main" id="{0A749F76-D726-8C3A-AE7C-601EF02A9D73}"/>
+              </a:ext>
+            </a:extLst>
+          </p:cNvPr>
+          <p:cNvSpPr/>
+          <p:nvPr/>
+        </p:nvSpPr>
+        <p:spPr>
+          <a:xfrm>
+            <a:off x="3317975" y="4748920"/>
+            <a:ext cx="1061049" cy="265741"/>
+          </a:xfrm>
+          <a:prstGeom prst="rect">
+            <a:avLst/>
+          </a:prstGeom>
+          <a:solidFill>
+            <a:srgbClr val="D41E1F"/>
+          </a:solidFill>
+          <a:ln>
+            <a:noFill/>
+          </a:ln>
+        </p:spPr>
+        <p:style>
+          <a:lnRef idx="2">
+            <a:schemeClr val="accent1">
+              <a:shade val="50000"/>
+            </a:schemeClr>
+          </a:lnRef>
+          <a:fillRef idx="1">
+            <a:schemeClr val="accent1"/>
+          </a:fillRef>
+          <a:effectRef idx="0">
+            <a:schemeClr val="accent1"/>
+          </a:effectRef>
+          <a:fontRef idx="minor">
+            <a:schemeClr val="lt1"/>
+          </a:fontRef>
+        </p:style>
+        <p:txBody>
+          <a:bodyPr rtlCol="0" anchor="ctr"/>
+          <a:lstStyle/>
+          <a:p>
+            <a:pPr algn="ctr"/>
+            <a:r>
+              <a:rPr lang="ko-KR" altLang="en-US" sz="1400" b="1" dirty="0">
+                <a:solidFill>
+                  <a:schemeClr val="bg1"/>
+                </a:solidFill>
+              </a:rPr>
+              <a:t>교육계열</a:t>
+            </a:r>
+            <a:endParaRPr lang="en-US" altLang="ko-KR" sz="1400" b="1" dirty="0">
+              <a:solidFill>
+                <a:schemeClr val="bg1"/>
+              </a:solidFill>
+            </a:endParaRPr>
+          </a:p>
+        </p:txBody>
+      </p:sp>
+      <p:sp>
+        <p:nvSpPr>
+          <p:cNvPr id="26" name="직사각형 25">
+            <a:extLst>
+              <a:ext uri="{FF2B5EF4-FFF2-40B4-BE49-F238E27FC236}">
+                <a16:creationId xmlns:a16="http://schemas.microsoft.com/office/drawing/2014/main" id="{91CACB50-ADFA-51AC-35EF-219D7CAAF5D7}"/>
+              </a:ext>
+            </a:extLst>
+          </p:cNvPr>
+          <p:cNvSpPr/>
+          <p:nvPr/>
+        </p:nvSpPr>
+        <p:spPr>
+          <a:xfrm>
+            <a:off x="758123" y="4772496"/>
+            <a:ext cx="1080179" cy="265741"/>
+          </a:xfrm>
+          <a:prstGeom prst="rect">
+            <a:avLst/>
+          </a:prstGeom>
+          <a:solidFill>
+            <a:srgbClr val="E272BF"/>
+          </a:solidFill>
+          <a:ln>
+            <a:noFill/>
+          </a:ln>
+        </p:spPr>
+        <p:style>
+          <a:lnRef idx="2">
+            <a:schemeClr val="accent1">
+              <a:shade val="50000"/>
+            </a:schemeClr>
+          </a:lnRef>
+          <a:fillRef idx="1">
+            <a:schemeClr val="accent1"/>
+          </a:fillRef>
+          <a:effectRef idx="0">
+            <a:schemeClr val="accent1"/>
+          </a:effectRef>
+          <a:fontRef idx="minor">
+            <a:schemeClr val="lt1"/>
+          </a:fontRef>
+        </p:style>
+        <p:txBody>
+          <a:bodyPr rtlCol="0" anchor="ctr"/>
+          <a:lstStyle/>
+          <a:p>
+            <a:pPr algn="ctr"/>
+            <a:r>
+              <a:rPr lang="ko-KR" altLang="en-US" sz="1400" b="1" dirty="0">
+                <a:solidFill>
+                  <a:schemeClr val="bg1"/>
+                </a:solidFill>
+              </a:rPr>
+              <a:t>예체능계열</a:t>
+            </a:r>
+            <a:endParaRPr lang="en-US" altLang="ko-KR" sz="1400" b="1" dirty="0">
+              <a:solidFill>
+                <a:schemeClr val="bg1"/>
+              </a:solidFill>
+            </a:endParaRPr>
+          </a:p>
+        </p:txBody>
+      </p:sp>
+      <p:sp>
+        <p:nvSpPr>
+          <p:cNvPr id="27" name="직사각형 26">
+            <a:extLst>
+              <a:ext uri="{FF2B5EF4-FFF2-40B4-BE49-F238E27FC236}">
+                <a16:creationId xmlns:a16="http://schemas.microsoft.com/office/drawing/2014/main" id="{3BBC152C-B9D6-1C91-90FB-F6B81C1F4D5B}"/>
+              </a:ext>
+            </a:extLst>
+          </p:cNvPr>
+          <p:cNvSpPr/>
+          <p:nvPr/>
+        </p:nvSpPr>
+        <p:spPr>
+          <a:xfrm>
+            <a:off x="8125238" y="4748920"/>
+            <a:ext cx="1061049" cy="265741"/>
+          </a:xfrm>
+          <a:prstGeom prst="rect">
+            <a:avLst/>
+          </a:prstGeom>
+          <a:solidFill>
+            <a:srgbClr val="9062BB"/>
+          </a:solidFill>
+          <a:ln>
+            <a:noFill/>
+          </a:ln>
+        </p:spPr>
+        <p:style>
+          <a:lnRef idx="2">
+            <a:schemeClr val="accent1">
+              <a:shade val="50000"/>
+            </a:schemeClr>
+          </a:lnRef>
+          <a:fillRef idx="1">
+            <a:schemeClr val="accent1"/>
+          </a:fillRef>
+          <a:effectRef idx="0">
+            <a:schemeClr val="accent1"/>
+          </a:effectRef>
+          <a:fontRef idx="minor">
+            <a:schemeClr val="lt1"/>
+          </a:fontRef>
+        </p:style>
+        <p:txBody>
+          <a:bodyPr rtlCol="0" anchor="ctr"/>
+          <a:lstStyle/>
+          <a:p>
+            <a:pPr algn="ctr"/>
+            <a:r>
+              <a:rPr lang="ko-KR" altLang="en-US" sz="1400" b="1" dirty="0">
+                <a:solidFill>
+                  <a:schemeClr val="bg1"/>
+                </a:solidFill>
+              </a:rPr>
+              <a:t>자연계열</a:t>
+            </a:r>
+            <a:endParaRPr lang="en-US" altLang="ko-KR" sz="1400" b="1" dirty="0">
+              <a:solidFill>
+                <a:schemeClr val="bg1"/>
+              </a:solidFill>
+            </a:endParaRPr>
+          </a:p>
+        </p:txBody>
+      </p:sp>
+      <p:sp>
+        <p:nvSpPr>
+          <p:cNvPr id="28" name="직사각형 27">
+            <a:extLst>
+              <a:ext uri="{FF2B5EF4-FFF2-40B4-BE49-F238E27FC236}">
+                <a16:creationId xmlns:a16="http://schemas.microsoft.com/office/drawing/2014/main" id="{D9D53306-8AFC-64EE-26D5-4F7AD9B4825D}"/>
+              </a:ext>
+            </a:extLst>
+          </p:cNvPr>
+          <p:cNvSpPr/>
+          <p:nvPr/>
+        </p:nvSpPr>
+        <p:spPr>
+          <a:xfrm>
+            <a:off x="5296907" y="1802765"/>
+            <a:ext cx="1061049" cy="265741"/>
+          </a:xfrm>
+          <a:prstGeom prst="rect">
+            <a:avLst/>
+          </a:prstGeom>
+          <a:solidFill>
+            <a:srgbClr val="FF7700"/>
+          </a:solidFill>
+          <a:ln>
+            <a:noFill/>
+          </a:ln>
+        </p:spPr>
+        <p:style>
+          <a:lnRef idx="2">
+            <a:schemeClr val="accent1">
+              <a:shade val="50000"/>
+            </a:schemeClr>
+          </a:lnRef>
+          <a:fillRef idx="1">
+            <a:schemeClr val="accent1"/>
+          </a:fillRef>
+          <a:effectRef idx="0">
+            <a:schemeClr val="accent1"/>
+          </a:effectRef>
+          <a:fontRef idx="minor">
+            <a:schemeClr val="lt1"/>
+          </a:fontRef>
+        </p:style>
+        <p:txBody>
+          <a:bodyPr rtlCol="0" anchor="ctr"/>
+          <a:lstStyle/>
+          <a:p>
+            <a:pPr algn="ctr"/>
+            <a:r>
+              <a:rPr lang="ko-KR" altLang="en-US" sz="1400" b="1" dirty="0">
+                <a:solidFill>
+                  <a:schemeClr val="bg1"/>
+                </a:solidFill>
+              </a:rPr>
+              <a:t>사회계열</a:t>
+            </a:r>
+            <a:endParaRPr lang="en-US" altLang="ko-KR" sz="1400" b="1" dirty="0">
+              <a:solidFill>
+                <a:schemeClr val="bg1"/>
+              </a:solidFill>
+            </a:endParaRPr>
+          </a:p>
+        </p:txBody>
+      </p:sp>
+      <p:sp>
+        <p:nvSpPr>
+          <p:cNvPr id="29" name="직사각형 28">
+            <a:extLst>
+              <a:ext uri="{FF2B5EF4-FFF2-40B4-BE49-F238E27FC236}">
+                <a16:creationId xmlns:a16="http://schemas.microsoft.com/office/drawing/2014/main" id="{F9817CFA-ED25-6B16-86CE-C034BABA9D12}"/>
+              </a:ext>
+            </a:extLst>
+          </p:cNvPr>
+          <p:cNvSpPr/>
+          <p:nvPr/>
+        </p:nvSpPr>
+        <p:spPr>
+          <a:xfrm>
+            <a:off x="758123" y="1802764"/>
+            <a:ext cx="1061049" cy="265741"/>
+          </a:xfrm>
+          <a:prstGeom prst="rect">
+            <a:avLst/>
+          </a:prstGeom>
+          <a:solidFill>
+            <a:srgbClr val="56B356"/>
+          </a:solidFill>
+          <a:ln>
+            <a:noFill/>
+          </a:ln>
+        </p:spPr>
+        <p:style>
+          <a:lnRef idx="2">
+            <a:schemeClr val="accent1">
+              <a:shade val="50000"/>
+            </a:schemeClr>
+          </a:lnRef>
+          <a:fillRef idx="1">
+            <a:schemeClr val="accent1"/>
+          </a:fillRef>
+          <a:effectRef idx="0">
+            <a:schemeClr val="accent1"/>
+          </a:effectRef>
+          <a:fontRef idx="minor">
+            <a:schemeClr val="lt1"/>
+          </a:fontRef>
+        </p:style>
+        <p:txBody>
+          <a:bodyPr rtlCol="0" anchor="ctr"/>
+          <a:lstStyle/>
+          <a:p>
+            <a:pPr algn="ctr"/>
+            <a:r>
+              <a:rPr lang="ko-KR" altLang="en-US" sz="1400" b="1" dirty="0">
+                <a:solidFill>
+                  <a:schemeClr val="bg1"/>
+                </a:solidFill>
+              </a:rPr>
+              <a:t>공학계열</a:t>
+            </a:r>
+            <a:endParaRPr lang="en-US" altLang="ko-KR" sz="1400" b="1" dirty="0">
+              <a:solidFill>
+                <a:schemeClr val="bg1"/>
+              </a:solidFill>
+            </a:endParaRPr>
+          </a:p>
+        </p:txBody>
+      </p:sp>
+      <p:sp>
+        <p:nvSpPr>
+          <p:cNvPr id="34" name="직사각형 33">
+            <a:extLst>
+              <a:ext uri="{FF2B5EF4-FFF2-40B4-BE49-F238E27FC236}">
+                <a16:creationId xmlns:a16="http://schemas.microsoft.com/office/drawing/2014/main" id="{95A9171F-4C12-9F08-6730-33A44736C17A}"/>
+              </a:ext>
+            </a:extLst>
+          </p:cNvPr>
+          <p:cNvSpPr/>
+          <p:nvPr/>
+        </p:nvSpPr>
+        <p:spPr>
+          <a:xfrm>
+            <a:off x="3029465" y="1802765"/>
+            <a:ext cx="1061049" cy="265741"/>
+          </a:xfrm>
+          <a:prstGeom prst="rect">
+            <a:avLst/>
+          </a:prstGeom>
+          <a:solidFill>
+            <a:srgbClr val="1772B1"/>
+          </a:solidFill>
+          <a:ln>
+            <a:noFill/>
+          </a:ln>
+        </p:spPr>
+        <p:style>
+          <a:lnRef idx="2">
+            <a:schemeClr val="accent1">
+              <a:shade val="50000"/>
+            </a:schemeClr>
+          </a:lnRef>
+          <a:fillRef idx="1">
+            <a:schemeClr val="accent1"/>
+          </a:fillRef>
+          <a:effectRef idx="0">
+            <a:schemeClr val="accent1"/>
+          </a:effectRef>
+          <a:fontRef idx="minor">
+            <a:schemeClr val="lt1"/>
+          </a:fontRef>
+        </p:style>
+        <p:txBody>
+          <a:bodyPr rtlCol="0" anchor="ctr"/>
+          <a:lstStyle/>
+          <a:p>
+            <a:pPr algn="ctr"/>
+            <a:r>
+              <a:rPr lang="ko-KR" altLang="en-US" sz="1400" b="1" dirty="0">
+                <a:solidFill>
+                  <a:schemeClr val="bg1"/>
+                </a:solidFill>
+              </a:rPr>
+              <a:t>인문계열</a:t>
+            </a:r>
+            <a:endParaRPr lang="en-US" altLang="ko-KR" sz="1400" b="1" dirty="0">
+              <a:solidFill>
+                <a:schemeClr val="bg1"/>
+              </a:solidFill>
+            </a:endParaRPr>
+          </a:p>
+        </p:txBody>
+      </p:sp>
+      <p:sp>
+        <p:nvSpPr>
+          <p:cNvPr id="35" name="TextBox 34">
+            <a:extLst>
+              <a:ext uri="{FF2B5EF4-FFF2-40B4-BE49-F238E27FC236}">
+                <a16:creationId xmlns:a16="http://schemas.microsoft.com/office/drawing/2014/main" id="{03FE8A2C-8545-EEC5-9DDB-7571C54D63C9}"/>
+              </a:ext>
+            </a:extLst>
+          </p:cNvPr>
+          <p:cNvSpPr txBox="1"/>
+          <p:nvPr/>
+        </p:nvSpPr>
+        <p:spPr>
+          <a:xfrm>
+            <a:off x="440942" y="4270633"/>
+            <a:ext cx="3891693" cy="369332"/>
+          </a:xfrm>
+          <a:prstGeom prst="rect">
+            <a:avLst/>
+          </a:prstGeom>
+          <a:noFill/>
+        </p:spPr>
+        <p:txBody>
+          <a:bodyPr wrap="square" rtlCol="0">
+            <a:spAutoFit/>
+          </a:bodyPr>
+          <a:lstStyle/>
+          <a:p>
+            <a:r>
+              <a:rPr lang="ko-KR" altLang="en-US" b="1" dirty="0">
+                <a:solidFill>
+                  <a:srgbClr val="0275D8"/>
+                </a:solidFill>
+              </a:rPr>
+              <a:t>낮은 </a:t>
+            </a:r>
+            <a:r>
+              <a:rPr lang="ko-KR" altLang="en-US" b="1" dirty="0" err="1">
+                <a:solidFill>
+                  <a:srgbClr val="0275D8"/>
+                </a:solidFill>
+              </a:rPr>
+              <a:t>창업률</a:t>
+            </a:r>
+            <a:r>
+              <a:rPr lang="ko-KR" altLang="en-US" b="1" dirty="0">
+                <a:solidFill>
+                  <a:srgbClr val="0275D8"/>
+                </a:solidFill>
+              </a:rPr>
+              <a:t> </a:t>
+            </a:r>
+            <a:r>
+              <a:rPr lang="en-US" altLang="ko-KR" sz="1050" b="1" dirty="0">
+                <a:solidFill>
+                  <a:srgbClr val="0275D8"/>
+                </a:solidFill>
+              </a:rPr>
+              <a:t>7.2% </a:t>
+            </a:r>
+            <a:r>
+              <a:rPr lang="ko-KR" altLang="en-US" sz="1050" b="1" dirty="0">
+                <a:solidFill>
+                  <a:srgbClr val="0275D8"/>
+                </a:solidFill>
+              </a:rPr>
+              <a:t>이하</a:t>
+            </a:r>
+            <a:endParaRPr lang="en-US" altLang="ko-KR" dirty="0"/>
+          </a:p>
+        </p:txBody>
+      </p:sp>
+      <p:sp>
+        <p:nvSpPr>
+          <p:cNvPr id="36" name="TextBox 35">
+            <a:extLst>
+              <a:ext uri="{FF2B5EF4-FFF2-40B4-BE49-F238E27FC236}">
+                <a16:creationId xmlns:a16="http://schemas.microsoft.com/office/drawing/2014/main" id="{F5B6283A-EC40-14A3-473E-3DD8B0B3DB12}"/>
+              </a:ext>
+            </a:extLst>
+          </p:cNvPr>
+          <p:cNvSpPr txBox="1"/>
+          <p:nvPr/>
+        </p:nvSpPr>
+        <p:spPr>
+          <a:xfrm>
+            <a:off x="7504480" y="1628631"/>
+            <a:ext cx="4136637" cy="2585323"/>
+          </a:xfrm>
+          <a:prstGeom prst="rect">
+            <a:avLst/>
+          </a:prstGeom>
+          <a:noFill/>
+        </p:spPr>
+        <p:txBody>
+          <a:bodyPr wrap="square" rtlCol="0">
+            <a:spAutoFit/>
+          </a:bodyPr>
+          <a:lstStyle/>
+          <a:p>
+            <a:r>
+              <a:rPr lang="ko-KR" altLang="en-US" dirty="0"/>
+              <a:t>앞선 결과들과 달리 대표적인 문과계열들이 강세를 보였다</a:t>
+            </a:r>
+            <a:r>
+              <a:rPr lang="en-US" altLang="ko-KR" dirty="0"/>
+              <a:t>. </a:t>
+            </a:r>
+            <a:r>
+              <a:rPr lang="ko-KR" altLang="en-US" dirty="0"/>
+              <a:t>특히 낮은 모집인원과 낮은 취업률 지표를 보여주던 인문계열이 </a:t>
+            </a:r>
+            <a:r>
+              <a:rPr lang="ko-KR" altLang="en-US" dirty="0" err="1"/>
+              <a:t>창업률</a:t>
+            </a:r>
+            <a:r>
+              <a:rPr lang="ko-KR" altLang="en-US" dirty="0"/>
+              <a:t> 상위권을 기록했다</a:t>
+            </a:r>
+            <a:r>
+              <a:rPr lang="en-US" altLang="ko-KR" dirty="0"/>
+              <a:t>.</a:t>
+            </a:r>
+          </a:p>
+          <a:p>
+            <a:endParaRPr lang="en-US" altLang="ko-KR" dirty="0"/>
+          </a:p>
+          <a:p>
+            <a:r>
+              <a:rPr lang="ko-KR" altLang="en-US" dirty="0"/>
+              <a:t>압도적으로 높은 취업률을 보여주던 의학계열이 가장 낮은 취업률을 기록했다</a:t>
+            </a:r>
+            <a:r>
+              <a:rPr lang="en-US" altLang="ko-KR" dirty="0"/>
+              <a:t>. </a:t>
+            </a:r>
+            <a:r>
+              <a:rPr lang="ko-KR" altLang="en-US" dirty="0"/>
+              <a:t>또한 교육계열 역시 대부분 </a:t>
+            </a:r>
+            <a:endParaRPr lang="en-US" altLang="ko-KR" dirty="0"/>
+          </a:p>
+          <a:p>
+            <a:r>
+              <a:rPr lang="en-US" altLang="ko-KR" dirty="0"/>
+              <a:t>1~2%</a:t>
+            </a:r>
+            <a:r>
+              <a:rPr lang="ko-KR" altLang="en-US" dirty="0"/>
+              <a:t>사이를 유지했다</a:t>
+            </a:r>
+            <a:r>
+              <a:rPr lang="en-US" altLang="ko-KR" dirty="0"/>
+              <a:t>.  </a:t>
+            </a:r>
+            <a:endParaRPr lang="ko-KR" altLang="en-US" dirty="0"/>
+          </a:p>
+        </p:txBody>
+      </p:sp>
     </p:spTree>
     <p:extLst>
       <p:ext uri="{BB962C8B-B14F-4D97-AF65-F5344CB8AC3E}">
         <p14:creationId xmlns:p14="http://schemas.microsoft.com/office/powerpoint/2010/main" val="3968256218"/>
+      </p:ext>
+    </p:extLst>
+  </p:cSld>
+  <p:clrMapOvr>
+    <a:masterClrMapping/>
+  </p:clrMapOvr>
+</p:sld>
+</file>
+
+<file path=ppt/slides/slide8.xml><?xml version="1.0" encoding="utf-8"?>
+<p:sld xmlns:a="http://schemas.openxmlformats.org/drawingml/2006/main" xmlns:r="http://schemas.openxmlformats.org/officeDocument/2006/relationships" xmlns:p="http://schemas.openxmlformats.org/presentationml/2006/main">
+  <p:cSld>
+    <p:spTree>
+      <p:nvGrpSpPr>
+        <p:cNvPr id="1" name=""/>
+        <p:cNvGrpSpPr/>
+        <p:nvPr/>
+      </p:nvGrpSpPr>
+      <p:grpSpPr>
+        <a:xfrm>
+          <a:off x="0" y="0"/>
+          <a:ext cx="0" cy="0"/>
+          <a:chOff x="0" y="0"/>
+          <a:chExt cx="0" cy="0"/>
+        </a:xfrm>
+      </p:grpSpPr>
+      <p:sp>
+        <p:nvSpPr>
+          <p:cNvPr id="4" name="직사각형 3">
+            <a:extLst>
+              <a:ext uri="{FF2B5EF4-FFF2-40B4-BE49-F238E27FC236}">
+                <a16:creationId xmlns:a16="http://schemas.microsoft.com/office/drawing/2014/main" id="{43BEB5F9-C4FA-E84D-FCA7-5452B6E30D8B}"/>
+              </a:ext>
+            </a:extLst>
+          </p:cNvPr>
+          <p:cNvSpPr/>
+          <p:nvPr/>
+        </p:nvSpPr>
+        <p:spPr>
+          <a:xfrm>
+            <a:off x="0" y="0"/>
+            <a:ext cx="12192000" cy="609600"/>
+          </a:xfrm>
+          <a:prstGeom prst="rect">
+            <a:avLst/>
+          </a:prstGeom>
+          <a:gradFill flip="none" rotWithShape="1">
+            <a:gsLst>
+              <a:gs pos="58000">
+                <a:srgbClr val="0275D8"/>
+              </a:gs>
+              <a:gs pos="100000">
+                <a:srgbClr val="59B3FD"/>
+              </a:gs>
+            </a:gsLst>
+            <a:lin ang="0" scaled="1"/>
+            <a:tileRect/>
+          </a:gradFill>
+          <a:ln>
+            <a:noFill/>
+          </a:ln>
+        </p:spPr>
+        <p:style>
+          <a:lnRef idx="2">
+            <a:schemeClr val="accent1">
+              <a:shade val="50000"/>
+            </a:schemeClr>
+          </a:lnRef>
+          <a:fillRef idx="1">
+            <a:schemeClr val="accent1"/>
+          </a:fillRef>
+          <a:effectRef idx="0">
+            <a:schemeClr val="accent1"/>
+          </a:effectRef>
+          <a:fontRef idx="minor">
+            <a:schemeClr val="lt1"/>
+          </a:fontRef>
+        </p:style>
+        <p:txBody>
+          <a:bodyPr rtlCol="0" anchor="ctr"/>
+          <a:lstStyle/>
+          <a:p>
+            <a:pPr algn="ctr"/>
+            <a:endParaRPr lang="ko-KR" altLang="en-US"/>
+          </a:p>
+        </p:txBody>
+      </p:sp>
+      <p:sp>
+        <p:nvSpPr>
+          <p:cNvPr id="5" name="직사각형 4">
+            <a:extLst>
+              <a:ext uri="{FF2B5EF4-FFF2-40B4-BE49-F238E27FC236}">
+                <a16:creationId xmlns:a16="http://schemas.microsoft.com/office/drawing/2014/main" id="{C88B4ABF-FA06-9CF7-ADEC-7688489E6C58}"/>
+              </a:ext>
+            </a:extLst>
+          </p:cNvPr>
+          <p:cNvSpPr/>
+          <p:nvPr/>
+        </p:nvSpPr>
+        <p:spPr>
+          <a:xfrm>
+            <a:off x="619125" y="0"/>
+            <a:ext cx="2228850" cy="609600"/>
+          </a:xfrm>
+          <a:prstGeom prst="rect">
+            <a:avLst/>
+          </a:prstGeom>
+          <a:solidFill>
+            <a:schemeClr val="bg1"/>
+          </a:solidFill>
+          <a:ln>
+            <a:noFill/>
+          </a:ln>
+        </p:spPr>
+        <p:style>
+          <a:lnRef idx="2">
+            <a:schemeClr val="accent1">
+              <a:shade val="50000"/>
+            </a:schemeClr>
+          </a:lnRef>
+          <a:fillRef idx="1">
+            <a:schemeClr val="accent1"/>
+          </a:fillRef>
+          <a:effectRef idx="0">
+            <a:schemeClr val="accent1"/>
+          </a:effectRef>
+          <a:fontRef idx="minor">
+            <a:schemeClr val="lt1"/>
+          </a:fontRef>
+        </p:style>
+        <p:txBody>
+          <a:bodyPr rtlCol="0" anchor="ctr"/>
+          <a:lstStyle/>
+          <a:p>
+            <a:pPr algn="ctr"/>
+            <a:endParaRPr lang="ko-KR" altLang="en-US"/>
+          </a:p>
+        </p:txBody>
+      </p:sp>
+      <p:sp>
+        <p:nvSpPr>
+          <p:cNvPr id="6" name="TextBox 5">
+            <a:extLst>
+              <a:ext uri="{FF2B5EF4-FFF2-40B4-BE49-F238E27FC236}">
+                <a16:creationId xmlns:a16="http://schemas.microsoft.com/office/drawing/2014/main" id="{880221A8-D844-F67A-889E-C6E8D1488EAE}"/>
+              </a:ext>
+            </a:extLst>
+          </p:cNvPr>
+          <p:cNvSpPr txBox="1"/>
+          <p:nvPr/>
+        </p:nvSpPr>
+        <p:spPr>
+          <a:xfrm>
+            <a:off x="606551" y="35957"/>
+            <a:ext cx="2255746" cy="246221"/>
+          </a:xfrm>
+          <a:prstGeom prst="rect">
+            <a:avLst/>
+          </a:prstGeom>
+          <a:noFill/>
+        </p:spPr>
+        <p:txBody>
+          <a:bodyPr wrap="none" rtlCol="0">
+            <a:spAutoFit/>
+          </a:bodyPr>
+          <a:lstStyle/>
+          <a:p>
+            <a:r>
+              <a:rPr lang="en-US" altLang="ko-KR" sz="1000">
+                <a:solidFill>
+                  <a:schemeClr val="bg1">
+                    <a:lumMod val="50000"/>
+                  </a:schemeClr>
+                </a:solidFill>
+              </a:rPr>
+              <a:t>23</a:t>
+            </a:r>
+            <a:r>
+              <a:rPr lang="ko-KR" altLang="en-US" sz="1000">
+                <a:solidFill>
+                  <a:schemeClr val="bg1">
+                    <a:lumMod val="50000"/>
+                  </a:schemeClr>
+                </a:solidFill>
+              </a:rPr>
+              <a:t>년 교육 공공데이터 분석활용대회</a:t>
+            </a:r>
+          </a:p>
+        </p:txBody>
+      </p:sp>
+      <p:sp>
+        <p:nvSpPr>
+          <p:cNvPr id="7" name="TextBox 6">
+            <a:extLst>
+              <a:ext uri="{FF2B5EF4-FFF2-40B4-BE49-F238E27FC236}">
+                <a16:creationId xmlns:a16="http://schemas.microsoft.com/office/drawing/2014/main" id="{FD436CBD-70C1-11EE-3DCC-721C04BACCBF}"/>
+              </a:ext>
+            </a:extLst>
+          </p:cNvPr>
+          <p:cNvSpPr txBox="1"/>
+          <p:nvPr/>
+        </p:nvSpPr>
+        <p:spPr>
+          <a:xfrm>
+            <a:off x="742950" y="293132"/>
+            <a:ext cx="1221809" cy="261610"/>
+          </a:xfrm>
+          <a:prstGeom prst="rect">
+            <a:avLst/>
+          </a:prstGeom>
+          <a:noFill/>
+        </p:spPr>
+        <p:txBody>
+          <a:bodyPr wrap="none" rtlCol="0">
+            <a:spAutoFit/>
+          </a:bodyPr>
+          <a:lstStyle/>
+          <a:p>
+            <a:r>
+              <a:rPr lang="ko-KR" altLang="en-US" sz="1100">
+                <a:solidFill>
+                  <a:schemeClr val="tx1">
+                    <a:lumMod val="75000"/>
+                    <a:lumOff val="25000"/>
+                  </a:schemeClr>
+                </a:solidFill>
+              </a:rPr>
+              <a:t>ㅇㅇㅇ학교 김준</a:t>
+            </a:r>
+          </a:p>
+        </p:txBody>
+      </p:sp>
+      <p:sp>
+        <p:nvSpPr>
+          <p:cNvPr id="9" name="TextBox 8">
+            <a:extLst>
+              <a:ext uri="{FF2B5EF4-FFF2-40B4-BE49-F238E27FC236}">
+                <a16:creationId xmlns:a16="http://schemas.microsoft.com/office/drawing/2014/main" id="{2199EFDF-D68C-ABE9-6336-B99EE9CB699F}"/>
+              </a:ext>
+            </a:extLst>
+          </p:cNvPr>
+          <p:cNvSpPr txBox="1"/>
+          <p:nvPr/>
+        </p:nvSpPr>
+        <p:spPr>
+          <a:xfrm>
+            <a:off x="726404" y="1430000"/>
+            <a:ext cx="8093746" cy="600164"/>
+          </a:xfrm>
+          <a:prstGeom prst="rect">
+            <a:avLst/>
+          </a:prstGeom>
+          <a:noFill/>
+        </p:spPr>
+        <p:txBody>
+          <a:bodyPr wrap="square" rtlCol="0">
+            <a:spAutoFit/>
+          </a:bodyPr>
+          <a:lstStyle/>
+          <a:p>
+            <a:pPr marL="228600" indent="-228600">
+              <a:buAutoNum type="arabicPeriod"/>
+            </a:pPr>
+            <a:r>
+              <a:rPr lang="ko-KR" altLang="en-US" sz="1100" dirty="0"/>
+              <a:t>의약계열 </a:t>
+            </a:r>
+            <a:r>
+              <a:rPr lang="en-US" altLang="ko-KR" sz="1100" dirty="0"/>
+              <a:t>: </a:t>
+            </a:r>
+            <a:r>
+              <a:rPr lang="ko-KR" altLang="en-US" sz="1100" dirty="0"/>
+              <a:t>직업의 특성상 이러한 자료 가지고는 정확한 통계가 </a:t>
+            </a:r>
+            <a:r>
+              <a:rPr lang="ko-KR" altLang="en-US" sz="1100" dirty="0" err="1"/>
+              <a:t>불가능한것</a:t>
+            </a:r>
+            <a:r>
+              <a:rPr lang="ko-KR" altLang="en-US" sz="1100" dirty="0"/>
+              <a:t> 같다</a:t>
+            </a:r>
+            <a:r>
+              <a:rPr lang="en-US" altLang="ko-KR" sz="1100" dirty="0"/>
+              <a:t>.</a:t>
+            </a:r>
+          </a:p>
+          <a:p>
+            <a:pPr marL="228600" indent="-228600">
+              <a:buAutoNum type="arabicPeriod"/>
+            </a:pPr>
+            <a:r>
+              <a:rPr lang="ko-KR" altLang="en-US" sz="1100" dirty="0"/>
+              <a:t>교육계열</a:t>
+            </a:r>
+            <a:r>
+              <a:rPr lang="en-US" altLang="ko-KR" sz="1100" dirty="0"/>
+              <a:t> : </a:t>
+            </a:r>
+            <a:r>
+              <a:rPr lang="ko-KR" altLang="en-US" sz="1100" dirty="0"/>
+              <a:t>모집인원</a:t>
+            </a:r>
+            <a:r>
+              <a:rPr lang="en-US" altLang="ko-KR" sz="1100" dirty="0"/>
+              <a:t>, </a:t>
+            </a:r>
+            <a:r>
+              <a:rPr lang="ko-KR" altLang="en-US" sz="1100" dirty="0"/>
+              <a:t>취업률</a:t>
+            </a:r>
+            <a:r>
+              <a:rPr lang="en-US" altLang="ko-KR" sz="1100" dirty="0"/>
+              <a:t>, </a:t>
+            </a:r>
+            <a:r>
+              <a:rPr lang="ko-KR" altLang="en-US" sz="1100" dirty="0" err="1"/>
+              <a:t>창업률</a:t>
+            </a:r>
+            <a:r>
+              <a:rPr lang="ko-KR" altLang="en-US" sz="1100" dirty="0"/>
+              <a:t> 수치가 모두 좋지 않았다</a:t>
+            </a:r>
+            <a:r>
+              <a:rPr lang="en-US" altLang="ko-KR" sz="1100" dirty="0"/>
+              <a:t>. </a:t>
+            </a:r>
+            <a:r>
+              <a:rPr lang="ko-KR" altLang="en-US" sz="1100" dirty="0"/>
+              <a:t>특히 </a:t>
+            </a:r>
+            <a:r>
+              <a:rPr lang="ko-KR" altLang="en-US" sz="1100" dirty="0" err="1"/>
+              <a:t>창업률은</a:t>
+            </a:r>
+            <a:r>
+              <a:rPr lang="ko-KR" altLang="en-US" sz="1100" dirty="0"/>
+              <a:t> </a:t>
+            </a:r>
+            <a:r>
+              <a:rPr lang="ko-KR" altLang="en-US" sz="1100" dirty="0" err="1"/>
+              <a:t>바닦을</a:t>
+            </a:r>
+            <a:r>
+              <a:rPr lang="ko-KR" altLang="en-US" sz="1100" dirty="0"/>
+              <a:t> 뚫고 지나가고 있다</a:t>
+            </a:r>
+            <a:r>
+              <a:rPr lang="en-US" altLang="ko-KR" sz="1100" dirty="0"/>
+              <a:t>.</a:t>
+            </a:r>
+          </a:p>
+          <a:p>
+            <a:pPr marL="228600" indent="-228600">
+              <a:buAutoNum type="arabicPeriod"/>
+            </a:pPr>
+            <a:r>
+              <a:rPr lang="ko-KR" altLang="en-US" sz="1100" dirty="0"/>
+              <a:t>자연계열 </a:t>
+            </a:r>
+            <a:r>
+              <a:rPr lang="en-US" altLang="ko-KR" sz="1100" dirty="0"/>
+              <a:t>:</a:t>
+            </a:r>
+          </a:p>
+        </p:txBody>
+      </p:sp>
+      <p:sp>
+        <p:nvSpPr>
+          <p:cNvPr id="10" name="직사각형 9">
+            <a:extLst>
+              <a:ext uri="{FF2B5EF4-FFF2-40B4-BE49-F238E27FC236}">
+                <a16:creationId xmlns:a16="http://schemas.microsoft.com/office/drawing/2014/main" id="{55920641-18F4-2EEC-A538-AB18AFD39D4E}"/>
+              </a:ext>
+            </a:extLst>
+          </p:cNvPr>
+          <p:cNvSpPr/>
+          <p:nvPr/>
+        </p:nvSpPr>
+        <p:spPr>
+          <a:xfrm>
+            <a:off x="726404" y="879782"/>
+            <a:ext cx="769763" cy="400110"/>
+          </a:xfrm>
+          <a:prstGeom prst="rect">
+            <a:avLst/>
+          </a:prstGeom>
+        </p:spPr>
+        <p:txBody>
+          <a:bodyPr wrap="none">
+            <a:spAutoFit/>
+          </a:bodyPr>
+          <a:lstStyle/>
+          <a:p>
+            <a:r>
+              <a:rPr lang="ko-KR" altLang="en-US" sz="2000" b="1" dirty="0">
+                <a:solidFill>
+                  <a:srgbClr val="0275D8"/>
+                </a:solidFill>
+              </a:rPr>
+              <a:t>결과</a:t>
+            </a:r>
+            <a:r>
+              <a:rPr lang="ko-KR" altLang="en-US" sz="1600" dirty="0">
+                <a:solidFill>
+                  <a:srgbClr val="0275D8"/>
+                </a:solidFill>
+              </a:rPr>
+              <a:t> </a:t>
+            </a:r>
+            <a:endParaRPr lang="en-US" altLang="ko-KR" sz="1600" dirty="0">
+              <a:solidFill>
+                <a:srgbClr val="0275D8"/>
+              </a:solidFill>
+            </a:endParaRPr>
+          </a:p>
+        </p:txBody>
+      </p:sp>
+      <p:cxnSp>
+        <p:nvCxnSpPr>
+          <p:cNvPr id="11" name="직선 연결선 10">
+            <a:extLst>
+              <a:ext uri="{FF2B5EF4-FFF2-40B4-BE49-F238E27FC236}">
+                <a16:creationId xmlns:a16="http://schemas.microsoft.com/office/drawing/2014/main" id="{0ABB9442-E355-741A-4DA9-6228F90EF1D1}"/>
+              </a:ext>
+            </a:extLst>
+          </p:cNvPr>
+          <p:cNvCxnSpPr>
+            <a:cxnSpLocks/>
+          </p:cNvCxnSpPr>
+          <p:nvPr/>
+        </p:nvCxnSpPr>
+        <p:spPr>
+          <a:xfrm>
+            <a:off x="742950" y="1341447"/>
+            <a:ext cx="6210300" cy="0"/>
+          </a:xfrm>
+          <a:prstGeom prst="line">
+            <a:avLst/>
+          </a:prstGeom>
+          <a:ln w="19050">
+            <a:solidFill>
+              <a:srgbClr val="0275D8"/>
+            </a:solidFill>
+          </a:ln>
+        </p:spPr>
+        <p:style>
+          <a:lnRef idx="1">
+            <a:schemeClr val="accent1"/>
+          </a:lnRef>
+          <a:fillRef idx="0">
+            <a:schemeClr val="accent1"/>
+          </a:fillRef>
+          <a:effectRef idx="0">
+            <a:schemeClr val="accent1"/>
+          </a:effectRef>
+          <a:fontRef idx="minor">
+            <a:schemeClr val="tx1"/>
+          </a:fontRef>
+        </p:style>
+      </p:cxnSp>
+    </p:spTree>
+    <p:extLst>
+      <p:ext uri="{BB962C8B-B14F-4D97-AF65-F5344CB8AC3E}">
+        <p14:creationId xmlns:p14="http://schemas.microsoft.com/office/powerpoint/2010/main" val="2247998238"/>
       </p:ext>
     </p:extLst>
   </p:cSld>
